--- a/AlirezaHanifi's English resume.pptx
+++ b/AlirezaHanifi's English resume.pptx
@@ -209,7 +209,7 @@
           <a:p>
             <a:fld id="{BCD595E9-34D8-4758-B402-0B68AA487CD3}" type="datetimeFigureOut">
               <a:rPr lang="fa-IR" smtClean="0"/>
-              <a:t>1443/09/22</a:t>
+              <a:t>1443/11/05</a:t>
             </a:fld>
             <a:endParaRPr lang="fa-IR"/>
           </a:p>
@@ -3528,14 +3528,14 @@
           <p:nvPr>
             <p:extLst>
               <p:ext uri="{D42A27DB-BD31-4B8C-83A1-F6EECF244321}">
-                <p14:modId xmlns:p14="http://schemas.microsoft.com/office/powerpoint/2010/main" val="2314496063"/>
+                <p14:modId xmlns:p14="http://schemas.microsoft.com/office/powerpoint/2010/main" val="2632895179"/>
               </p:ext>
             </p:extLst>
           </p:nvPr>
         </p:nvGraphicFramePr>
         <p:xfrm>
-          <a:off x="137152" y="5686591"/>
-          <a:ext cx="6583679" cy="1691640"/>
+          <a:off x="137161" y="5563924"/>
+          <a:ext cx="6583679" cy="1950720"/>
         </p:xfrm>
         <a:graphic>
           <a:graphicData uri="http://schemas.openxmlformats.org/drawingml/2006/table">
@@ -4731,7 +4731,18 @@
                           <a:ea typeface="+mn-ea"/>
                           <a:cs typeface="+mn-cs"/>
                         </a:rPr>
-                        <a:t>Machine Learning by Andrew Ng </a:t>
+                        <a:t>Machine </a:t>
+                      </a:r>
+                      <a:r>
+                        <a:rPr lang="en-US" sz="1100" b="0" kern="1200" dirty="0" smtClean="0">
+                          <a:solidFill>
+                            <a:schemeClr val="tx1"/>
+                          </a:solidFill>
+                          <a:latin typeface="Calibri Light" panose="020F0302020204030204" pitchFamily="34" charset="0"/>
+                          <a:ea typeface="+mn-ea"/>
+                          <a:cs typeface="+mn-cs"/>
+                        </a:rPr>
+                        <a:t>Learning by Andrew Ng </a:t>
                       </a:r>
                       <a:r>
                         <a:rPr lang="en-US" sz="800" b="0" kern="1200" dirty="0" smtClean="0">
@@ -5005,6 +5016,151 @@
                 <a:extLst>
                   <a:ext uri="{0D108BD9-81ED-4DB2-BD59-A6C34878D82A}">
                     <a16:rowId xmlns:a16="http://schemas.microsoft.com/office/drawing/2014/main" val="291696126"/>
+                  </a:ext>
+                </a:extLst>
+              </a:tr>
+              <a:tr h="252078">
+                <a:tc gridSpan="5">
+                  <a:txBody>
+                    <a:bodyPr/>
+                    <a:lstStyle/>
+                    <a:p>
+                      <a:pPr marL="91440" marR="0" lvl="0" indent="-91440" algn="l" defTabSz="1320759" rtl="0" eaLnBrk="1" fontAlgn="auto" latinLnBrk="0" hangingPunct="1">
+                        <a:lnSpc>
+                          <a:spcPct val="100000"/>
+                        </a:lnSpc>
+                        <a:spcBef>
+                          <a:spcPts val="0"/>
+                        </a:spcBef>
+                        <a:spcAft>
+                          <a:spcPts val="0"/>
+                        </a:spcAft>
+                        <a:buClrTx/>
+                        <a:buSzTx/>
+                        <a:buFont typeface="Arial" panose="020B0604020202020204" pitchFamily="34" charset="0"/>
+                        <a:buChar char="•"/>
+                        <a:tabLst/>
+                        <a:defRPr/>
+                      </a:pPr>
+                      <a:r>
+                        <a:rPr lang="en-US" sz="1100" b="0" kern="1200" dirty="0" smtClean="0">
+                          <a:solidFill>
+                            <a:schemeClr val="tx1"/>
+                          </a:solidFill>
+                          <a:latin typeface="Calibri Light" panose="020F0302020204030204" pitchFamily="34" charset="0"/>
+                          <a:ea typeface="+mn-ea"/>
+                          <a:cs typeface="+mn-cs"/>
+                        </a:rPr>
+                        <a:t>Linux (at quera.org). [</a:t>
+                      </a:r>
+                      <a:r>
+                        <a:rPr lang="en-US" sz="800" b="0" u="heavy" kern="1200" baseline="0" dirty="0" smtClean="0">
+                          <a:solidFill>
+                            <a:schemeClr val="tx1"/>
+                          </a:solidFill>
+                          <a:uFill>
+                            <a:solidFill>
+                              <a:srgbClr val="FF0066"/>
+                            </a:solidFill>
+                          </a:uFill>
+                          <a:latin typeface="Candara" panose="020E0502030303020204" pitchFamily="34" charset="0"/>
+                          <a:ea typeface="+mn-ea"/>
+                          <a:cs typeface="+mn-cs"/>
+                          <a:hlinkClick r:id="rId5"/>
+                        </a:rPr>
+                        <a:t>certified</a:t>
+                      </a:r>
+                      <a:r>
+                        <a:rPr lang="en-US" sz="1100" b="0" kern="1200" dirty="0" smtClean="0">
+                          <a:solidFill>
+                            <a:schemeClr val="tx1"/>
+                          </a:solidFill>
+                          <a:latin typeface="Calibri Light" panose="020F0302020204030204" pitchFamily="34" charset="0"/>
+                          <a:ea typeface="+mn-ea"/>
+                          <a:cs typeface="+mn-cs"/>
+                        </a:rPr>
+                        <a:t>]</a:t>
+                      </a:r>
+                      <a:endParaRPr lang="fa-IR" sz="1100" b="0" kern="1200" dirty="0">
+                        <a:solidFill>
+                          <a:schemeClr val="tx1"/>
+                        </a:solidFill>
+                        <a:latin typeface="Calibri Light" panose="020F0302020204030204" pitchFamily="34" charset="0"/>
+                        <a:ea typeface="+mn-ea"/>
+                        <a:cs typeface="+mn-cs"/>
+                      </a:endParaRPr>
+                    </a:p>
+                  </a:txBody>
+                  <a:tcPr anchor="ctr">
+                    <a:lnL w="12700" cmpd="sng">
+                      <a:noFill/>
+                    </a:lnL>
+                    <a:lnR w="12700" cmpd="sng">
+                      <a:noFill/>
+                    </a:lnR>
+                    <a:lnT w="12700" cmpd="sng">
+                      <a:noFill/>
+                    </a:lnT>
+                    <a:lnB w="12700" cmpd="sng">
+                      <a:noFill/>
+                    </a:lnB>
+                    <a:lnTlToBr w="12700" cmpd="sng">
+                      <a:noFill/>
+                      <a:prstDash val="solid"/>
+                    </a:lnTlToBr>
+                    <a:lnBlToTr w="12700" cmpd="sng">
+                      <a:noFill/>
+                      <a:prstDash val="solid"/>
+                    </a:lnBlToTr>
+                  </a:tcPr>
+                </a:tc>
+                <a:tc hMerge="1">
+                  <a:txBody>
+                    <a:bodyPr/>
+                    <a:lstStyle/>
+                    <a:p>
+                      <a:pPr rtl="1"/>
+                      <a:endParaRPr lang="fa-IR"/>
+                    </a:p>
+                  </a:txBody>
+                  <a:tcPr/>
+                </a:tc>
+                <a:tc hMerge="1">
+                  <a:txBody>
+                    <a:bodyPr/>
+                    <a:lstStyle/>
+                    <a:p>
+                      <a:pPr rtl="1"/>
+                      <a:endParaRPr lang="fa-IR"/>
+                    </a:p>
+                  </a:txBody>
+                  <a:tcPr/>
+                </a:tc>
+                <a:tc hMerge="1">
+                  <a:txBody>
+                    <a:bodyPr/>
+                    <a:lstStyle/>
+                    <a:p>
+                      <a:pPr rtl="1"/>
+                      <a:endParaRPr lang="fa-IR"/>
+                    </a:p>
+                  </a:txBody>
+                  <a:tcPr/>
+                </a:tc>
+                <a:tc hMerge="1">
+                  <a:txBody>
+                    <a:bodyPr/>
+                    <a:lstStyle/>
+                    <a:p>
+                      <a:pPr rtl="1"/>
+                      <a:endParaRPr lang="fa-IR"/>
+                    </a:p>
+                  </a:txBody>
+                  <a:tcPr/>
+                </a:tc>
+                <a:extLst>
+                  <a:ext uri="{0D108BD9-81ED-4DB2-BD59-A6C34878D82A}">
+                    <a16:rowId xmlns:a16="http://schemas.microsoft.com/office/drawing/2014/main" val="893342324"/>
                   </a:ext>
                 </a:extLst>
               </a:tr>
@@ -5107,7 +5263,7 @@
                           <a:latin typeface="Candara" panose="020E0502030303020204" pitchFamily="34" charset="0"/>
                           <a:ea typeface="+mn-ea"/>
                           <a:cs typeface="+mn-cs"/>
-                          <a:hlinkClick r:id="rId5"/>
+                          <a:hlinkClick r:id="rId6"/>
                         </a:rPr>
                         <a:t>certified</a:t>
                       </a:r>
@@ -5385,7 +5541,7 @@
             <p:nvPr/>
           </p:nvPicPr>
           <p:blipFill>
-            <a:blip r:embed="rId6" cstate="print">
+            <a:blip r:embed="rId7" cstate="print">
               <a:extLst>
                 <a:ext uri="{28A0092B-C50C-407E-A947-70E740481C1C}">
                   <a14:useLocalDpi xmlns:a14="http://schemas.microsoft.com/office/drawing/2010/main" val="0"/>
@@ -5470,7 +5626,7 @@
             <p:nvPr/>
           </p:nvPicPr>
           <p:blipFill>
-            <a:blip r:embed="rId7" cstate="print">
+            <a:blip r:embed="rId8" cstate="print">
               <a:extLst>
                 <a:ext uri="{28A0092B-C50C-407E-A947-70E740481C1C}">
                   <a14:useLocalDpi xmlns:a14="http://schemas.microsoft.com/office/drawing/2010/main" val="0"/>
@@ -5541,13 +5697,13 @@
           <p:nvPr>
             <p:extLst>
               <p:ext uri="{D42A27DB-BD31-4B8C-83A1-F6EECF244321}">
-                <p14:modId xmlns:p14="http://schemas.microsoft.com/office/powerpoint/2010/main" val="825259916"/>
+                <p14:modId xmlns:p14="http://schemas.microsoft.com/office/powerpoint/2010/main" val="695136318"/>
               </p:ext>
             </p:extLst>
           </p:nvPr>
         </p:nvGraphicFramePr>
         <p:xfrm>
-          <a:off x="137160" y="1485045"/>
+          <a:off x="137160" y="1450925"/>
           <a:ext cx="6583681" cy="1850136"/>
         </p:xfrm>
         <a:graphic>
@@ -7142,13 +7298,13 @@
           <p:nvPr>
             <p:extLst>
               <p:ext uri="{D42A27DB-BD31-4B8C-83A1-F6EECF244321}">
-                <p14:modId xmlns:p14="http://schemas.microsoft.com/office/powerpoint/2010/main" val="1186255742"/>
+                <p14:modId xmlns:p14="http://schemas.microsoft.com/office/powerpoint/2010/main" val="519501488"/>
               </p:ext>
             </p:extLst>
           </p:nvPr>
         </p:nvGraphicFramePr>
         <p:xfrm>
-          <a:off x="132745" y="3393613"/>
+          <a:off x="137151" y="3330019"/>
           <a:ext cx="6583679" cy="2209800"/>
         </p:xfrm>
         <a:graphic>
@@ -9278,7 +9434,7 @@
           <a:p>
             <a:pPr algn="ctr"/>
             <a:r>
-              <a:rPr lang="en-US" sz="1000" b="1" dirty="0">
+              <a:rPr lang="en-US" sz="1000" b="1" dirty="0" smtClean="0">
                 <a:solidFill>
                   <a:schemeClr val="accent2">
                     <a:lumMod val="60000"/>
@@ -9289,7 +9445,7 @@
                 <a:ea typeface="Meiryo UI" panose="020B0604030504040204" pitchFamily="34" charset="-128"/>
                 <a:cs typeface="Meiryo UI" panose="020B0604030504040204" pitchFamily="34" charset="-128"/>
               </a:rPr>
-              <a:t>April </a:t>
+              <a:t>June </a:t>
             </a:r>
             <a:r>
               <a:rPr lang="fa-IR" sz="1000" b="1" dirty="0" smtClean="0">
@@ -9303,7 +9459,21 @@
                 <a:ea typeface="Meiryo UI" panose="020B0604030504040204" pitchFamily="34" charset="-128"/>
                 <a:cs typeface="Meiryo UI" panose="020B0604030504040204" pitchFamily="34" charset="-128"/>
               </a:rPr>
-              <a:t> 2022</a:t>
+              <a:t> </a:t>
+            </a:r>
+            <a:r>
+              <a:rPr lang="fa-IR" sz="1000" b="1" dirty="0" smtClean="0">
+                <a:solidFill>
+                  <a:schemeClr val="accent2">
+                    <a:lumMod val="60000"/>
+                    <a:lumOff val="40000"/>
+                  </a:schemeClr>
+                </a:solidFill>
+                <a:latin typeface="Century Gothic" panose="020B0502020202020204" pitchFamily="34" charset="0"/>
+                <a:ea typeface="Meiryo UI" panose="020B0604030504040204" pitchFamily="34" charset="-128"/>
+                <a:cs typeface="Meiryo UI" panose="020B0604030504040204" pitchFamily="34" charset="-128"/>
+              </a:rPr>
+              <a:t>2022</a:t>
             </a:r>
             <a:endParaRPr lang="fa-IR" sz="1000" b="1" dirty="0">
               <a:solidFill>
@@ -9498,7 +9668,7 @@
             <p:nvPr/>
           </p:nvPicPr>
           <p:blipFill rotWithShape="1">
-            <a:blip r:embed="rId8" cstate="print">
+            <a:blip r:embed="rId9" cstate="print">
               <a:extLst>
                 <a:ext uri="{28A0092B-C50C-407E-A947-70E740481C1C}">
                   <a14:useLocalDpi xmlns:a14="http://schemas.microsoft.com/office/drawing/2010/main" val="0"/>
@@ -9585,7 +9755,7 @@
                     </a:solidFill>
                   </a:uFill>
                   <a:latin typeface="Calibri" panose="020F0502020204030204" pitchFamily="34" charset="0"/>
-                  <a:hlinkClick r:id="rId9"/>
+                  <a:hlinkClick r:id="rId10"/>
                 </a:rPr>
                 <a:t>hanifi1375@yahoo.com</a:t>
               </a:r>
@@ -9610,7 +9780,7 @@
             <p:nvPr/>
           </p:nvPicPr>
           <p:blipFill>
-            <a:blip r:embed="rId10" cstate="print">
+            <a:blip r:embed="rId11" cstate="print">
               <a:extLst>
                 <a:ext uri="{28A0092B-C50C-407E-A947-70E740481C1C}">
                   <a14:useLocalDpi xmlns:a14="http://schemas.microsoft.com/office/drawing/2010/main" val="0"/>
@@ -9649,7 +9819,7 @@
         <p:sp>
           <p:nvSpPr>
             <p:cNvPr id="38" name="Rectangle 37">
-              <a:hlinkClick r:id="rId11"/>
+              <a:hlinkClick r:id="rId12"/>
             </p:cNvPr>
             <p:cNvSpPr/>
             <p:nvPr/>
@@ -9715,7 +9885,7 @@
               <p:nvPr/>
             </p:nvPicPr>
             <p:blipFill>
-              <a:blip r:embed="rId12" cstate="print">
+              <a:blip r:embed="rId13" cstate="print">
                 <a:extLst>
                   <a:ext uri="{28A0092B-C50C-407E-A947-70E740481C1C}">
                     <a14:useLocalDpi xmlns:a14="http://schemas.microsoft.com/office/drawing/2010/main" val="0"/>
@@ -9777,7 +9947,7 @@
                         <a:srgbClr val="FF0066"/>
                       </a:solidFill>
                     </a:uFill>
-                    <a:hlinkClick r:id="rId13" action="ppaction://hlinkfile"/>
+                    <a:hlinkClick r:id="rId14" action="ppaction://hlinkfile"/>
                   </a:rPr>
                   <a:t>linkedin.com/in/Alireza-Hanifi</a:t>
                 </a:r>
@@ -9810,7 +9980,7 @@
         <p:sp>
           <p:nvSpPr>
             <p:cNvPr id="40" name="Rectangle 39">
-              <a:hlinkClick r:id="rId14"/>
+              <a:hlinkClick r:id="rId15"/>
             </p:cNvPr>
             <p:cNvSpPr/>
             <p:nvPr/>
@@ -9878,7 +10048,7 @@
               <p:nvPr/>
             </p:nvPicPr>
             <p:blipFill>
-              <a:blip r:embed="rId15" cstate="print">
+              <a:blip r:embed="rId16" cstate="print">
                 <a:extLst>
                   <a:ext uri="{28A0092B-C50C-407E-A947-70E740481C1C}">
                     <a14:useLocalDpi xmlns:a14="http://schemas.microsoft.com/office/drawing/2010/main" val="0"/>
@@ -9934,7 +10104,7 @@
                       </a:solidFill>
                     </a:uFill>
                     <a:latin typeface="Calibri" panose="020F0502020204030204" pitchFamily="34" charset="0"/>
-                    <a:hlinkClick r:id="rId16" action="ppaction://hlinkfile"/>
+                    <a:hlinkClick r:id="rId17" action="ppaction://hlinkfile"/>
                   </a:rPr>
                   <a:t>github.com/AlirezaHanifi</a:t>
                 </a:r>
@@ -9961,13 +10131,13 @@
           <p:nvPr>
             <p:extLst>
               <p:ext uri="{D42A27DB-BD31-4B8C-83A1-F6EECF244321}">
-                <p14:modId xmlns:p14="http://schemas.microsoft.com/office/powerpoint/2010/main" val="1717100572"/>
+                <p14:modId xmlns:p14="http://schemas.microsoft.com/office/powerpoint/2010/main" val="861491607"/>
               </p:ext>
             </p:extLst>
           </p:nvPr>
         </p:nvGraphicFramePr>
         <p:xfrm>
-          <a:off x="137152" y="7461409"/>
+          <a:off x="137151" y="7531747"/>
           <a:ext cx="6583679" cy="1783080"/>
         </p:xfrm>
         <a:graphic>
@@ -10555,7 +10725,7 @@
                           <a:latin typeface="Calibri Light" panose="020F0302020204030204" pitchFamily="34" charset="0"/>
                           <a:ea typeface="+mn-ea"/>
                           <a:cs typeface="+mn-cs"/>
-                          <a:hlinkClick r:id="rId17"/>
+                          <a:hlinkClick r:id="rId18"/>
                         </a:rPr>
                         <a:t>ML projects with python</a:t>
                       </a:r>
@@ -11091,7 +11261,7 @@
                           <a:latin typeface="Calibri Light" panose="020F0302020204030204" pitchFamily="34" charset="0"/>
                           <a:ea typeface="+mn-ea"/>
                           <a:cs typeface="+mn-cs"/>
-                          <a:hlinkClick r:id="rId18"/>
+                          <a:hlinkClick r:id="rId19"/>
                         </a:rPr>
                         <a:t>My Journey into Deep Learning</a:t>
                       </a:r>
@@ -11572,7 +11742,7 @@
                 <a:ea typeface="Meiryo UI" panose="020B0604030504040204" pitchFamily="34" charset="-128"/>
                 <a:cs typeface="Meiryo UI" panose="020B0604030504040204" pitchFamily="34" charset="-128"/>
               </a:rPr>
-              <a:t>April </a:t>
+              <a:t>June </a:t>
             </a:r>
             <a:r>
               <a:rPr lang="fa-IR" sz="1000" b="1" dirty="0" smtClean="0">
@@ -11586,7 +11756,21 @@
                 <a:ea typeface="Meiryo UI" panose="020B0604030504040204" pitchFamily="34" charset="-128"/>
                 <a:cs typeface="Meiryo UI" panose="020B0604030504040204" pitchFamily="34" charset="-128"/>
               </a:rPr>
-              <a:t> 2022</a:t>
+              <a:t> </a:t>
+            </a:r>
+            <a:r>
+              <a:rPr lang="fa-IR" sz="1000" b="1" dirty="0" smtClean="0">
+                <a:solidFill>
+                  <a:schemeClr val="accent2">
+                    <a:lumMod val="60000"/>
+                    <a:lumOff val="40000"/>
+                  </a:schemeClr>
+                </a:solidFill>
+                <a:latin typeface="Century Gothic" panose="020B0502020202020204" pitchFamily="34" charset="0"/>
+                <a:ea typeface="Meiryo UI" panose="020B0604030504040204" pitchFamily="34" charset="-128"/>
+                <a:cs typeface="Meiryo UI" panose="020B0604030504040204" pitchFamily="34" charset="-128"/>
+              </a:rPr>
+              <a:t>2022</a:t>
             </a:r>
             <a:endParaRPr lang="fa-IR" sz="1000" b="1" dirty="0">
               <a:solidFill>
@@ -11708,14 +11892,14 @@
           <p:nvPr>
             <p:extLst>
               <p:ext uri="{D42A27DB-BD31-4B8C-83A1-F6EECF244321}">
-                <p14:modId xmlns:p14="http://schemas.microsoft.com/office/powerpoint/2010/main" val="3926740297"/>
+                <p14:modId xmlns:p14="http://schemas.microsoft.com/office/powerpoint/2010/main" val="3451206846"/>
               </p:ext>
             </p:extLst>
           </p:nvPr>
         </p:nvGraphicFramePr>
         <p:xfrm>
           <a:off x="137160" y="138301"/>
-          <a:ext cx="6583681" cy="1920240"/>
+          <a:ext cx="6583681" cy="2072640"/>
         </p:xfrm>
         <a:graphic>
           <a:graphicData uri="http://schemas.openxmlformats.org/drawingml/2006/table">
@@ -12329,7 +12513,40 @@
                           <a:ea typeface="+mn-ea"/>
                           <a:cs typeface="+mn-cs"/>
                         </a:rPr>
-                        <a:t>(scikit-learn, Pandas, NumPy, Matplotlib)</a:t>
+                        <a:t>(scikit-learn, Pandas, NumPy, </a:t>
+                      </a:r>
+                      <a:r>
+                        <a:rPr lang="en-US" sz="1050" b="0" kern="1200" dirty="0" smtClean="0">
+                          <a:solidFill>
+                            <a:schemeClr val="tx1"/>
+                          </a:solidFill>
+                          <a:latin typeface="Calibri Light" panose="020F0302020204030204" pitchFamily="34" charset="0"/>
+                          <a:ea typeface="+mn-ea"/>
+                          <a:cs typeface="+mn-cs"/>
+                        </a:rPr>
+                        <a:t>Matplotlib, Tensorflow, </a:t>
+                      </a:r>
+                      <a:r>
+                        <a:rPr lang="en-US" sz="1050" b="0" kern="1200" dirty="0" err="1" smtClean="0">
+                          <a:solidFill>
+                            <a:schemeClr val="tx1"/>
+                          </a:solidFill>
+                          <a:latin typeface="Calibri Light" panose="020F0302020204030204" pitchFamily="34" charset="0"/>
+                          <a:ea typeface="+mn-ea"/>
+                          <a:cs typeface="+mn-cs"/>
+                        </a:rPr>
+                        <a:t>keras</a:t>
+                      </a:r>
+                      <a:r>
+                        <a:rPr lang="en-US" sz="1050" b="0" kern="1200" dirty="0" smtClean="0">
+                          <a:solidFill>
+                            <a:schemeClr val="tx1"/>
+                          </a:solidFill>
+                          <a:latin typeface="Calibri Light" panose="020F0302020204030204" pitchFamily="34" charset="0"/>
+                          <a:ea typeface="+mn-ea"/>
+                          <a:cs typeface="+mn-cs"/>
+                        </a:rPr>
+                        <a:t>)</a:t>
                       </a:r>
                       <a:r>
                         <a:rPr lang="en-US" sz="1100" b="0" kern="1200" dirty="0" smtClean="0">
@@ -12340,7 +12557,18 @@
                           <a:ea typeface="+mn-ea"/>
                           <a:cs typeface="+mn-cs"/>
                         </a:rPr>
-                        <a:t>, SQL, Machine Learning, Deep Learning. </a:t>
+                        <a:t>, </a:t>
+                      </a:r>
+                      <a:r>
+                        <a:rPr lang="en-US" sz="1100" b="0" kern="1200" dirty="0" smtClean="0">
+                          <a:solidFill>
+                            <a:schemeClr val="tx1"/>
+                          </a:solidFill>
+                          <a:latin typeface="Calibri Light" panose="020F0302020204030204" pitchFamily="34" charset="0"/>
+                          <a:ea typeface="+mn-ea"/>
+                          <a:cs typeface="+mn-cs"/>
+                        </a:rPr>
+                        <a:t>SQL, Machine Learning, Deep Learning. </a:t>
                       </a:r>
                       <a:endParaRPr lang="fa-IR" sz="1100" b="0" kern="1200" dirty="0">
                         <a:solidFill>
@@ -12781,7 +13009,7 @@
                           <a:ea typeface="+mn-ea"/>
                           <a:cs typeface="+mn-cs"/>
                         </a:rPr>
-                        <a:t>Windows.</a:t>
+                        <a:t>Windows, Ubuntu.</a:t>
                       </a:r>
                       <a:endParaRPr lang="fa-IR" sz="1100" dirty="0">
                         <a:latin typeface="Calibri Light" panose="020F0302020204030204" pitchFamily="34" charset="0"/>

--- a/AlirezaHanifi's English resume.pptx
+++ b/AlirezaHanifi's English resume.pptx
@@ -209,7 +209,7 @@
           <a:p>
             <a:fld id="{BCD595E9-34D8-4758-B402-0B68AA487CD3}" type="datetimeFigureOut">
               <a:rPr lang="fa-IR" smtClean="0"/>
-              <a:t>1443/11/05</a:t>
+              <a:t>1443/11/13</a:t>
             </a:fld>
             <a:endParaRPr lang="fa-IR"/>
           </a:p>
@@ -3528,13 +3528,13 @@
           <p:nvPr>
             <p:extLst>
               <p:ext uri="{D42A27DB-BD31-4B8C-83A1-F6EECF244321}">
-                <p14:modId xmlns:p14="http://schemas.microsoft.com/office/powerpoint/2010/main" val="2632895179"/>
+                <p14:modId xmlns:p14="http://schemas.microsoft.com/office/powerpoint/2010/main" val="2789761888"/>
               </p:ext>
             </p:extLst>
           </p:nvPr>
         </p:nvGraphicFramePr>
         <p:xfrm>
-          <a:off x="137161" y="5563924"/>
+          <a:off x="137161" y="5548587"/>
           <a:ext cx="6583679" cy="1950720"/>
         </p:xfrm>
         <a:graphic>
@@ -4731,18 +4731,7 @@
                           <a:ea typeface="+mn-ea"/>
                           <a:cs typeface="+mn-cs"/>
                         </a:rPr>
-                        <a:t>Machine </a:t>
-                      </a:r>
-                      <a:r>
-                        <a:rPr lang="en-US" sz="1100" b="0" kern="1200" dirty="0" smtClean="0">
-                          <a:solidFill>
-                            <a:schemeClr val="tx1"/>
-                          </a:solidFill>
-                          <a:latin typeface="Calibri Light" panose="020F0302020204030204" pitchFamily="34" charset="0"/>
-                          <a:ea typeface="+mn-ea"/>
-                          <a:cs typeface="+mn-cs"/>
-                        </a:rPr>
-                        <a:t>Learning by Andrew Ng </a:t>
+                        <a:t>Machine Learning by Andrew Ng </a:t>
                       </a:r>
                       <a:r>
                         <a:rPr lang="en-US" sz="800" b="0" kern="1200" dirty="0" smtClean="0">
@@ -5697,13 +5686,13 @@
           <p:nvPr>
             <p:extLst>
               <p:ext uri="{D42A27DB-BD31-4B8C-83A1-F6EECF244321}">
-                <p14:modId xmlns:p14="http://schemas.microsoft.com/office/powerpoint/2010/main" val="695136318"/>
+                <p14:modId xmlns:p14="http://schemas.microsoft.com/office/powerpoint/2010/main" val="4067947343"/>
               </p:ext>
             </p:extLst>
           </p:nvPr>
         </p:nvGraphicFramePr>
         <p:xfrm>
-          <a:off x="137160" y="1450925"/>
+          <a:off x="137160" y="1490179"/>
           <a:ext cx="6583681" cy="1850136"/>
         </p:xfrm>
         <a:graphic>
@@ -7298,13 +7287,13 @@
           <p:nvPr>
             <p:extLst>
               <p:ext uri="{D42A27DB-BD31-4B8C-83A1-F6EECF244321}">
-                <p14:modId xmlns:p14="http://schemas.microsoft.com/office/powerpoint/2010/main" val="519501488"/>
+                <p14:modId xmlns:p14="http://schemas.microsoft.com/office/powerpoint/2010/main" val="3458735149"/>
               </p:ext>
             </p:extLst>
           </p:nvPr>
         </p:nvGraphicFramePr>
         <p:xfrm>
-          <a:off x="137151" y="3330019"/>
+          <a:off x="137161" y="3338787"/>
           <a:ext cx="6583679" cy="2209800"/>
         </p:xfrm>
         <a:graphic>
@@ -9459,21 +9448,7 @@
                 <a:ea typeface="Meiryo UI" panose="020B0604030504040204" pitchFamily="34" charset="-128"/>
                 <a:cs typeface="Meiryo UI" panose="020B0604030504040204" pitchFamily="34" charset="-128"/>
               </a:rPr>
-              <a:t> </a:t>
-            </a:r>
-            <a:r>
-              <a:rPr lang="fa-IR" sz="1000" b="1" dirty="0" smtClean="0">
-                <a:solidFill>
-                  <a:schemeClr val="accent2">
-                    <a:lumMod val="60000"/>
-                    <a:lumOff val="40000"/>
-                  </a:schemeClr>
-                </a:solidFill>
-                <a:latin typeface="Century Gothic" panose="020B0502020202020204" pitchFamily="34" charset="0"/>
-                <a:ea typeface="Meiryo UI" panose="020B0604030504040204" pitchFamily="34" charset="-128"/>
-                <a:cs typeface="Meiryo UI" panose="020B0604030504040204" pitchFamily="34" charset="-128"/>
-              </a:rPr>
-              <a:t>2022</a:t>
+              <a:t> 2022</a:t>
             </a:r>
             <a:endParaRPr lang="fa-IR" sz="1000" b="1" dirty="0">
               <a:solidFill>
@@ -10124,21 +10099,21 @@
       </p:grpSp>
       <p:graphicFrame>
         <p:nvGraphicFramePr>
-          <p:cNvPr id="36" name="Table 35"/>
+          <p:cNvPr id="33" name="Table 32"/>
           <p:cNvGraphicFramePr>
             <a:graphicFrameLocks noGrp="1"/>
           </p:cNvGraphicFramePr>
           <p:nvPr>
             <p:extLst>
               <p:ext uri="{D42A27DB-BD31-4B8C-83A1-F6EECF244321}">
-                <p14:modId xmlns:p14="http://schemas.microsoft.com/office/powerpoint/2010/main" val="861491607"/>
+                <p14:modId xmlns:p14="http://schemas.microsoft.com/office/powerpoint/2010/main" val="1330076632"/>
               </p:ext>
             </p:extLst>
           </p:nvPr>
         </p:nvGraphicFramePr>
         <p:xfrm>
-          <a:off x="137151" y="7531747"/>
-          <a:ext cx="6583679" cy="1783080"/>
+          <a:off x="137160" y="7505274"/>
+          <a:ext cx="6583681" cy="2072640"/>
         </p:xfrm>
         <a:graphic>
           <a:graphicData uri="http://schemas.openxmlformats.org/drawingml/2006/table">
@@ -10147,43 +10122,50 @@
                 <a:tableStyleId>{5940675A-B579-460E-94D1-54222C63F5DA}</a:tableStyleId>
               </a:tblPr>
               <a:tblGrid>
-                <a:gridCol w="1052160">
+                <a:gridCol w="698376">
                   <a:extLst>
                     <a:ext uri="{9D8B030D-6E8A-4147-A177-3AD203B41FA5}">
                       <a16:colId xmlns:a16="http://schemas.microsoft.com/office/drawing/2014/main" val="1758866349"/>
                     </a:ext>
                   </a:extLst>
                 </a:gridCol>
-                <a:gridCol w="1480138">
+                <a:gridCol w="669866">
                   <a:extLst>
                     <a:ext uri="{9D8B030D-6E8A-4147-A177-3AD203B41FA5}">
                       <a16:colId xmlns:a16="http://schemas.microsoft.com/office/drawing/2014/main" val="3262768634"/>
                     </a:ext>
                   </a:extLst>
                 </a:gridCol>
-                <a:gridCol w="1398875">
+                <a:gridCol w="1190344">
+                  <a:extLst>
+                    <a:ext uri="{9D8B030D-6E8A-4147-A177-3AD203B41FA5}">
+                      <a16:colId xmlns:a16="http://schemas.microsoft.com/office/drawing/2014/main" val="1743973046"/>
+                    </a:ext>
+                  </a:extLst>
+                </a:gridCol>
+                <a:gridCol w="1419770">
                   <a:extLst>
                     <a:ext uri="{9D8B030D-6E8A-4147-A177-3AD203B41FA5}">
                       <a16:colId xmlns:a16="http://schemas.microsoft.com/office/drawing/2014/main" val="3667680000"/>
                     </a:ext>
                   </a:extLst>
                 </a:gridCol>
-                <a:gridCol w="1766729">
+                <a:gridCol w="1257788">
                   <a:extLst>
                     <a:ext uri="{9D8B030D-6E8A-4147-A177-3AD203B41FA5}">
                       <a16:colId xmlns:a16="http://schemas.microsoft.com/office/drawing/2014/main" val="2106253107"/>
                     </a:ext>
                   </a:extLst>
                 </a:gridCol>
-                <a:gridCol w="885777">
+                <a:gridCol w="1347537">
                   <a:extLst>
                     <a:ext uri="{9D8B030D-6E8A-4147-A177-3AD203B41FA5}">
-                      <a16:colId xmlns:a16="http://schemas.microsoft.com/office/drawing/2014/main" val="857514281"/>
+                      <a16:colId xmlns:a16="http://schemas.microsoft.com/office/drawing/2014/main" val="2603293168"/>
                     </a:ext>
                   </a:extLst>
                 </a:gridCol>
               </a:tblGrid>
-              <a:tr h="0">
+              <a:tr h="192293">
                 <a:tc rowSpan="2">
                   <a:txBody>
                     <a:bodyPr/>
@@ -10215,44 +10197,32 @@
                           <a:ea typeface="+mn-ea"/>
                           <a:cs typeface="+mn-cs"/>
                         </a:rPr>
-                        <a:t>Projects</a:t>
+                        <a:t>Skills</a:t>
                       </a:r>
-                      <a:endParaRPr lang="fa-IR" sz="1700" b="1" dirty="0">
+                      <a:r>
+                        <a:rPr lang="en-US" sz="1800" dirty="0" smtClean="0"/>
+                        <a:t> </a:t>
+                      </a:r>
+                      <a:endParaRPr lang="fa-IR" sz="1800" b="1" dirty="0">
                         <a:solidFill>
-                          <a:srgbClr val="00B050"/>
+                          <a:srgbClr val="0070C0"/>
                         </a:solidFill>
                         <a:latin typeface="Century Gothic" panose="020B0502020202020204" pitchFamily="34" charset="0"/>
                       </a:endParaRPr>
                     </a:p>
                   </a:txBody>
                   <a:tcPr marL="45720" marR="45720" anchor="ctr">
-                    <a:lnL w="12700" cap="flat" cmpd="sng" algn="ctr">
-                      <a:noFill/>
-                      <a:prstDash val="solid"/>
-                      <a:round/>
-                      <a:headEnd type="none" w="med" len="med"/>
-                      <a:tailEnd type="none" w="med" len="med"/>
+                    <a:lnL w="12700" cmpd="sng">
+                      <a:noFill/>
                     </a:lnL>
-                    <a:lnR w="12700" cap="flat" cmpd="sng" algn="ctr">
-                      <a:noFill/>
-                      <a:prstDash val="solid"/>
-                      <a:round/>
-                      <a:headEnd type="none" w="med" len="med"/>
-                      <a:tailEnd type="none" w="med" len="med"/>
+                    <a:lnR w="12700" cmpd="sng">
+                      <a:noFill/>
                     </a:lnR>
-                    <a:lnT w="12700" cap="flat" cmpd="sng" algn="ctr">
-                      <a:noFill/>
-                      <a:prstDash val="solid"/>
-                      <a:round/>
-                      <a:headEnd type="none" w="med" len="med"/>
-                      <a:tailEnd type="none" w="med" len="med"/>
+                    <a:lnT w="12700" cmpd="sng">
+                      <a:noFill/>
                     </a:lnT>
-                    <a:lnB w="12700" cap="flat" cmpd="sng" algn="ctr">
-                      <a:noFill/>
-                      <a:prstDash val="solid"/>
-                      <a:round/>
-                      <a:headEnd type="none" w="med" len="med"/>
-                      <a:tailEnd type="none" w="med" len="med"/>
+                    <a:lnB w="12700" cmpd="sng">
+                      <a:noFill/>
                     </a:lnB>
                     <a:lnTlToBr w="12700" cmpd="sng">
                       <a:noFill/>
@@ -10264,7 +10234,7 @@
                     </a:lnBlToTr>
                   </a:tcPr>
                 </a:tc>
-                <a:tc>
+                <a:tc gridSpan="2">
                   <a:txBody>
                     <a:bodyPr/>
                     <a:lstStyle/>
@@ -10274,26 +10244,14 @@
                     </a:p>
                   </a:txBody>
                   <a:tcPr marL="45720" marR="45720" anchor="ctr">
-                    <a:lnL w="12700" cap="flat" cmpd="sng" algn="ctr">
-                      <a:noFill/>
-                      <a:prstDash val="solid"/>
-                      <a:round/>
-                      <a:headEnd type="none" w="med" len="med"/>
-                      <a:tailEnd type="none" w="med" len="med"/>
+                    <a:lnL w="12700" cmpd="sng">
+                      <a:noFill/>
                     </a:lnL>
-                    <a:lnR w="12700" cap="flat" cmpd="sng" algn="ctr">
-                      <a:noFill/>
-                      <a:prstDash val="solid"/>
-                      <a:round/>
-                      <a:headEnd type="none" w="med" len="med"/>
-                      <a:tailEnd type="none" w="med" len="med"/>
+                    <a:lnR w="12700" cmpd="sng">
+                      <a:noFill/>
                     </a:lnR>
-                    <a:lnT w="12700" cap="flat" cmpd="sng" algn="ctr">
-                      <a:noFill/>
-                      <a:prstDash val="solid"/>
-                      <a:round/>
-                      <a:headEnd type="none" w="med" len="med"/>
-                      <a:tailEnd type="none" w="med" len="med"/>
+                    <a:lnT w="12700" cmpd="sng">
+                      <a:noFill/>
                     </a:lnT>
                     <a:lnB w="12700" cap="flat" cmpd="sng" algn="ctr">
                       <a:solidFill>
@@ -10314,6 +10272,17 @@
                     </a:lnBlToTr>
                   </a:tcPr>
                 </a:tc>
+                <a:tc hMerge="1">
+                  <a:txBody>
+                    <a:bodyPr/>
+                    <a:lstStyle/>
+                    <a:p>
+                      <a:pPr rtl="1"/>
+                      <a:endParaRPr lang="fa-IR"/>
+                    </a:p>
+                  </a:txBody>
+                  <a:tcPr/>
+                </a:tc>
                 <a:tc>
                   <a:txBody>
                     <a:bodyPr/>
@@ -10324,26 +10293,14 @@
                     </a:p>
                   </a:txBody>
                   <a:tcPr marL="45720" marR="45720" anchor="ctr">
-                    <a:lnL w="12700" cap="flat" cmpd="sng" algn="ctr">
-                      <a:noFill/>
-                      <a:prstDash val="solid"/>
-                      <a:round/>
-                      <a:headEnd type="none" w="med" len="med"/>
-                      <a:tailEnd type="none" w="med" len="med"/>
+                    <a:lnL w="12700" cmpd="sng">
+                      <a:noFill/>
                     </a:lnL>
-                    <a:lnR w="12700" cap="flat" cmpd="sng" algn="ctr">
-                      <a:noFill/>
-                      <a:prstDash val="solid"/>
-                      <a:round/>
-                      <a:headEnd type="none" w="med" len="med"/>
-                      <a:tailEnd type="none" w="med" len="med"/>
+                    <a:lnR w="12700" cmpd="sng">
+                      <a:noFill/>
                     </a:lnR>
-                    <a:lnT w="12700" cap="flat" cmpd="sng" algn="ctr">
-                      <a:noFill/>
-                      <a:prstDash val="solid"/>
-                      <a:round/>
-                      <a:headEnd type="none" w="med" len="med"/>
-                      <a:tailEnd type="none" w="med" len="med"/>
+                    <a:lnT w="12700" cmpd="sng">
+                      <a:noFill/>
                     </a:lnT>
                     <a:lnB w="12700" cap="flat" cmpd="sng" algn="ctr">
                       <a:solidFill>
@@ -10374,26 +10331,14 @@
                     </a:p>
                   </a:txBody>
                   <a:tcPr marL="45720" marR="45720" anchor="ctr">
-                    <a:lnL w="12700" cap="flat" cmpd="sng" algn="ctr">
-                      <a:noFill/>
-                      <a:prstDash val="solid"/>
-                      <a:round/>
-                      <a:headEnd type="none" w="med" len="med"/>
-                      <a:tailEnd type="none" w="med" len="med"/>
+                    <a:lnL w="12700" cmpd="sng">
+                      <a:noFill/>
                     </a:lnL>
-                    <a:lnR w="12700" cap="flat" cmpd="sng" algn="ctr">
-                      <a:noFill/>
-                      <a:prstDash val="solid"/>
-                      <a:round/>
-                      <a:headEnd type="none" w="med" len="med"/>
-                      <a:tailEnd type="none" w="med" len="med"/>
+                    <a:lnR w="12700" cmpd="sng">
+                      <a:noFill/>
                     </a:lnR>
-                    <a:lnT w="12700" cap="flat" cmpd="sng" algn="ctr">
-                      <a:noFill/>
-                      <a:prstDash val="solid"/>
-                      <a:round/>
-                      <a:headEnd type="none" w="med" len="med"/>
-                      <a:tailEnd type="none" w="med" len="med"/>
+                    <a:lnT w="12700" cmpd="sng">
+                      <a:noFill/>
                     </a:lnT>
                     <a:lnB w="12700" cap="flat" cmpd="sng" algn="ctr">
                       <a:solidFill>
@@ -10419,31 +10364,19 @@
                     <a:bodyPr/>
                     <a:lstStyle/>
                     <a:p>
-                      <a:pPr rtl="1"/>
+                      <a:pPr algn="ctr" rtl="0"/>
                       <a:endParaRPr lang="fa-IR" sz="700" dirty="0"/>
                     </a:p>
                   </a:txBody>
                   <a:tcPr marL="45720" marR="45720" anchor="ctr">
-                    <a:lnL w="12700" cap="flat" cmpd="sng" algn="ctr">
-                      <a:noFill/>
-                      <a:prstDash val="solid"/>
-                      <a:round/>
-                      <a:headEnd type="none" w="med" len="med"/>
-                      <a:tailEnd type="none" w="med" len="med"/>
+                    <a:lnL w="12700" cmpd="sng">
+                      <a:noFill/>
                     </a:lnL>
-                    <a:lnR w="12700" cap="flat" cmpd="sng" algn="ctr">
-                      <a:noFill/>
-                      <a:prstDash val="solid"/>
-                      <a:round/>
-                      <a:headEnd type="none" w="med" len="med"/>
-                      <a:tailEnd type="none" w="med" len="med"/>
+                    <a:lnR w="12700" cmpd="sng">
+                      <a:noFill/>
                     </a:lnR>
-                    <a:lnT w="12700" cap="flat" cmpd="sng" algn="ctr">
-                      <a:noFill/>
-                      <a:prstDash val="solid"/>
-                      <a:round/>
-                      <a:headEnd type="none" w="med" len="med"/>
-                      <a:tailEnd type="none" w="med" len="med"/>
+                    <a:lnT w="12700" cmpd="sng">
+                      <a:noFill/>
                     </a:lnT>
                     <a:lnB w="12700" cap="flat" cmpd="sng" algn="ctr">
                       <a:solidFill>
@@ -10470,7 +10403,7 @@
                   </a:ext>
                 </a:extLst>
               </a:tr>
-              <a:tr h="0">
+              <a:tr h="192293">
                 <a:tc vMerge="1">
                   <a:txBody>
                     <a:bodyPr/>
@@ -10482,7 +10415,7 @@
                   </a:txBody>
                   <a:tcPr anchor="ctr"/>
                 </a:tc>
-                <a:tc>
+                <a:tc gridSpan="2">
                   <a:txBody>
                     <a:bodyPr/>
                     <a:lstStyle/>
@@ -10492,19 +10425,11 @@
                     </a:p>
                   </a:txBody>
                   <a:tcPr marL="45720" marR="45720" anchor="ctr">
-                    <a:lnL w="12700" cap="flat" cmpd="sng" algn="ctr">
-                      <a:noFill/>
-                      <a:prstDash val="solid"/>
-                      <a:round/>
-                      <a:headEnd type="none" w="med" len="med"/>
-                      <a:tailEnd type="none" w="med" len="med"/>
+                    <a:lnL w="12700" cmpd="sng">
+                      <a:noFill/>
                     </a:lnL>
-                    <a:lnR w="12700" cap="flat" cmpd="sng" algn="ctr">
-                      <a:noFill/>
-                      <a:prstDash val="solid"/>
-                      <a:round/>
-                      <a:headEnd type="none" w="med" len="med"/>
-                      <a:tailEnd type="none" w="med" len="med"/>
+                    <a:lnR w="12700" cmpd="sng">
+                      <a:noFill/>
                     </a:lnR>
                     <a:lnT w="12700" cap="flat" cmpd="sng" algn="ctr">
                       <a:solidFill>
@@ -10515,12 +10440,8 @@
                       <a:headEnd type="none" w="med" len="med"/>
                       <a:tailEnd type="none" w="med" len="med"/>
                     </a:lnT>
-                    <a:lnB w="12700" cap="flat" cmpd="sng" algn="ctr">
-                      <a:noFill/>
-                      <a:prstDash val="solid"/>
-                      <a:round/>
-                      <a:headEnd type="none" w="med" len="med"/>
-                      <a:tailEnd type="none" w="med" len="med"/>
+                    <a:lnB w="12700" cmpd="sng">
+                      <a:noFill/>
                     </a:lnB>
                     <a:lnTlToBr w="12700" cmpd="sng">
                       <a:noFill/>
@@ -10532,6 +10453,17 @@
                     </a:lnBlToTr>
                   </a:tcPr>
                 </a:tc>
+                <a:tc hMerge="1">
+                  <a:txBody>
+                    <a:bodyPr/>
+                    <a:lstStyle/>
+                    <a:p>
+                      <a:pPr rtl="1"/>
+                      <a:endParaRPr lang="fa-IR"/>
+                    </a:p>
+                  </a:txBody>
+                  <a:tcPr/>
+                </a:tc>
                 <a:tc>
                   <a:txBody>
                     <a:bodyPr/>
@@ -10542,19 +10474,11 @@
                     </a:p>
                   </a:txBody>
                   <a:tcPr marL="45720" marR="45720" anchor="ctr">
-                    <a:lnL w="12700" cap="flat" cmpd="sng" algn="ctr">
-                      <a:noFill/>
-                      <a:prstDash val="solid"/>
-                      <a:round/>
-                      <a:headEnd type="none" w="med" len="med"/>
-                      <a:tailEnd type="none" w="med" len="med"/>
+                    <a:lnL w="12700" cmpd="sng">
+                      <a:noFill/>
                     </a:lnL>
-                    <a:lnR w="12700" cap="flat" cmpd="sng" algn="ctr">
-                      <a:noFill/>
-                      <a:prstDash val="solid"/>
-                      <a:round/>
-                      <a:headEnd type="none" w="med" len="med"/>
-                      <a:tailEnd type="none" w="med" len="med"/>
+                    <a:lnR w="12700" cmpd="sng">
+                      <a:noFill/>
                     </a:lnR>
                     <a:lnT w="12700" cap="flat" cmpd="sng" algn="ctr">
                       <a:solidFill>
@@ -10565,12 +10489,8 @@
                       <a:headEnd type="none" w="med" len="med"/>
                       <a:tailEnd type="none" w="med" len="med"/>
                     </a:lnT>
-                    <a:lnB w="12700" cap="flat" cmpd="sng" algn="ctr">
-                      <a:noFill/>
-                      <a:prstDash val="solid"/>
-                      <a:round/>
-                      <a:headEnd type="none" w="med" len="med"/>
-                      <a:tailEnd type="none" w="med" len="med"/>
+                    <a:lnB w="12700" cmpd="sng">
+                      <a:noFill/>
                     </a:lnB>
                     <a:lnTlToBr w="12700" cmpd="sng">
                       <a:noFill/>
@@ -10592,19 +10512,11 @@
                     </a:p>
                   </a:txBody>
                   <a:tcPr marL="45720" marR="45720" anchor="ctr">
-                    <a:lnL w="12700" cap="flat" cmpd="sng" algn="ctr">
-                      <a:noFill/>
-                      <a:prstDash val="solid"/>
-                      <a:round/>
-                      <a:headEnd type="none" w="med" len="med"/>
-                      <a:tailEnd type="none" w="med" len="med"/>
+                    <a:lnL w="12700" cmpd="sng">
+                      <a:noFill/>
                     </a:lnL>
-                    <a:lnR w="12700" cap="flat" cmpd="sng" algn="ctr">
-                      <a:noFill/>
-                      <a:prstDash val="solid"/>
-                      <a:round/>
-                      <a:headEnd type="none" w="med" len="med"/>
-                      <a:tailEnd type="none" w="med" len="med"/>
+                    <a:lnR w="12700" cmpd="sng">
+                      <a:noFill/>
                     </a:lnR>
                     <a:lnT w="12700" cap="flat" cmpd="sng" algn="ctr">
                       <a:solidFill>
@@ -10615,12 +10527,8 @@
                       <a:headEnd type="none" w="med" len="med"/>
                       <a:tailEnd type="none" w="med" len="med"/>
                     </a:lnT>
-                    <a:lnB w="12700" cap="flat" cmpd="sng" algn="ctr">
-                      <a:noFill/>
-                      <a:prstDash val="solid"/>
-                      <a:round/>
-                      <a:headEnd type="none" w="med" len="med"/>
-                      <a:tailEnd type="none" w="med" len="med"/>
+                    <a:lnB w="12700" cmpd="sng">
+                      <a:noFill/>
                     </a:lnB>
                     <a:lnTlToBr w="12700" cmpd="sng">
                       <a:noFill/>
@@ -10637,24 +10545,16 @@
                     <a:bodyPr/>
                     <a:lstStyle/>
                     <a:p>
-                      <a:pPr rtl="1"/>
+                      <a:pPr algn="ctr" rtl="0"/>
                       <a:endParaRPr lang="fa-IR" sz="700" dirty="0"/>
                     </a:p>
                   </a:txBody>
                   <a:tcPr marL="45720" marR="45720" anchor="ctr">
-                    <a:lnL w="12700" cap="flat" cmpd="sng" algn="ctr">
-                      <a:noFill/>
-                      <a:prstDash val="solid"/>
-                      <a:round/>
-                      <a:headEnd type="none" w="med" len="med"/>
-                      <a:tailEnd type="none" w="med" len="med"/>
+                    <a:lnL w="12700" cmpd="sng">
+                      <a:noFill/>
                     </a:lnL>
-                    <a:lnR w="12700" cap="flat" cmpd="sng" algn="ctr">
-                      <a:noFill/>
-                      <a:prstDash val="solid"/>
-                      <a:round/>
-                      <a:headEnd type="none" w="med" len="med"/>
-                      <a:tailEnd type="none" w="med" len="med"/>
+                    <a:lnR w="12700" cmpd="sng">
+                      <a:noFill/>
                     </a:lnR>
                     <a:lnT w="12700" cap="flat" cmpd="sng" algn="ctr">
                       <a:solidFill>
@@ -10665,12 +10565,8 @@
                       <a:headEnd type="none" w="med" len="med"/>
                       <a:tailEnd type="none" w="med" len="med"/>
                     </a:lnT>
-                    <a:lnB w="12700" cap="flat" cmpd="sng" algn="ctr">
-                      <a:noFill/>
-                      <a:prstDash val="solid"/>
-                      <a:round/>
-                      <a:headEnd type="none" w="med" len="med"/>
-                      <a:tailEnd type="none" w="med" len="med"/>
+                    <a:lnB w="12700" cmpd="sng">
+                      <a:noFill/>
                     </a:lnB>
                     <a:lnTlToBr w="12700" cmpd="sng">
                       <a:noFill/>
@@ -10688,8 +10584,8 @@
                   </a:ext>
                 </a:extLst>
               </a:tr>
-              <a:tr h="0">
-                <a:tc gridSpan="4">
+              <a:tr h="414169">
+                <a:tc gridSpan="2">
                   <a:txBody>
                     <a:bodyPr/>
                     <a:lstStyle/>
@@ -10706,368 +10602,13 @@
                         </a:spcAft>
                         <a:buClrTx/>
                         <a:buSzTx/>
-                        <a:buFont typeface="Arial" panose="020B0604020202020204" pitchFamily="34" charset="0"/>
-                        <a:buNone/>
-                        <a:tabLst/>
-                        <a:defRPr/>
-                      </a:pPr>
-                      <a:r>
-                        <a:rPr lang="en-US" sz="1200" b="1" i="0" u="heavy" kern="1200" baseline="0" dirty="0" smtClean="0">
-                          <a:solidFill>
-                            <a:schemeClr val="tx1"/>
-                          </a:solidFill>
-                          <a:effectLst/>
-                          <a:uFill>
-                            <a:solidFill>
-                              <a:srgbClr val="FF0066"/>
-                            </a:solidFill>
-                          </a:uFill>
-                          <a:latin typeface="Calibri Light" panose="020F0302020204030204" pitchFamily="34" charset="0"/>
-                          <a:ea typeface="+mn-ea"/>
-                          <a:cs typeface="+mn-cs"/>
-                          <a:hlinkClick r:id="rId18"/>
-                        </a:rPr>
-                        <a:t>ML projects with python</a:t>
-                      </a:r>
-                      <a:endParaRPr lang="fa-IR" sz="1200" b="1" i="0" u="heavy" kern="1200" baseline="0" dirty="0">
-                        <a:solidFill>
-                          <a:schemeClr val="tx1"/>
-                        </a:solidFill>
-                        <a:effectLst/>
-                        <a:uFill>
-                          <a:solidFill>
-                            <a:srgbClr val="FF0066"/>
-                          </a:solidFill>
-                        </a:uFill>
-                        <a:latin typeface="Calibri Light" panose="020F0302020204030204" pitchFamily="34" charset="0"/>
-                        <a:ea typeface="+mn-ea"/>
-                        <a:cs typeface="+mn-cs"/>
-                      </a:endParaRPr>
-                    </a:p>
-                  </a:txBody>
-                  <a:tcPr anchor="ctr">
-                    <a:lnL w="12700" cap="flat" cmpd="sng" algn="ctr">
-                      <a:noFill/>
-                      <a:prstDash val="solid"/>
-                      <a:round/>
-                      <a:headEnd type="none" w="med" len="med"/>
-                      <a:tailEnd type="none" w="med" len="med"/>
-                    </a:lnL>
-                    <a:lnR w="12700" cap="flat" cmpd="sng" algn="ctr">
-                      <a:noFill/>
-                      <a:prstDash val="solid"/>
-                      <a:round/>
-                      <a:headEnd type="none" w="med" len="med"/>
-                      <a:tailEnd type="none" w="med" len="med"/>
-                    </a:lnR>
-                    <a:lnT w="12700" cap="flat" cmpd="sng" algn="ctr">
-                      <a:noFill/>
-                      <a:prstDash val="solid"/>
-                      <a:round/>
-                      <a:headEnd type="none" w="med" len="med"/>
-                      <a:tailEnd type="none" w="med" len="med"/>
-                    </a:lnT>
-                    <a:lnB w="12700" cap="flat" cmpd="sng" algn="ctr">
-                      <a:noFill/>
-                      <a:prstDash val="solid"/>
-                      <a:round/>
-                      <a:headEnd type="none" w="med" len="med"/>
-                      <a:tailEnd type="none" w="med" len="med"/>
-                    </a:lnB>
-                    <a:lnTlToBr w="12700" cmpd="sng">
-                      <a:noFill/>
-                      <a:prstDash val="solid"/>
-                    </a:lnTlToBr>
-                    <a:lnBlToTr w="12700" cmpd="sng">
-                      <a:noFill/>
-                      <a:prstDash val="solid"/>
-                    </a:lnBlToTr>
-                  </a:tcPr>
-                </a:tc>
-                <a:tc hMerge="1">
-                  <a:txBody>
-                    <a:bodyPr/>
-                    <a:lstStyle/>
-                    <a:p>
-                      <a:pPr algn="ctr" rtl="0"/>
-                      <a:endParaRPr lang="fa-IR" sz="1000" dirty="0">
-                        <a:latin typeface="Calibri Light" panose="020F0302020204030204" pitchFamily="34" charset="0"/>
-                      </a:endParaRPr>
-                    </a:p>
-                  </a:txBody>
-                  <a:tcPr anchor="ctr">
-                    <a:lnL w="12700" cmpd="sng">
-                      <a:noFill/>
-                    </a:lnL>
-                    <a:lnR w="12700" cmpd="sng">
-                      <a:noFill/>
-                    </a:lnR>
-                    <a:lnT w="12700" cmpd="sng">
-                      <a:noFill/>
-                    </a:lnT>
-                    <a:lnB w="12700" cmpd="sng">
-                      <a:noFill/>
-                    </a:lnB>
-                    <a:lnTlToBr w="12700" cmpd="sng">
-                      <a:noFill/>
-                      <a:prstDash val="solid"/>
-                    </a:lnTlToBr>
-                    <a:lnBlToTr w="12700" cmpd="sng">
-                      <a:noFill/>
-                      <a:prstDash val="solid"/>
-                    </a:lnBlToTr>
-                  </a:tcPr>
-                </a:tc>
-                <a:tc hMerge="1">
-                  <a:txBody>
-                    <a:bodyPr/>
-                    <a:lstStyle/>
-                    <a:p>
-                      <a:pPr algn="ctr" rtl="0"/>
-                      <a:endParaRPr lang="fa-IR" sz="1000" dirty="0">
-                        <a:latin typeface="Calibri Light" panose="020F0302020204030204" pitchFamily="34" charset="0"/>
-                      </a:endParaRPr>
-                    </a:p>
-                  </a:txBody>
-                  <a:tcPr anchor="ctr">
-                    <a:lnL w="12700" cap="flat" cmpd="sng" algn="ctr">
-                      <a:noFill/>
-                      <a:prstDash val="solid"/>
-                      <a:round/>
-                      <a:headEnd type="none" w="med" len="med"/>
-                      <a:tailEnd type="none" w="med" len="med"/>
-                    </a:lnL>
-                    <a:lnR w="12700" cap="flat" cmpd="sng" algn="ctr">
-                      <a:noFill/>
-                      <a:prstDash val="solid"/>
-                      <a:round/>
-                      <a:headEnd type="none" w="med" len="med"/>
-                      <a:tailEnd type="none" w="med" len="med"/>
-                    </a:lnR>
-                    <a:lnT w="12700" cap="flat" cmpd="sng" algn="ctr">
-                      <a:noFill/>
-                      <a:prstDash val="solid"/>
-                      <a:round/>
-                      <a:headEnd type="none" w="med" len="med"/>
-                      <a:tailEnd type="none" w="med" len="med"/>
-                    </a:lnT>
-                    <a:lnB w="12700" cap="flat" cmpd="sng" algn="ctr">
-                      <a:noFill/>
-                      <a:prstDash val="solid"/>
-                      <a:round/>
-                      <a:headEnd type="none" w="med" len="med"/>
-                      <a:tailEnd type="none" w="med" len="med"/>
-                    </a:lnB>
-                    <a:lnTlToBr w="12700" cmpd="sng">
-                      <a:noFill/>
-                      <a:prstDash val="solid"/>
-                    </a:lnTlToBr>
-                    <a:lnBlToTr w="12700" cmpd="sng">
-                      <a:noFill/>
-                      <a:prstDash val="solid"/>
-                    </a:lnBlToTr>
-                  </a:tcPr>
-                </a:tc>
-                <a:tc hMerge="1">
-                  <a:txBody>
-                    <a:bodyPr/>
-                    <a:lstStyle/>
-                    <a:p>
-                      <a:pPr algn="ctr" rtl="0"/>
-                      <a:endParaRPr lang="fa-IR" sz="1000" dirty="0">
-                        <a:latin typeface="Calibri Light" panose="020F0302020204030204" pitchFamily="34" charset="0"/>
-                      </a:endParaRPr>
-                    </a:p>
-                  </a:txBody>
-                  <a:tcPr anchor="ctr">
-                    <a:lnL w="12700" cap="flat" cmpd="sng" algn="ctr">
-                      <a:noFill/>
-                      <a:prstDash val="solid"/>
-                      <a:round/>
-                      <a:headEnd type="none" w="med" len="med"/>
-                      <a:tailEnd type="none" w="med" len="med"/>
-                    </a:lnL>
-                    <a:lnR w="12700" cap="flat" cmpd="sng" algn="ctr">
-                      <a:noFill/>
-                      <a:prstDash val="solid"/>
-                      <a:round/>
-                      <a:headEnd type="none" w="med" len="med"/>
-                      <a:tailEnd type="none" w="med" len="med"/>
-                    </a:lnR>
-                    <a:lnT w="12700" cap="flat" cmpd="sng" algn="ctr">
-                      <a:noFill/>
-                      <a:prstDash val="solid"/>
-                      <a:round/>
-                      <a:headEnd type="none" w="med" len="med"/>
-                      <a:tailEnd type="none" w="med" len="med"/>
-                    </a:lnT>
-                    <a:lnB w="12700" cap="flat" cmpd="sng" algn="ctr">
-                      <a:noFill/>
-                      <a:prstDash val="solid"/>
-                      <a:round/>
-                      <a:headEnd type="none" w="med" len="med"/>
-                      <a:tailEnd type="none" w="med" len="med"/>
-                    </a:lnB>
-                    <a:lnTlToBr w="12700" cmpd="sng">
-                      <a:noFill/>
-                      <a:prstDash val="solid"/>
-                    </a:lnTlToBr>
-                    <a:lnBlToTr w="12700" cmpd="sng">
-                      <a:noFill/>
-                      <a:prstDash val="solid"/>
-                    </a:lnBlToTr>
-                  </a:tcPr>
-                </a:tc>
-                <a:tc rowSpan="2">
-                  <a:txBody>
-                    <a:bodyPr/>
-                    <a:lstStyle/>
-                    <a:p>
-                      <a:pPr marL="0" marR="0" indent="0" algn="ctr" defTabSz="1320759" rtl="0" eaLnBrk="1" fontAlgn="auto" latinLnBrk="0" hangingPunct="1">
-                        <a:lnSpc>
-                          <a:spcPct val="100000"/>
-                        </a:lnSpc>
-                        <a:spcBef>
-                          <a:spcPts val="600"/>
-                        </a:spcBef>
-                        <a:spcAft>
-                          <a:spcPts val="600"/>
-                        </a:spcAft>
-                        <a:buClrTx/>
-                        <a:buSzTx/>
                         <a:buFontTx/>
                         <a:buNone/>
                         <a:tabLst/>
                         <a:defRPr/>
                       </a:pPr>
                       <a:r>
-                        <a:rPr lang="en-US" sz="1000" b="0" i="0" kern="1200" dirty="0" smtClean="0">
-                          <a:solidFill>
-                            <a:srgbClr val="0070C0"/>
-                          </a:solidFill>
-                          <a:effectLst/>
-                          <a:latin typeface="Candara" panose="020E0502030303020204" pitchFamily="34" charset="0"/>
-                          <a:ea typeface="+mn-ea"/>
-                          <a:cs typeface="+mn-cs"/>
-                        </a:rPr>
-                        <a:t>2022</a:t>
-                      </a:r>
-                      <a:endParaRPr lang="fa-IR" sz="1000" b="0" i="0" kern="1200" dirty="0">
-                        <a:solidFill>
-                          <a:srgbClr val="0070C0"/>
-                        </a:solidFill>
-                        <a:effectLst/>
-                        <a:latin typeface="Candara" panose="020E0502030303020204" pitchFamily="34" charset="0"/>
-                        <a:ea typeface="+mn-ea"/>
-                        <a:cs typeface="+mn-cs"/>
-                      </a:endParaRPr>
-                    </a:p>
-                  </a:txBody>
-                  <a:tcPr marT="0" anchor="ctr">
-                    <a:lnL w="12700" cap="flat" cmpd="sng" algn="ctr">
-                      <a:noFill/>
-                      <a:prstDash val="solid"/>
-                      <a:round/>
-                      <a:headEnd type="none" w="med" len="med"/>
-                      <a:tailEnd type="none" w="med" len="med"/>
-                    </a:lnL>
-                    <a:lnR w="12700" cap="flat" cmpd="sng" algn="ctr">
-                      <a:noFill/>
-                      <a:prstDash val="solid"/>
-                      <a:round/>
-                      <a:headEnd type="none" w="med" len="med"/>
-                      <a:tailEnd type="none" w="med" len="med"/>
-                    </a:lnR>
-                    <a:lnT w="12700" cap="flat" cmpd="sng" algn="ctr">
-                      <a:noFill/>
-                      <a:prstDash val="solid"/>
-                      <a:round/>
-                      <a:headEnd type="none" w="med" len="med"/>
-                      <a:tailEnd type="none" w="med" len="med"/>
-                    </a:lnT>
-                    <a:lnB w="12700" cap="flat" cmpd="sng" algn="ctr">
-                      <a:noFill/>
-                      <a:prstDash val="solid"/>
-                      <a:round/>
-                      <a:headEnd type="none" w="med" len="med"/>
-                      <a:tailEnd type="none" w="med" len="med"/>
-                    </a:lnB>
-                    <a:lnTlToBr w="12700" cmpd="sng">
-                      <a:noFill/>
-                      <a:prstDash val="solid"/>
-                    </a:lnTlToBr>
-                    <a:lnBlToTr w="12700" cmpd="sng">
-                      <a:noFill/>
-                      <a:prstDash val="solid"/>
-                    </a:lnBlToTr>
-                  </a:tcPr>
-                </a:tc>
-                <a:extLst>
-                  <a:ext uri="{0D108BD9-81ED-4DB2-BD59-A6C34878D82A}">
-                    <a16:rowId xmlns:a16="http://schemas.microsoft.com/office/drawing/2014/main" val="291696126"/>
-                  </a:ext>
-                </a:extLst>
-              </a:tr>
-              <a:tr h="0">
-                <a:tc gridSpan="4">
-                  <a:txBody>
-                    <a:bodyPr/>
-                    <a:lstStyle/>
-                    <a:p>
-                      <a:pPr marL="91440" indent="-91440" algn="just" rtl="0">
-                        <a:buFont typeface="Arial" panose="020B0604020202020204" pitchFamily="34" charset="0"/>
-                        <a:buChar char="•"/>
-                      </a:pPr>
-                      <a:r>
-                        <a:rPr lang="en-US" sz="1100" dirty="0" smtClean="0">
-                          <a:latin typeface="Calibri Light" panose="020F0302020204030204" pitchFamily="34" charset="0"/>
-                        </a:rPr>
-                        <a:t>Predicting house prices</a:t>
-                      </a:r>
-                      <a:r>
-                        <a:rPr lang="en-US" sz="1100" baseline="0" dirty="0" smtClean="0">
-                          <a:latin typeface="Calibri Light" panose="020F0302020204030204" pitchFamily="34" charset="0"/>
-                        </a:rPr>
-                        <a:t> (</a:t>
-                      </a:r>
-                      <a:r>
-                        <a:rPr lang="en-US" sz="1100" dirty="0" smtClean="0">
-                          <a:latin typeface="Calibri Light" panose="020F0302020204030204" pitchFamily="34" charset="0"/>
-                        </a:rPr>
-                        <a:t>A regression project).</a:t>
-                      </a:r>
-                    </a:p>
-                    <a:p>
-                      <a:pPr marL="91440" indent="-91440" algn="just" rtl="0">
-                        <a:buFont typeface="Arial" panose="020B0604020202020204" pitchFamily="34" charset="0"/>
-                        <a:buChar char="•"/>
-                      </a:pPr>
-                      <a:r>
-                        <a:rPr lang="en-US" sz="1100" dirty="0" smtClean="0">
-                          <a:latin typeface="Calibri Light" panose="020F0302020204030204" pitchFamily="34" charset="0"/>
-                        </a:rPr>
-                        <a:t>Classifying heart attack (A binary classification project).</a:t>
-                      </a:r>
-                    </a:p>
-                    <a:p>
-                      <a:pPr marL="91440" indent="-91440" algn="just" rtl="0">
-                        <a:buFont typeface="Arial" panose="020B0604020202020204" pitchFamily="34" charset="0"/>
-                        <a:buChar char="•"/>
-                      </a:pPr>
-                      <a:r>
-                        <a:rPr lang="en-US" sz="1100" dirty="0" smtClean="0">
-                          <a:latin typeface="Calibri Light" panose="020F0302020204030204" pitchFamily="34" charset="0"/>
-                        </a:rPr>
-                        <a:t>Customer segmentation (A clustering project).</a:t>
-                      </a:r>
-                    </a:p>
-                    <a:p>
-                      <a:pPr marL="91440" indent="-91440" algn="just" rtl="0">
-                        <a:buFont typeface="Arial" panose="020B0604020202020204" pitchFamily="34" charset="0"/>
-                        <a:buChar char="•"/>
-                      </a:pPr>
-                      <a:r>
-                        <a:rPr lang="en-US" sz="1100" kern="1200" dirty="0" smtClean="0">
+                        <a:rPr lang="en-US" sz="1200" b="1" kern="1200" dirty="0" smtClean="0">
                           <a:solidFill>
                             <a:schemeClr val="tx1"/>
                           </a:solidFill>
@@ -11075,65 +10616,30 @@
                           <a:ea typeface="+mn-ea"/>
                           <a:cs typeface="+mn-cs"/>
                         </a:rPr>
-                        <a:t>Movie recommendation system (A recommendation system </a:t>
+                        <a:t>Data Science:</a:t>
                       </a:r>
-                      <a:r>
-                        <a:rPr lang="en-US" sz="1100" dirty="0" smtClean="0">
-                          <a:latin typeface="Calibri Light" panose="020F0302020204030204" pitchFamily="34" charset="0"/>
-                        </a:rPr>
-                        <a:t>project)</a:t>
-                      </a:r>
-                      <a:r>
-                        <a:rPr lang="en-US" sz="1100" kern="1200" dirty="0" smtClean="0">
-                          <a:solidFill>
-                            <a:schemeClr val="tx1"/>
-                          </a:solidFill>
-                          <a:latin typeface="Calibri Light" panose="020F0302020204030204" pitchFamily="34" charset="0"/>
-                          <a:ea typeface="+mn-ea"/>
-                          <a:cs typeface="+mn-cs"/>
-                        </a:rPr>
-                        <a:t>.</a:t>
-                      </a:r>
-                      <a:endParaRPr lang="fa-IR" sz="1100" b="0" dirty="0">
+                      <a:endParaRPr lang="fa-IR" sz="1200" b="1" kern="1200" dirty="0">
                         <a:solidFill>
-                          <a:schemeClr val="bg2">
-                            <a:lumMod val="50000"/>
-                          </a:schemeClr>
+                          <a:schemeClr val="tx1"/>
                         </a:solidFill>
-                        <a:effectLst/>
-                        <a:latin typeface="Meiryo UI" panose="020B0604030504040204" pitchFamily="34" charset="-128"/>
-                        <a:ea typeface="Meiryo UI" panose="020B0604030504040204" pitchFamily="34" charset="-128"/>
+                        <a:latin typeface="Calibri Light" panose="020F0302020204030204" pitchFamily="34" charset="0"/>
+                        <a:ea typeface="+mn-ea"/>
+                        <a:cs typeface="+mn-cs"/>
                       </a:endParaRPr>
                     </a:p>
                   </a:txBody>
-                  <a:tcPr marT="0" marB="0" anchor="ctr">
-                    <a:lnL w="12700" cap="flat" cmpd="sng" algn="ctr">
-                      <a:noFill/>
-                      <a:prstDash val="solid"/>
-                      <a:round/>
-                      <a:headEnd type="none" w="med" len="med"/>
-                      <a:tailEnd type="none" w="med" len="med"/>
+                  <a:tcPr marR="0">
+                    <a:lnL w="12700" cmpd="sng">
+                      <a:noFill/>
                     </a:lnL>
-                    <a:lnR w="12700" cap="flat" cmpd="sng" algn="ctr">
-                      <a:noFill/>
-                      <a:prstDash val="solid"/>
-                      <a:round/>
-                      <a:headEnd type="none" w="med" len="med"/>
-                      <a:tailEnd type="none" w="med" len="med"/>
+                    <a:lnR w="12700" cmpd="sng">
+                      <a:noFill/>
                     </a:lnR>
-                    <a:lnT w="12700" cap="flat" cmpd="sng" algn="ctr">
-                      <a:noFill/>
-                      <a:prstDash val="solid"/>
-                      <a:round/>
-                      <a:headEnd type="none" w="med" len="med"/>
-                      <a:tailEnd type="none" w="med" len="med"/>
+                    <a:lnT w="12700" cmpd="sng">
+                      <a:noFill/>
                     </a:lnT>
-                    <a:lnB w="12700" cap="flat" cmpd="sng" algn="ctr">
-                      <a:noFill/>
-                      <a:prstDash val="solid"/>
-                      <a:round/>
-                      <a:headEnd type="none" w="med" len="med"/>
-                      <a:tailEnd type="none" w="med" len="med"/>
+                    <a:lnB w="12700" cmpd="sng">
+                      <a:noFill/>
                     </a:lnB>
                     <a:lnTlToBr w="12700" cmpd="sng">
                       <a:noFill/>
@@ -11146,86 +10652,6 @@
                   </a:tcPr>
                 </a:tc>
                 <a:tc hMerge="1">
-                  <a:txBody>
-                    <a:bodyPr/>
-                    <a:lstStyle/>
-                    <a:p>
-                      <a:pPr rtl="1"/>
-                      <a:endParaRPr lang="fa-IR"/>
-                    </a:p>
-                  </a:txBody>
-                  <a:tcPr/>
-                </a:tc>
-                <a:tc hMerge="1">
-                  <a:txBody>
-                    <a:bodyPr/>
-                    <a:lstStyle/>
-                    <a:p>
-                      <a:pPr rtl="1"/>
-                      <a:endParaRPr lang="fa-IR"/>
-                    </a:p>
-                  </a:txBody>
-                  <a:tcPr/>
-                </a:tc>
-                <a:tc hMerge="1">
-                  <a:txBody>
-                    <a:bodyPr/>
-                    <a:lstStyle/>
-                    <a:p>
-                      <a:pPr rtl="1"/>
-                      <a:endParaRPr lang="fa-IR"/>
-                    </a:p>
-                  </a:txBody>
-                  <a:tcPr/>
-                </a:tc>
-                <a:tc vMerge="1">
-                  <a:txBody>
-                    <a:bodyPr/>
-                    <a:lstStyle/>
-                    <a:p>
-                      <a:pPr algn="ctr" rtl="0"/>
-                      <a:endParaRPr lang="fa-IR" sz="950" b="0" dirty="0">
-                        <a:solidFill>
-                          <a:schemeClr val="tx1">
-                            <a:lumMod val="50000"/>
-                            <a:lumOff val="50000"/>
-                          </a:schemeClr>
-                        </a:solidFill>
-                        <a:latin typeface="Candara" panose="020E0502030303020204" pitchFamily="34" charset="0"/>
-                      </a:endParaRPr>
-                    </a:p>
-                  </a:txBody>
-                  <a:tcPr anchor="ctr">
-                    <a:lnL w="12700" cmpd="sng">
-                      <a:noFill/>
-                    </a:lnL>
-                    <a:lnR w="12700" cmpd="sng">
-                      <a:noFill/>
-                    </a:lnR>
-                    <a:lnT w="12700" cmpd="sng">
-                      <a:noFill/>
-                    </a:lnT>
-                    <a:lnB w="12700" cmpd="sng">
-                      <a:noFill/>
-                    </a:lnB>
-                    <a:lnTlToBr w="12700" cmpd="sng">
-                      <a:noFill/>
-                      <a:prstDash val="solid"/>
-                    </a:lnTlToBr>
-                    <a:lnBlToTr w="12700" cmpd="sng">
-                      <a:noFill/>
-                      <a:prstDash val="solid"/>
-                    </a:lnBlToTr>
-                  </a:tcPr>
-                </a:tc>
-                <a:extLst>
-                  <a:ext uri="{0D108BD9-81ED-4DB2-BD59-A6C34878D82A}">
-                    <a16:rowId xmlns:a16="http://schemas.microsoft.com/office/drawing/2014/main" val="2504659023"/>
-                  </a:ext>
-                </a:extLst>
-              </a:tr>
-              <a:tr h="0">
-                <a:tc gridSpan="4">
                   <a:txBody>
                     <a:bodyPr/>
                     <a:lstStyle/>
@@ -11242,179 +10668,37 @@
                         </a:spcAft>
                         <a:buClrTx/>
                         <a:buSzTx/>
-                        <a:buFont typeface="Arial" panose="020B0604020202020204" pitchFamily="34" charset="0"/>
+                        <a:buFontTx/>
                         <a:buNone/>
                         <a:tabLst/>
                         <a:defRPr/>
                       </a:pPr>
-                      <a:r>
-                        <a:rPr lang="en-US" sz="1200" b="1" i="0" u="heavy" kern="1200" baseline="0" dirty="0" smtClean="0">
-                          <a:solidFill>
-                            <a:schemeClr val="tx1"/>
-                          </a:solidFill>
-                          <a:effectLst/>
-                          <a:uFill>
-                            <a:solidFill>
-                              <a:srgbClr val="FF0066"/>
-                            </a:solidFill>
-                          </a:uFill>
-                          <a:latin typeface="Calibri Light" panose="020F0302020204030204" pitchFamily="34" charset="0"/>
-                          <a:ea typeface="+mn-ea"/>
-                          <a:cs typeface="+mn-cs"/>
-                          <a:hlinkClick r:id="rId19"/>
-                        </a:rPr>
-                        <a:t>My Journey into Deep Learning</a:t>
-                      </a:r>
-                      <a:endParaRPr lang="fa-IR" sz="1200" b="1" i="0" u="heavy" kern="1200" baseline="0" dirty="0">
+                      <a:endParaRPr lang="fa-IR" sz="1200" b="0" kern="1200" dirty="0">
                         <a:solidFill>
                           <a:schemeClr val="tx1"/>
                         </a:solidFill>
-                        <a:effectLst/>
-                        <a:uFill>
-                          <a:solidFill>
-                            <a:srgbClr val="FF0066"/>
-                          </a:solidFill>
-                        </a:uFill>
                         <a:latin typeface="Calibri Light" panose="020F0302020204030204" pitchFamily="34" charset="0"/>
                         <a:ea typeface="+mn-ea"/>
                         <a:cs typeface="+mn-cs"/>
                       </a:endParaRPr>
                     </a:p>
                   </a:txBody>
-                  <a:tcPr anchor="ctr">
-                    <a:lnL w="12700" cap="flat" cmpd="sng" algn="ctr">
-                      <a:noFill/>
-                      <a:prstDash val="solid"/>
-                      <a:round/>
-                      <a:headEnd type="none" w="med" len="med"/>
-                      <a:tailEnd type="none" w="med" len="med"/>
-                    </a:lnL>
-                    <a:lnR w="12700" cap="flat" cmpd="sng" algn="ctr">
-                      <a:noFill/>
-                      <a:prstDash val="solid"/>
-                      <a:round/>
-                      <a:headEnd type="none" w="med" len="med"/>
-                      <a:tailEnd type="none" w="med" len="med"/>
-                    </a:lnR>
-                    <a:lnT w="12700" cap="flat" cmpd="sng" algn="ctr">
-                      <a:noFill/>
-                      <a:prstDash val="solid"/>
-                      <a:round/>
-                      <a:headEnd type="none" w="med" len="med"/>
-                      <a:tailEnd type="none" w="med" len="med"/>
-                    </a:lnT>
-                    <a:lnB w="12700" cap="flat" cmpd="sng" algn="ctr">
-                      <a:noFill/>
-                      <a:prstDash val="solid"/>
-                      <a:round/>
-                      <a:headEnd type="none" w="med" len="med"/>
-                      <a:tailEnd type="none" w="med" len="med"/>
-                    </a:lnB>
-                    <a:lnTlToBr w="12700" cmpd="sng">
-                      <a:noFill/>
-                      <a:prstDash val="solid"/>
-                    </a:lnTlToBr>
-                    <a:lnBlToTr w="12700" cmpd="sng">
-                      <a:noFill/>
-                      <a:prstDash val="solid"/>
-                    </a:lnBlToTr>
-                  </a:tcPr>
-                </a:tc>
-                <a:tc hMerge="1">
-                  <a:txBody>
-                    <a:bodyPr/>
-                    <a:lstStyle/>
-                    <a:p>
-                      <a:pPr algn="ctr" rtl="0"/>
-                      <a:endParaRPr lang="fa-IR" sz="1000" dirty="0">
-                        <a:latin typeface="Calibri Light" panose="020F0302020204030204" pitchFamily="34" charset="0"/>
-                      </a:endParaRPr>
-                    </a:p>
-                  </a:txBody>
-                  <a:tcPr anchor="ctr"/>
-                </a:tc>
-                <a:tc hMerge="1">
-                  <a:txBody>
-                    <a:bodyPr/>
-                    <a:lstStyle/>
-                    <a:p>
-                      <a:pPr algn="ctr" rtl="0"/>
-                      <a:endParaRPr lang="fa-IR" sz="1000" dirty="0">
-                        <a:latin typeface="Calibri Light" panose="020F0302020204030204" pitchFamily="34" charset="0"/>
-                      </a:endParaRPr>
-                    </a:p>
-                  </a:txBody>
-                  <a:tcPr anchor="ctr">
-                    <a:lnL w="12700" cmpd="sng">
-                      <a:noFill/>
-                    </a:lnL>
-                    <a:lnR w="12700" cmpd="sng">
-                      <a:noFill/>
-                    </a:lnR>
-                    <a:lnT w="12700" cmpd="sng">
-                      <a:noFill/>
-                    </a:lnT>
-                    <a:lnB w="12700" cmpd="sng">
-                      <a:noFill/>
-                    </a:lnB>
-                    <a:lnTlToBr w="12700" cmpd="sng">
-                      <a:noFill/>
-                      <a:prstDash val="solid"/>
-                    </a:lnTlToBr>
-                    <a:lnBlToTr w="12700" cmpd="sng">
-                      <a:noFill/>
-                      <a:prstDash val="solid"/>
-                    </a:lnBlToTr>
-                  </a:tcPr>
-                </a:tc>
-                <a:tc hMerge="1">
-                  <a:txBody>
-                    <a:bodyPr/>
-                    <a:lstStyle/>
-                    <a:p>
-                      <a:pPr algn="ctr" rtl="0"/>
-                      <a:endParaRPr lang="fa-IR" sz="1000" dirty="0">
-                        <a:latin typeface="Calibri Light" panose="020F0302020204030204" pitchFamily="34" charset="0"/>
-                      </a:endParaRPr>
-                    </a:p>
-                  </a:txBody>
-                  <a:tcPr anchor="ctr">
-                    <a:lnL w="12700" cmpd="sng">
-                      <a:noFill/>
-                    </a:lnL>
-                    <a:lnR w="12700" cmpd="sng">
-                      <a:noFill/>
-                    </a:lnR>
-                    <a:lnT w="12700" cmpd="sng">
-                      <a:noFill/>
-                    </a:lnT>
-                    <a:lnB w="12700" cmpd="sng">
-                      <a:noFill/>
-                    </a:lnB>
-                    <a:lnTlToBr w="12700" cmpd="sng">
-                      <a:noFill/>
-                      <a:prstDash val="solid"/>
-                    </a:lnTlToBr>
-                    <a:lnBlToTr w="12700" cmpd="sng">
-                      <a:noFill/>
-                      <a:prstDash val="solid"/>
-                    </a:lnBlToTr>
-                  </a:tcPr>
-                </a:tc>
-                <a:tc rowSpan="2">
-                  <a:txBody>
-                    <a:bodyPr/>
-                    <a:lstStyle/>
-                    <a:p>
-                      <a:pPr marL="0" marR="0" indent="0" algn="ctr" defTabSz="1320759" rtl="0" eaLnBrk="1" fontAlgn="auto" latinLnBrk="0" hangingPunct="1">
+                  <a:tcPr/>
+                </a:tc>
+                <a:tc gridSpan="4">
+                  <a:txBody>
+                    <a:bodyPr/>
+                    <a:lstStyle/>
+                    <a:p>
+                      <a:pPr marL="0" marR="0" indent="0" algn="just" defTabSz="1320759" rtl="0" eaLnBrk="1" fontAlgn="auto" latinLnBrk="0" hangingPunct="1">
                         <a:lnSpc>
                           <a:spcPct val="100000"/>
                         </a:lnSpc>
                         <a:spcBef>
-                          <a:spcPts val="600"/>
+                          <a:spcPts val="0"/>
                         </a:spcBef>
                         <a:spcAft>
-                          <a:spcPts val="600"/>
+                          <a:spcPts val="0"/>
                         </a:spcAft>
                         <a:buClrTx/>
                         <a:buSzTx/>
@@ -11424,81 +10708,7 @@
                         <a:defRPr/>
                       </a:pPr>
                       <a:r>
-                        <a:rPr lang="en-US" sz="1000" b="0" i="0" kern="1200" dirty="0" smtClean="0">
-                          <a:solidFill>
-                            <a:srgbClr val="0070C0"/>
-                          </a:solidFill>
-                          <a:effectLst/>
-                          <a:latin typeface="Candara" panose="020E0502030303020204" pitchFamily="34" charset="0"/>
-                          <a:ea typeface="+mn-ea"/>
-                          <a:cs typeface="+mn-cs"/>
-                        </a:rPr>
-                        <a:t>2022</a:t>
-                      </a:r>
-                      <a:endParaRPr lang="fa-IR" sz="1000" b="0" i="0" kern="1200" dirty="0">
-                        <a:solidFill>
-                          <a:srgbClr val="0070C0"/>
-                        </a:solidFill>
-                        <a:effectLst/>
-                        <a:latin typeface="Candara" panose="020E0502030303020204" pitchFamily="34" charset="0"/>
-                        <a:ea typeface="+mn-ea"/>
-                        <a:cs typeface="+mn-cs"/>
-                      </a:endParaRPr>
-                    </a:p>
-                  </a:txBody>
-                  <a:tcPr marT="0" anchor="ctr">
-                    <a:lnL w="12700" cmpd="sng">
-                      <a:noFill/>
-                    </a:lnL>
-                    <a:lnR w="12700" cap="flat" cmpd="sng" algn="ctr">
-                      <a:noFill/>
-                      <a:prstDash val="solid"/>
-                      <a:round/>
-                      <a:headEnd type="none" w="med" len="med"/>
-                      <a:tailEnd type="none" w="med" len="med"/>
-                    </a:lnR>
-                    <a:lnT w="12700" cap="flat" cmpd="sng" algn="ctr">
-                      <a:noFill/>
-                      <a:prstDash val="solid"/>
-                      <a:round/>
-                      <a:headEnd type="none" w="med" len="med"/>
-                      <a:tailEnd type="none" w="med" len="med"/>
-                    </a:lnT>
-                    <a:lnB w="12700" cap="flat" cmpd="sng" algn="ctr">
-                      <a:noFill/>
-                      <a:prstDash val="solid"/>
-                      <a:round/>
-                      <a:headEnd type="none" w="med" len="med"/>
-                      <a:tailEnd type="none" w="med" len="med"/>
-                    </a:lnB>
-                    <a:lnTlToBr w="12700" cmpd="sng">
-                      <a:noFill/>
-                      <a:prstDash val="solid"/>
-                    </a:lnTlToBr>
-                    <a:lnBlToTr w="12700" cmpd="sng">
-                      <a:noFill/>
-                      <a:prstDash val="solid"/>
-                    </a:lnBlToTr>
-                  </a:tcPr>
-                </a:tc>
-                <a:extLst>
-                  <a:ext uri="{0D108BD9-81ED-4DB2-BD59-A6C34878D82A}">
-                    <a16:rowId xmlns:a16="http://schemas.microsoft.com/office/drawing/2014/main" val="3986328771"/>
-                  </a:ext>
-                </a:extLst>
-              </a:tr>
-              <a:tr h="0">
-                <a:tc gridSpan="4">
-                  <a:txBody>
-                    <a:bodyPr/>
-                    <a:lstStyle/>
-                    <a:p>
-                      <a:pPr marL="91440" indent="-91440" algn="just" rtl="0">
-                        <a:buFont typeface="Arial" panose="020B0604020202020204" pitchFamily="34" charset="0"/>
-                        <a:buChar char="•"/>
-                      </a:pPr>
-                      <a:r>
-                        <a:rPr lang="en-US" sz="1100" kern="1200" dirty="0" smtClean="0">
+                        <a:rPr lang="en-US" sz="1100" b="0" kern="1200" dirty="0" smtClean="0">
                           <a:solidFill>
                             <a:schemeClr val="tx1"/>
                           </a:solidFill>
@@ -11506,9 +10716,31 @@
                           <a:ea typeface="+mn-ea"/>
                           <a:cs typeface="+mn-cs"/>
                         </a:rPr>
-                        <a:t>CIFAR-10 Image classification using simple CNN and MobileNetV2.</a:t>
+                        <a:t>Python3 </a:t>
                       </a:r>
-                      <a:endParaRPr lang="fa-IR" sz="1100" kern="1200" dirty="0">
+                      <a:r>
+                        <a:rPr lang="en-US" sz="1050" b="0" kern="1200" dirty="0" smtClean="0">
+                          <a:solidFill>
+                            <a:schemeClr val="tx1"/>
+                          </a:solidFill>
+                          <a:latin typeface="Calibri Light" panose="020F0302020204030204" pitchFamily="34" charset="0"/>
+                          <a:ea typeface="+mn-ea"/>
+                          <a:cs typeface="+mn-cs"/>
+                        </a:rPr>
+                        <a:t>(scikit-learn, Pandas, NumPy, Matplotlib, Tensorflow, Keras)</a:t>
+                      </a:r>
+                      <a:r>
+                        <a:rPr lang="en-US" sz="1100" b="0" kern="1200" dirty="0" smtClean="0">
+                          <a:solidFill>
+                            <a:schemeClr val="tx1"/>
+                          </a:solidFill>
+                          <a:latin typeface="Calibri Light" panose="020F0302020204030204" pitchFamily="34" charset="0"/>
+                          <a:ea typeface="+mn-ea"/>
+                          <a:cs typeface="+mn-cs"/>
+                        </a:rPr>
+                        <a:t>, SQL, Machine Learning, Deep Learning. </a:t>
+                      </a:r>
+                      <a:endParaRPr lang="fa-IR" sz="1100" b="0" kern="1200" dirty="0">
                         <a:solidFill>
                           <a:schemeClr val="tx1"/>
                         </a:solidFill>
@@ -11518,34 +10750,18 @@
                       </a:endParaRPr>
                     </a:p>
                   </a:txBody>
-                  <a:tcPr marT="0" marB="0" anchor="ctr">
-                    <a:lnL w="12700" cap="flat" cmpd="sng" algn="ctr">
-                      <a:noFill/>
-                      <a:prstDash val="solid"/>
-                      <a:round/>
-                      <a:headEnd type="none" w="med" len="med"/>
-                      <a:tailEnd type="none" w="med" len="med"/>
+                  <a:tcPr marL="0" anchor="ctr">
+                    <a:lnL w="12700" cmpd="sng">
+                      <a:noFill/>
                     </a:lnL>
-                    <a:lnR w="12700" cap="flat" cmpd="sng" algn="ctr">
-                      <a:noFill/>
-                      <a:prstDash val="solid"/>
-                      <a:round/>
-                      <a:headEnd type="none" w="med" len="med"/>
-                      <a:tailEnd type="none" w="med" len="med"/>
+                    <a:lnR w="12700" cmpd="sng">
+                      <a:noFill/>
                     </a:lnR>
-                    <a:lnT w="12700" cap="flat" cmpd="sng" algn="ctr">
-                      <a:noFill/>
-                      <a:prstDash val="solid"/>
-                      <a:round/>
-                      <a:headEnd type="none" w="med" len="med"/>
-                      <a:tailEnd type="none" w="med" len="med"/>
+                    <a:lnT w="12700" cmpd="sng">
+                      <a:noFill/>
                     </a:lnT>
-                    <a:lnB w="12700" cap="flat" cmpd="sng" algn="ctr">
-                      <a:noFill/>
-                      <a:prstDash val="solid"/>
-                      <a:round/>
-                      <a:headEnd type="none" w="med" len="med"/>
-                      <a:tailEnd type="none" w="med" len="med"/>
+                    <a:lnB w="12700" cmpd="sng">
+                      <a:noFill/>
                     </a:lnB>
                     <a:lnTlToBr w="12700" cmpd="sng">
                       <a:noFill/>
@@ -11584,26 +10800,64 @@
                     <a:bodyPr/>
                     <a:lstStyle/>
                     <a:p>
-                      <a:pPr rtl="1"/>
-                      <a:endParaRPr lang="fa-IR"/>
-                    </a:p>
-                  </a:txBody>
-                  <a:tcPr/>
-                </a:tc>
-                <a:tc vMerge="1">
-                  <a:txBody>
-                    <a:bodyPr/>
-                    <a:lstStyle/>
-                    <a:p>
-                      <a:pPr marL="0" marR="0" indent="0" algn="ctr" defTabSz="1320759" rtl="0" eaLnBrk="1" fontAlgn="auto" latinLnBrk="0" hangingPunct="1">
+                      <a:pPr marL="0" algn="ctr" defTabSz="1320759" rtl="0" eaLnBrk="1" latinLnBrk="0" hangingPunct="1"/>
+                      <a:endParaRPr lang="fa-IR" sz="1200" b="0" kern="1200" dirty="0">
+                        <a:solidFill>
+                          <a:schemeClr val="tx1">
+                            <a:lumMod val="85000"/>
+                            <a:lumOff val="15000"/>
+                          </a:schemeClr>
+                        </a:solidFill>
+                        <a:latin typeface="Candara" panose="020E0502030303020204" pitchFamily="34" charset="0"/>
+                        <a:ea typeface="+mn-ea"/>
+                        <a:cs typeface="+mn-cs"/>
+                      </a:endParaRPr>
+                    </a:p>
+                  </a:txBody>
+                  <a:tcPr anchor="ctr">
+                    <a:lnL w="12700" cmpd="sng">
+                      <a:noFill/>
+                    </a:lnL>
+                    <a:lnR w="12700" cmpd="sng">
+                      <a:noFill/>
+                    </a:lnR>
+                    <a:lnT w="12700" cmpd="sng">
+                      <a:noFill/>
+                    </a:lnT>
+                    <a:lnB w="12700" cmpd="sng">
+                      <a:noFill/>
+                    </a:lnB>
+                    <a:lnTlToBr w="12700" cmpd="sng">
+                      <a:noFill/>
+                      <a:prstDash val="solid"/>
+                    </a:lnTlToBr>
+                    <a:lnBlToTr w="12700" cmpd="sng">
+                      <a:noFill/>
+                      <a:prstDash val="solid"/>
+                    </a:lnBlToTr>
+                  </a:tcPr>
+                </a:tc>
+                <a:extLst>
+                  <a:ext uri="{0D108BD9-81ED-4DB2-BD59-A6C34878D82A}">
+                    <a16:rowId xmlns:a16="http://schemas.microsoft.com/office/drawing/2014/main" val="962508517"/>
+                  </a:ext>
+                </a:extLst>
+              </a:tr>
+              <a:tr h="266252">
+                <a:tc gridSpan="2">
+                  <a:txBody>
+                    <a:bodyPr/>
+                    <a:lstStyle/>
+                    <a:p>
+                      <a:pPr marL="0" marR="0" indent="0" algn="l" defTabSz="1320759" rtl="0" eaLnBrk="1" fontAlgn="auto" latinLnBrk="0" hangingPunct="1">
                         <a:lnSpc>
                           <a:spcPct val="100000"/>
                         </a:lnSpc>
                         <a:spcBef>
-                          <a:spcPts val="600"/>
+                          <a:spcPts val="0"/>
                         </a:spcBef>
                         <a:spcAft>
-                          <a:spcPts val="600"/>
+                          <a:spcPts val="0"/>
                         </a:spcAft>
                         <a:buClrTx/>
                         <a:buSzTx/>
@@ -11612,45 +10866,195 @@
                         <a:tabLst/>
                         <a:defRPr/>
                       </a:pPr>
-                      <a:endParaRPr lang="fa-IR" sz="1000" b="0" i="0" kern="1200" dirty="0">
+                      <a:r>
+                        <a:rPr lang="en-US" sz="1200" b="1" kern="1200" dirty="0" smtClean="0">
+                          <a:solidFill>
+                            <a:schemeClr val="tx1"/>
+                          </a:solidFill>
+                          <a:latin typeface="Calibri Light" panose="020F0302020204030204" pitchFamily="34" charset="0"/>
+                          <a:ea typeface="+mn-ea"/>
+                          <a:cs typeface="+mn-cs"/>
+                        </a:rPr>
+                        <a:t>Tools:</a:t>
+                      </a:r>
+                      <a:endParaRPr lang="fa-IR" sz="1200" b="1" kern="1200" dirty="0">
+                        <a:solidFill>
+                          <a:schemeClr val="tx1"/>
+                        </a:solidFill>
+                        <a:latin typeface="Calibri Light" panose="020F0302020204030204" pitchFamily="34" charset="0"/>
+                        <a:ea typeface="+mn-ea"/>
+                        <a:cs typeface="+mn-cs"/>
+                      </a:endParaRPr>
+                    </a:p>
+                  </a:txBody>
+                  <a:tcPr marR="0">
+                    <a:lnL w="12700" cmpd="sng">
+                      <a:noFill/>
+                    </a:lnL>
+                    <a:lnR w="12700" cmpd="sng">
+                      <a:noFill/>
+                    </a:lnR>
+                    <a:lnT w="12700" cmpd="sng">
+                      <a:noFill/>
+                    </a:lnT>
+                    <a:lnB w="12700" cmpd="sng">
+                      <a:noFill/>
+                    </a:lnB>
+                    <a:lnTlToBr w="12700" cmpd="sng">
+                      <a:noFill/>
+                      <a:prstDash val="solid"/>
+                    </a:lnTlToBr>
+                    <a:lnBlToTr w="12700" cmpd="sng">
+                      <a:noFill/>
+                      <a:prstDash val="solid"/>
+                    </a:lnBlToTr>
+                  </a:tcPr>
+                </a:tc>
+                <a:tc hMerge="1">
+                  <a:txBody>
+                    <a:bodyPr/>
+                    <a:lstStyle/>
+                    <a:p>
+                      <a:pPr rtl="1"/>
+                      <a:endParaRPr lang="fa-IR"/>
+                    </a:p>
+                  </a:txBody>
+                  <a:tcPr/>
+                </a:tc>
+                <a:tc gridSpan="4">
+                  <a:txBody>
+                    <a:bodyPr/>
+                    <a:lstStyle/>
+                    <a:p>
+                      <a:pPr algn="just" fontAlgn="auto"/>
+                      <a:r>
+                        <a:rPr lang="en-US" sz="1100" dirty="0" smtClean="0">
+                          <a:latin typeface="Calibri Light" panose="020F0302020204030204" pitchFamily="34" charset="0"/>
+                        </a:rPr>
+                        <a:t>Git, </a:t>
+                      </a:r>
+                      <a:r>
+                        <a:rPr lang="en-US" sz="1100" b="0" i="0" kern="1200" dirty="0" smtClean="0">
+                          <a:solidFill>
+                            <a:schemeClr val="tx1"/>
+                          </a:solidFill>
+                          <a:effectLst/>
+                          <a:latin typeface="Calibri Light" panose="020F0302020204030204" pitchFamily="34" charset="0"/>
+                          <a:ea typeface="+mn-ea"/>
+                          <a:cs typeface="+mn-cs"/>
+                        </a:rPr>
+                        <a:t>Microsoft Excel, Microsoft Word, Microsoft PowerPoint,</a:t>
+                      </a:r>
+                      <a:r>
+                        <a:rPr lang="en-US" sz="1100" b="0" kern="1200" dirty="0" smtClean="0">
+                          <a:solidFill>
+                            <a:schemeClr val="tx1"/>
+                          </a:solidFill>
+                          <a:latin typeface="Calibri Light" panose="020F0302020204030204" pitchFamily="34" charset="0"/>
+                          <a:ea typeface="+mn-ea"/>
+                          <a:cs typeface="+mn-cs"/>
+                        </a:rPr>
+                        <a:t> Adobe Premiere Pro.</a:t>
+                      </a:r>
+                      <a:endParaRPr lang="fa-IR" sz="1100" dirty="0">
+                        <a:latin typeface="Calibri Light" panose="020F0302020204030204" pitchFamily="34" charset="0"/>
+                      </a:endParaRPr>
+                    </a:p>
+                  </a:txBody>
+                  <a:tcPr marL="0" anchor="ctr">
+                    <a:lnL w="12700" cmpd="sng">
+                      <a:noFill/>
+                    </a:lnL>
+                    <a:lnR w="12700" cmpd="sng">
+                      <a:noFill/>
+                    </a:lnR>
+                    <a:lnT w="12700" cmpd="sng">
+                      <a:noFill/>
+                    </a:lnT>
+                    <a:lnB w="12700" cmpd="sng">
+                      <a:noFill/>
+                    </a:lnB>
+                    <a:lnTlToBr w="12700" cmpd="sng">
+                      <a:noFill/>
+                      <a:prstDash val="solid"/>
+                    </a:lnTlToBr>
+                    <a:lnBlToTr w="12700" cmpd="sng">
+                      <a:noFill/>
+                      <a:prstDash val="solid"/>
+                    </a:lnBlToTr>
+                  </a:tcPr>
+                </a:tc>
+                <a:tc hMerge="1">
+                  <a:txBody>
+                    <a:bodyPr/>
+                    <a:lstStyle/>
+                    <a:p>
+                      <a:pPr rtl="1"/>
+                      <a:endParaRPr lang="fa-IR"/>
+                    </a:p>
+                  </a:txBody>
+                  <a:tcPr/>
+                </a:tc>
+                <a:tc hMerge="1">
+                  <a:txBody>
+                    <a:bodyPr/>
+                    <a:lstStyle/>
+                    <a:p>
+                      <a:pPr rtl="1"/>
+                      <a:endParaRPr lang="fa-IR"/>
+                    </a:p>
+                  </a:txBody>
+                  <a:tcPr/>
+                </a:tc>
+                <a:tc hMerge="1">
+                  <a:txBody>
+                    <a:bodyPr/>
+                    <a:lstStyle/>
+                    <a:p>
+                      <a:pPr marL="0" marR="0" indent="0" algn="ctr" defTabSz="1320759" rtl="0" eaLnBrk="1" fontAlgn="auto" latinLnBrk="0" hangingPunct="1">
+                        <a:lnSpc>
+                          <a:spcPct val="100000"/>
+                        </a:lnSpc>
+                        <a:spcBef>
+                          <a:spcPts val="0"/>
+                        </a:spcBef>
+                        <a:spcAft>
+                          <a:spcPts val="0"/>
+                        </a:spcAft>
+                        <a:buClrTx/>
+                        <a:buSzTx/>
+                        <a:buFontTx/>
+                        <a:buNone/>
+                        <a:tabLst/>
+                        <a:defRPr/>
+                      </a:pPr>
+                      <a:endParaRPr lang="fa-IR" sz="1200" b="0" u="heavy" kern="1200" baseline="0" dirty="0">
                         <a:solidFill>
                           <a:srgbClr val="0070C0"/>
                         </a:solidFill>
-                        <a:effectLst/>
+                        <a:uFill>
+                          <a:solidFill>
+                            <a:srgbClr val="FFC000"/>
+                          </a:solidFill>
+                        </a:uFill>
                         <a:latin typeface="Candara" panose="020E0502030303020204" pitchFamily="34" charset="0"/>
                         <a:ea typeface="+mn-ea"/>
                         <a:cs typeface="+mn-cs"/>
                       </a:endParaRPr>
                     </a:p>
                   </a:txBody>
-                  <a:tcPr marT="0" anchor="ctr">
-                    <a:lnL w="12700" cap="flat" cmpd="sng" algn="ctr">
-                      <a:noFill/>
-                      <a:prstDash val="solid"/>
-                      <a:round/>
-                      <a:headEnd type="none" w="med" len="med"/>
-                      <a:tailEnd type="none" w="med" len="med"/>
+                  <a:tcPr anchor="ctr">
+                    <a:lnL w="12700" cmpd="sng">
+                      <a:noFill/>
                     </a:lnL>
-                    <a:lnR w="12700" cap="flat" cmpd="sng" algn="ctr">
-                      <a:noFill/>
-                      <a:prstDash val="solid"/>
-                      <a:round/>
-                      <a:headEnd type="none" w="med" len="med"/>
-                      <a:tailEnd type="none" w="med" len="med"/>
+                    <a:lnR w="12700" cmpd="sng">
+                      <a:noFill/>
                     </a:lnR>
-                    <a:lnT w="12700" cap="flat" cmpd="sng" algn="ctr">
-                      <a:noFill/>
-                      <a:prstDash val="solid"/>
-                      <a:round/>
-                      <a:headEnd type="none" w="med" len="med"/>
-                      <a:tailEnd type="none" w="med" len="med"/>
+                    <a:lnT w="12700" cmpd="sng">
+                      <a:noFill/>
                     </a:lnT>
-                    <a:lnB w="12700" cap="flat" cmpd="sng" algn="ctr">
-                      <a:noFill/>
-                      <a:prstDash val="solid"/>
-                      <a:round/>
-                      <a:headEnd type="none" w="med" len="med"/>
-                      <a:tailEnd type="none" w="med" len="med"/>
+                    <a:lnB w="12700" cmpd="sng">
+                      <a:noFill/>
                     </a:lnB>
                     <a:lnTlToBr w="12700" cmpd="sng">
                       <a:noFill/>
@@ -11664,7 +11068,685 @@
                 </a:tc>
                 <a:extLst>
                   <a:ext uri="{0D108BD9-81ED-4DB2-BD59-A6C34878D82A}">
-                    <a16:rowId xmlns:a16="http://schemas.microsoft.com/office/drawing/2014/main" val="98503716"/>
+                    <a16:rowId xmlns:a16="http://schemas.microsoft.com/office/drawing/2014/main" val="2251617609"/>
+                  </a:ext>
+                </a:extLst>
+              </a:tr>
+              <a:tr h="266252">
+                <a:tc gridSpan="2">
+                  <a:txBody>
+                    <a:bodyPr/>
+                    <a:lstStyle/>
+                    <a:p>
+                      <a:pPr marL="0" marR="0" indent="0" algn="l" defTabSz="1320759" rtl="0" eaLnBrk="1" fontAlgn="auto" latinLnBrk="0" hangingPunct="1">
+                        <a:lnSpc>
+                          <a:spcPct val="100000"/>
+                        </a:lnSpc>
+                        <a:spcBef>
+                          <a:spcPts val="0"/>
+                        </a:spcBef>
+                        <a:spcAft>
+                          <a:spcPts val="0"/>
+                        </a:spcAft>
+                        <a:buClrTx/>
+                        <a:buSzTx/>
+                        <a:buFontTx/>
+                        <a:buNone/>
+                        <a:tabLst/>
+                        <a:defRPr/>
+                      </a:pPr>
+                      <a:r>
+                        <a:rPr lang="en-US" sz="1200" b="1" i="0" kern="1200" dirty="0" smtClean="0">
+                          <a:solidFill>
+                            <a:schemeClr val="tx1"/>
+                          </a:solidFill>
+                          <a:effectLst/>
+                          <a:latin typeface="Calibri Light" panose="020F0302020204030204" pitchFamily="34" charset="0"/>
+                          <a:ea typeface="+mn-ea"/>
+                          <a:cs typeface="+mn-cs"/>
+                        </a:rPr>
+                        <a:t>Operating Systems</a:t>
+                      </a:r>
+                      <a:r>
+                        <a:rPr lang="en-US" sz="1200" b="0" i="0" kern="1200" dirty="0" smtClean="0">
+                          <a:solidFill>
+                            <a:schemeClr val="tx1"/>
+                          </a:solidFill>
+                          <a:effectLst/>
+                          <a:latin typeface="Calibri Light" panose="020F0302020204030204" pitchFamily="34" charset="0"/>
+                          <a:ea typeface="+mn-ea"/>
+                          <a:cs typeface="+mn-cs"/>
+                        </a:rPr>
+                        <a:t>:</a:t>
+                      </a:r>
+                      <a:endParaRPr lang="fa-IR" sz="1200" b="1" kern="1200" dirty="0">
+                        <a:solidFill>
+                          <a:schemeClr val="tx1"/>
+                        </a:solidFill>
+                        <a:latin typeface="Calibri Light" panose="020F0302020204030204" pitchFamily="34" charset="0"/>
+                        <a:ea typeface="+mn-ea"/>
+                        <a:cs typeface="+mn-cs"/>
+                      </a:endParaRPr>
+                    </a:p>
+                  </a:txBody>
+                  <a:tcPr marR="0">
+                    <a:lnL w="12700" cmpd="sng">
+                      <a:noFill/>
+                    </a:lnL>
+                    <a:lnR w="12700" cmpd="sng">
+                      <a:noFill/>
+                    </a:lnR>
+                    <a:lnT w="12700" cmpd="sng">
+                      <a:noFill/>
+                    </a:lnT>
+                    <a:lnB w="12700" cmpd="sng">
+                      <a:noFill/>
+                    </a:lnB>
+                    <a:lnTlToBr w="12700" cmpd="sng">
+                      <a:noFill/>
+                      <a:prstDash val="solid"/>
+                    </a:lnTlToBr>
+                    <a:lnBlToTr w="12700" cmpd="sng">
+                      <a:noFill/>
+                      <a:prstDash val="solid"/>
+                    </a:lnBlToTr>
+                  </a:tcPr>
+                </a:tc>
+                <a:tc hMerge="1">
+                  <a:txBody>
+                    <a:bodyPr/>
+                    <a:lstStyle/>
+                    <a:p>
+                      <a:pPr rtl="1"/>
+                      <a:endParaRPr lang="fa-IR"/>
+                    </a:p>
+                  </a:txBody>
+                  <a:tcPr/>
+                </a:tc>
+                <a:tc gridSpan="4">
+                  <a:txBody>
+                    <a:bodyPr/>
+                    <a:lstStyle/>
+                    <a:p>
+                      <a:pPr algn="just" rtl="0"/>
+                      <a:r>
+                        <a:rPr lang="en-US" sz="1100" b="0" i="0" kern="1200" dirty="0" smtClean="0">
+                          <a:solidFill>
+                            <a:schemeClr val="tx1"/>
+                          </a:solidFill>
+                          <a:effectLst/>
+                          <a:latin typeface="Calibri Light" panose="020F0302020204030204" pitchFamily="34" charset="0"/>
+                          <a:ea typeface="+mn-ea"/>
+                          <a:cs typeface="+mn-cs"/>
+                        </a:rPr>
+                        <a:t>Windows, Ubuntu.</a:t>
+                      </a:r>
+                      <a:endParaRPr lang="fa-IR" sz="1100" dirty="0">
+                        <a:latin typeface="Calibri Light" panose="020F0302020204030204" pitchFamily="34" charset="0"/>
+                      </a:endParaRPr>
+                    </a:p>
+                  </a:txBody>
+                  <a:tcPr marL="0" anchor="ctr">
+                    <a:lnL w="12700" cmpd="sng">
+                      <a:noFill/>
+                    </a:lnL>
+                    <a:lnR w="12700" cmpd="sng">
+                      <a:noFill/>
+                    </a:lnR>
+                    <a:lnT w="12700" cmpd="sng">
+                      <a:noFill/>
+                    </a:lnT>
+                    <a:lnB w="12700" cmpd="sng">
+                      <a:noFill/>
+                    </a:lnB>
+                    <a:lnTlToBr w="12700" cmpd="sng">
+                      <a:noFill/>
+                      <a:prstDash val="solid"/>
+                    </a:lnTlToBr>
+                    <a:lnBlToTr w="12700" cmpd="sng">
+                      <a:noFill/>
+                      <a:prstDash val="solid"/>
+                    </a:lnBlToTr>
+                  </a:tcPr>
+                </a:tc>
+                <a:tc hMerge="1">
+                  <a:txBody>
+                    <a:bodyPr/>
+                    <a:lstStyle/>
+                    <a:p>
+                      <a:pPr rtl="1"/>
+                      <a:endParaRPr lang="fa-IR"/>
+                    </a:p>
+                  </a:txBody>
+                  <a:tcPr/>
+                </a:tc>
+                <a:tc hMerge="1">
+                  <a:txBody>
+                    <a:bodyPr/>
+                    <a:lstStyle/>
+                    <a:p>
+                      <a:pPr rtl="1"/>
+                      <a:endParaRPr lang="fa-IR"/>
+                    </a:p>
+                  </a:txBody>
+                  <a:tcPr/>
+                </a:tc>
+                <a:tc hMerge="1">
+                  <a:txBody>
+                    <a:bodyPr/>
+                    <a:lstStyle/>
+                    <a:p>
+                      <a:pPr marL="0" marR="0" indent="0" algn="ctr" defTabSz="1320759" rtl="0" eaLnBrk="1" fontAlgn="auto" latinLnBrk="0" hangingPunct="1">
+                        <a:lnSpc>
+                          <a:spcPct val="100000"/>
+                        </a:lnSpc>
+                        <a:spcBef>
+                          <a:spcPts val="0"/>
+                        </a:spcBef>
+                        <a:spcAft>
+                          <a:spcPts val="0"/>
+                        </a:spcAft>
+                        <a:buClrTx/>
+                        <a:buSzTx/>
+                        <a:buFontTx/>
+                        <a:buNone/>
+                        <a:tabLst/>
+                        <a:defRPr/>
+                      </a:pPr>
+                      <a:endParaRPr lang="fa-IR" sz="1200" b="0" kern="1200" dirty="0">
+                        <a:solidFill>
+                          <a:schemeClr val="tx1">
+                            <a:lumMod val="85000"/>
+                            <a:lumOff val="15000"/>
+                          </a:schemeClr>
+                        </a:solidFill>
+                        <a:latin typeface="Candara" panose="020E0502030303020204" pitchFamily="34" charset="0"/>
+                        <a:ea typeface="+mn-ea"/>
+                        <a:cs typeface="+mn-cs"/>
+                      </a:endParaRPr>
+                    </a:p>
+                  </a:txBody>
+                  <a:tcPr anchor="ctr">
+                    <a:lnL w="12700" cmpd="sng">
+                      <a:noFill/>
+                    </a:lnL>
+                    <a:lnR w="12700" cmpd="sng">
+                      <a:noFill/>
+                    </a:lnR>
+                    <a:lnT w="12700" cmpd="sng">
+                      <a:noFill/>
+                    </a:lnT>
+                    <a:lnB w="12700" cmpd="sng">
+                      <a:noFill/>
+                    </a:lnB>
+                    <a:lnTlToBr w="12700" cmpd="sng">
+                      <a:noFill/>
+                      <a:prstDash val="solid"/>
+                    </a:lnTlToBr>
+                    <a:lnBlToTr w="12700" cmpd="sng">
+                      <a:noFill/>
+                      <a:prstDash val="solid"/>
+                    </a:lnBlToTr>
+                  </a:tcPr>
+                </a:tc>
+                <a:extLst>
+                  <a:ext uri="{0D108BD9-81ED-4DB2-BD59-A6C34878D82A}">
+                    <a16:rowId xmlns:a16="http://schemas.microsoft.com/office/drawing/2014/main" val="2257823111"/>
+                  </a:ext>
+                </a:extLst>
+              </a:tr>
+              <a:tr h="414169">
+                <a:tc gridSpan="2">
+                  <a:txBody>
+                    <a:bodyPr/>
+                    <a:lstStyle/>
+                    <a:p>
+                      <a:pPr marL="0" marR="0" indent="0" algn="l" defTabSz="1320759" rtl="0" eaLnBrk="1" fontAlgn="auto" latinLnBrk="0" hangingPunct="1">
+                        <a:lnSpc>
+                          <a:spcPct val="100000"/>
+                        </a:lnSpc>
+                        <a:spcBef>
+                          <a:spcPts val="0"/>
+                        </a:spcBef>
+                        <a:spcAft>
+                          <a:spcPts val="0"/>
+                        </a:spcAft>
+                        <a:buClrTx/>
+                        <a:buSzTx/>
+                        <a:buFontTx/>
+                        <a:buNone/>
+                        <a:tabLst/>
+                        <a:defRPr/>
+                      </a:pPr>
+                      <a:r>
+                        <a:rPr lang="en-US" sz="1200" b="1" kern="1200" dirty="0" smtClean="0">
+                          <a:solidFill>
+                            <a:schemeClr val="tx1"/>
+                          </a:solidFill>
+                          <a:latin typeface="Calibri Light" panose="020F0302020204030204" pitchFamily="34" charset="0"/>
+                          <a:ea typeface="+mn-ea"/>
+                          <a:cs typeface="+mn-cs"/>
+                        </a:rPr>
+                        <a:t>Soft Skills:</a:t>
+                      </a:r>
+                      <a:endParaRPr lang="fa-IR" sz="1200" b="1" kern="1200" dirty="0">
+                        <a:solidFill>
+                          <a:schemeClr val="tx1"/>
+                        </a:solidFill>
+                        <a:latin typeface="Calibri Light" panose="020F0302020204030204" pitchFamily="34" charset="0"/>
+                        <a:ea typeface="+mn-ea"/>
+                        <a:cs typeface="+mn-cs"/>
+                      </a:endParaRPr>
+                    </a:p>
+                  </a:txBody>
+                  <a:tcPr marR="0">
+                    <a:lnL w="12700" cmpd="sng">
+                      <a:noFill/>
+                    </a:lnL>
+                    <a:lnR w="12700" cmpd="sng">
+                      <a:noFill/>
+                    </a:lnR>
+                    <a:lnT w="12700" cmpd="sng">
+                      <a:noFill/>
+                    </a:lnT>
+                    <a:lnB w="12700" cmpd="sng">
+                      <a:noFill/>
+                    </a:lnB>
+                    <a:lnTlToBr w="12700" cmpd="sng">
+                      <a:noFill/>
+                      <a:prstDash val="solid"/>
+                    </a:lnTlToBr>
+                    <a:lnBlToTr w="12700" cmpd="sng">
+                      <a:noFill/>
+                      <a:prstDash val="solid"/>
+                    </a:lnBlToTr>
+                  </a:tcPr>
+                </a:tc>
+                <a:tc hMerge="1">
+                  <a:txBody>
+                    <a:bodyPr/>
+                    <a:lstStyle/>
+                    <a:p>
+                      <a:pPr rtl="1"/>
+                      <a:endParaRPr lang="fa-IR" dirty="0"/>
+                    </a:p>
+                  </a:txBody>
+                  <a:tcPr/>
+                </a:tc>
+                <a:tc gridSpan="4">
+                  <a:txBody>
+                    <a:bodyPr/>
+                    <a:lstStyle/>
+                    <a:p>
+                      <a:pPr algn="just" rtl="0"/>
+                      <a:r>
+                        <a:rPr lang="en-US" sz="1100" dirty="0" smtClean="0">
+                          <a:latin typeface="Calibri Light" panose="020F0302020204030204" pitchFamily="34" charset="0"/>
+                        </a:rPr>
+                        <a:t>Teamwork, Easily Adaptable, Critical Thinking, Writing Skills, Presentation Skills, Report Writing, Self-Management, Self-Awareness, Responsibility.</a:t>
+                      </a:r>
+                      <a:endParaRPr lang="fa-IR" sz="1100" dirty="0">
+                        <a:latin typeface="Calibri Light" panose="020F0302020204030204" pitchFamily="34" charset="0"/>
+                      </a:endParaRPr>
+                    </a:p>
+                  </a:txBody>
+                  <a:tcPr marL="0" anchor="ctr">
+                    <a:lnL w="12700" cmpd="sng">
+                      <a:noFill/>
+                    </a:lnL>
+                    <a:lnR w="12700" cmpd="sng">
+                      <a:noFill/>
+                    </a:lnR>
+                    <a:lnT w="12700" cmpd="sng">
+                      <a:noFill/>
+                    </a:lnT>
+                    <a:lnB w="12700" cmpd="sng">
+                      <a:noFill/>
+                    </a:lnB>
+                    <a:lnTlToBr w="12700" cmpd="sng">
+                      <a:noFill/>
+                      <a:prstDash val="solid"/>
+                    </a:lnTlToBr>
+                    <a:lnBlToTr w="12700" cmpd="sng">
+                      <a:noFill/>
+                      <a:prstDash val="solid"/>
+                    </a:lnBlToTr>
+                  </a:tcPr>
+                </a:tc>
+                <a:tc hMerge="1">
+                  <a:txBody>
+                    <a:bodyPr/>
+                    <a:lstStyle/>
+                    <a:p>
+                      <a:pPr rtl="1"/>
+                      <a:endParaRPr lang="fa-IR"/>
+                    </a:p>
+                  </a:txBody>
+                  <a:tcPr/>
+                </a:tc>
+                <a:tc hMerge="1">
+                  <a:txBody>
+                    <a:bodyPr/>
+                    <a:lstStyle/>
+                    <a:p>
+                      <a:pPr rtl="1"/>
+                      <a:endParaRPr lang="fa-IR"/>
+                    </a:p>
+                  </a:txBody>
+                  <a:tcPr/>
+                </a:tc>
+                <a:tc hMerge="1">
+                  <a:txBody>
+                    <a:bodyPr/>
+                    <a:lstStyle/>
+                    <a:p>
+                      <a:pPr rtl="1"/>
+                      <a:endParaRPr lang="fa-IR"/>
+                    </a:p>
+                  </a:txBody>
+                  <a:tcPr/>
+                </a:tc>
+                <a:extLst>
+                  <a:ext uri="{0D108BD9-81ED-4DB2-BD59-A6C34878D82A}">
+                    <a16:rowId xmlns:a16="http://schemas.microsoft.com/office/drawing/2014/main" val="3972795000"/>
+                  </a:ext>
+                </a:extLst>
+              </a:tr>
+              <a:tr h="266252">
+                <a:tc gridSpan="2">
+                  <a:txBody>
+                    <a:bodyPr/>
+                    <a:lstStyle/>
+                    <a:p>
+                      <a:pPr marL="0" marR="0" indent="0" algn="l" defTabSz="1320759" rtl="0" eaLnBrk="1" fontAlgn="auto" latinLnBrk="0" hangingPunct="1">
+                        <a:lnSpc>
+                          <a:spcPct val="100000"/>
+                        </a:lnSpc>
+                        <a:spcBef>
+                          <a:spcPts val="0"/>
+                        </a:spcBef>
+                        <a:spcAft>
+                          <a:spcPts val="0"/>
+                        </a:spcAft>
+                        <a:buClrTx/>
+                        <a:buSzTx/>
+                        <a:buFontTx/>
+                        <a:buNone/>
+                        <a:tabLst/>
+                        <a:defRPr/>
+                      </a:pPr>
+                      <a:r>
+                        <a:rPr lang="en-US" sz="1200" b="1" i="0" kern="1200" dirty="0" smtClean="0">
+                          <a:solidFill>
+                            <a:schemeClr val="tx1"/>
+                          </a:solidFill>
+                          <a:effectLst/>
+                          <a:latin typeface="Calibri Light" panose="020F0302020204030204" pitchFamily="34" charset="0"/>
+                          <a:ea typeface="+mn-ea"/>
+                          <a:cs typeface="+mn-cs"/>
+                        </a:rPr>
+                        <a:t>Languages</a:t>
+                      </a:r>
+                      <a:r>
+                        <a:rPr lang="en-US" sz="1200" b="0" i="0" kern="1200" dirty="0" smtClean="0">
+                          <a:solidFill>
+                            <a:schemeClr val="tx1"/>
+                          </a:solidFill>
+                          <a:effectLst/>
+                          <a:latin typeface="Calibri Light" panose="020F0302020204030204" pitchFamily="34" charset="0"/>
+                          <a:ea typeface="+mn-ea"/>
+                          <a:cs typeface="+mn-cs"/>
+                        </a:rPr>
+                        <a:t>:</a:t>
+                      </a:r>
+                      <a:endParaRPr lang="fa-IR" sz="1200" b="1" kern="1200" dirty="0">
+                        <a:solidFill>
+                          <a:schemeClr val="tx1"/>
+                        </a:solidFill>
+                        <a:latin typeface="Calibri Light" panose="020F0302020204030204" pitchFamily="34" charset="0"/>
+                        <a:ea typeface="+mn-ea"/>
+                        <a:cs typeface="+mn-cs"/>
+                      </a:endParaRPr>
+                    </a:p>
+                  </a:txBody>
+                  <a:tcPr marR="0">
+                    <a:lnL w="12700" cmpd="sng">
+                      <a:noFill/>
+                    </a:lnL>
+                    <a:lnR w="12700" cmpd="sng">
+                      <a:noFill/>
+                    </a:lnR>
+                    <a:lnT w="12700" cmpd="sng">
+                      <a:noFill/>
+                    </a:lnT>
+                    <a:lnB w="12700" cmpd="sng">
+                      <a:noFill/>
+                    </a:lnB>
+                    <a:lnTlToBr w="12700" cmpd="sng">
+                      <a:noFill/>
+                      <a:prstDash val="solid"/>
+                    </a:lnTlToBr>
+                    <a:lnBlToTr w="12700" cmpd="sng">
+                      <a:noFill/>
+                      <a:prstDash val="solid"/>
+                    </a:lnBlToTr>
+                  </a:tcPr>
+                </a:tc>
+                <a:tc hMerge="1">
+                  <a:txBody>
+                    <a:bodyPr/>
+                    <a:lstStyle/>
+                    <a:p>
+                      <a:pPr algn="ctr" rtl="0"/>
+                      <a:endParaRPr lang="fa-IR" sz="1000" dirty="0">
+                        <a:latin typeface="Calibri Light" panose="020F0302020204030204" pitchFamily="34" charset="0"/>
+                      </a:endParaRPr>
+                    </a:p>
+                  </a:txBody>
+                  <a:tcPr anchor="ctr">
+                    <a:lnL w="12700" cmpd="sng">
+                      <a:noFill/>
+                    </a:lnL>
+                    <a:lnR w="12700" cmpd="sng">
+                      <a:noFill/>
+                    </a:lnR>
+                    <a:lnT w="12700" cmpd="sng">
+                      <a:noFill/>
+                    </a:lnT>
+                    <a:lnB w="12700" cmpd="sng">
+                      <a:noFill/>
+                    </a:lnB>
+                    <a:lnTlToBr w="12700" cmpd="sng">
+                      <a:noFill/>
+                      <a:prstDash val="solid"/>
+                    </a:lnTlToBr>
+                    <a:lnBlToTr w="12700" cmpd="sng">
+                      <a:noFill/>
+                      <a:prstDash val="solid"/>
+                    </a:lnBlToTr>
+                  </a:tcPr>
+                </a:tc>
+                <a:tc gridSpan="4">
+                  <a:txBody>
+                    <a:bodyPr/>
+                    <a:lstStyle/>
+                    <a:p>
+                      <a:pPr algn="just" rtl="0"/>
+                      <a:r>
+                        <a:rPr lang="en-US" sz="1100" b="0" i="0" kern="1200" dirty="0" smtClean="0">
+                          <a:solidFill>
+                            <a:schemeClr val="tx1"/>
+                          </a:solidFill>
+                          <a:effectLst/>
+                          <a:latin typeface="Calibri Light" panose="020F0302020204030204" pitchFamily="34" charset="0"/>
+                          <a:ea typeface="+mn-ea"/>
+                          <a:cs typeface="+mn-cs"/>
+                        </a:rPr>
+                        <a:t>English(Fluent), Persian(Native).</a:t>
+                      </a:r>
+                      <a:r>
+                        <a:rPr lang="en-US" sz="1100" dirty="0" smtClean="0">
+                          <a:latin typeface="Calibri Light" panose="020F0302020204030204" pitchFamily="34" charset="0"/>
+                        </a:rPr>
+                        <a:t> </a:t>
+                      </a:r>
+                      <a:endParaRPr lang="fa-IR" sz="1100" dirty="0">
+                        <a:latin typeface="Calibri Light" panose="020F0302020204030204" pitchFamily="34" charset="0"/>
+                      </a:endParaRPr>
+                    </a:p>
+                  </a:txBody>
+                  <a:tcPr marL="0" anchor="ctr">
+                    <a:lnL w="12700" cmpd="sng">
+                      <a:noFill/>
+                    </a:lnL>
+                    <a:lnR w="12700" cmpd="sng">
+                      <a:noFill/>
+                    </a:lnR>
+                    <a:lnT w="12700" cmpd="sng">
+                      <a:noFill/>
+                    </a:lnT>
+                    <a:lnB w="12700" cmpd="sng">
+                      <a:noFill/>
+                    </a:lnB>
+                    <a:lnTlToBr w="12700" cmpd="sng">
+                      <a:noFill/>
+                      <a:prstDash val="solid"/>
+                    </a:lnTlToBr>
+                    <a:lnBlToTr w="12700" cmpd="sng">
+                      <a:noFill/>
+                      <a:prstDash val="solid"/>
+                    </a:lnBlToTr>
+                  </a:tcPr>
+                </a:tc>
+                <a:tc hMerge="1">
+                  <a:txBody>
+                    <a:bodyPr/>
+                    <a:lstStyle/>
+                    <a:p>
+                      <a:pPr algn="ctr" rtl="0"/>
+                      <a:endParaRPr lang="fa-IR" sz="1000" dirty="0">
+                        <a:latin typeface="Calibri Light" panose="020F0302020204030204" pitchFamily="34" charset="0"/>
+                      </a:endParaRPr>
+                    </a:p>
+                  </a:txBody>
+                  <a:tcPr anchor="ctr">
+                    <a:lnL w="12700" cmpd="sng">
+                      <a:noFill/>
+                    </a:lnL>
+                    <a:lnR w="12700" cmpd="sng">
+                      <a:noFill/>
+                    </a:lnR>
+                    <a:lnT w="12700" cmpd="sng">
+                      <a:noFill/>
+                    </a:lnT>
+                    <a:lnB w="12700" cmpd="sng">
+                      <a:noFill/>
+                    </a:lnB>
+                    <a:lnTlToBr w="12700" cmpd="sng">
+                      <a:noFill/>
+                      <a:prstDash val="solid"/>
+                    </a:lnTlToBr>
+                    <a:lnBlToTr w="12700" cmpd="sng">
+                      <a:noFill/>
+                      <a:prstDash val="solid"/>
+                    </a:lnBlToTr>
+                  </a:tcPr>
+                </a:tc>
+                <a:tc hMerge="1">
+                  <a:txBody>
+                    <a:bodyPr/>
+                    <a:lstStyle/>
+                    <a:p>
+                      <a:pPr algn="ctr" rtl="0"/>
+                      <a:endParaRPr lang="fa-IR" sz="1000" dirty="0">
+                        <a:latin typeface="Calibri Light" panose="020F0302020204030204" pitchFamily="34" charset="0"/>
+                      </a:endParaRPr>
+                    </a:p>
+                  </a:txBody>
+                  <a:tcPr anchor="ctr">
+                    <a:lnL w="12700" cmpd="sng">
+                      <a:noFill/>
+                    </a:lnL>
+                    <a:lnR w="12700" cmpd="sng">
+                      <a:noFill/>
+                    </a:lnR>
+                    <a:lnT w="12700" cmpd="sng">
+                      <a:noFill/>
+                    </a:lnT>
+                    <a:lnB w="12700" cmpd="sng">
+                      <a:noFill/>
+                    </a:lnB>
+                    <a:lnTlToBr w="12700" cmpd="sng">
+                      <a:noFill/>
+                      <a:prstDash val="solid"/>
+                    </a:lnTlToBr>
+                    <a:lnBlToTr w="12700" cmpd="sng">
+                      <a:noFill/>
+                      <a:prstDash val="solid"/>
+                    </a:lnBlToTr>
+                  </a:tcPr>
+                </a:tc>
+                <a:tc hMerge="1">
+                  <a:txBody>
+                    <a:bodyPr/>
+                    <a:lstStyle/>
+                    <a:p>
+                      <a:pPr marL="0" marR="0" indent="0" algn="ctr" defTabSz="1320759" rtl="0" eaLnBrk="1" fontAlgn="auto" latinLnBrk="0" hangingPunct="1">
+                        <a:lnSpc>
+                          <a:spcPct val="100000"/>
+                        </a:lnSpc>
+                        <a:spcBef>
+                          <a:spcPts val="0"/>
+                        </a:spcBef>
+                        <a:spcAft>
+                          <a:spcPts val="0"/>
+                        </a:spcAft>
+                        <a:buClrTx/>
+                        <a:buSzTx/>
+                        <a:buFontTx/>
+                        <a:buNone/>
+                        <a:tabLst/>
+                        <a:defRPr/>
+                      </a:pPr>
+                      <a:endParaRPr lang="fa-IR" sz="1200" b="0" kern="1200" dirty="0">
+                        <a:solidFill>
+                          <a:schemeClr val="tx1">
+                            <a:lumMod val="85000"/>
+                            <a:lumOff val="15000"/>
+                          </a:schemeClr>
+                        </a:solidFill>
+                        <a:latin typeface="Candara" panose="020E0502030303020204" pitchFamily="34" charset="0"/>
+                        <a:ea typeface="+mn-ea"/>
+                        <a:cs typeface="+mn-cs"/>
+                      </a:endParaRPr>
+                    </a:p>
+                  </a:txBody>
+                  <a:tcPr anchor="ctr">
+                    <a:lnL w="12700" cmpd="sng">
+                      <a:noFill/>
+                    </a:lnL>
+                    <a:lnR w="12700" cmpd="sng">
+                      <a:noFill/>
+                    </a:lnR>
+                    <a:lnT w="12700" cmpd="sng">
+                      <a:noFill/>
+                    </a:lnT>
+                    <a:lnB w="12700" cmpd="sng">
+                      <a:noFill/>
+                    </a:lnB>
+                    <a:lnTlToBr w="12700" cmpd="sng">
+                      <a:noFill/>
+                      <a:prstDash val="solid"/>
+                    </a:lnTlToBr>
+                    <a:lnBlToTr w="12700" cmpd="sng">
+                      <a:noFill/>
+                      <a:prstDash val="solid"/>
+                    </a:lnBlToTr>
+                  </a:tcPr>
+                </a:tc>
+                <a:extLst>
+                  <a:ext uri="{0D108BD9-81ED-4DB2-BD59-A6C34878D82A}">
+                    <a16:rowId xmlns:a16="http://schemas.microsoft.com/office/drawing/2014/main" val="291696126"/>
                   </a:ext>
                 </a:extLst>
               </a:tr>
@@ -11756,21 +11838,7 @@
                 <a:ea typeface="Meiryo UI" panose="020B0604030504040204" pitchFamily="34" charset="-128"/>
                 <a:cs typeface="Meiryo UI" panose="020B0604030504040204" pitchFamily="34" charset="-128"/>
               </a:rPr>
-              <a:t> </a:t>
-            </a:r>
-            <a:r>
-              <a:rPr lang="fa-IR" sz="1000" b="1" dirty="0" smtClean="0">
-                <a:solidFill>
-                  <a:schemeClr val="accent2">
-                    <a:lumMod val="60000"/>
-                    <a:lumOff val="40000"/>
-                  </a:schemeClr>
-                </a:solidFill>
-                <a:latin typeface="Century Gothic" panose="020B0502020202020204" pitchFamily="34" charset="0"/>
-                <a:ea typeface="Meiryo UI" panose="020B0604030504040204" pitchFamily="34" charset="-128"/>
-                <a:cs typeface="Meiryo UI" panose="020B0604030504040204" pitchFamily="34" charset="-128"/>
-              </a:rPr>
-              <a:t>2022</a:t>
+              <a:t> 2022</a:t>
             </a:r>
             <a:endParaRPr lang="fa-IR" sz="1000" b="1" dirty="0">
               <a:solidFill>
@@ -11885,21 +11953,21 @@
       </p:sp>
       <p:graphicFrame>
         <p:nvGraphicFramePr>
-          <p:cNvPr id="9" name="Table 8"/>
+          <p:cNvPr id="8" name="Table 7"/>
           <p:cNvGraphicFramePr>
             <a:graphicFrameLocks noGrp="1"/>
           </p:cNvGraphicFramePr>
           <p:nvPr>
             <p:extLst>
               <p:ext uri="{D42A27DB-BD31-4B8C-83A1-F6EECF244321}">
-                <p14:modId xmlns:p14="http://schemas.microsoft.com/office/powerpoint/2010/main" val="3451206846"/>
+                <p14:modId xmlns:p14="http://schemas.microsoft.com/office/powerpoint/2010/main" val="2103142673"/>
               </p:ext>
             </p:extLst>
           </p:nvPr>
         </p:nvGraphicFramePr>
         <p:xfrm>
-          <a:off x="137160" y="138301"/>
-          <a:ext cx="6583681" cy="2072640"/>
+          <a:off x="137151" y="143350"/>
+          <a:ext cx="6583679" cy="2732555"/>
         </p:xfrm>
         <a:graphic>
           <a:graphicData uri="http://schemas.openxmlformats.org/drawingml/2006/table">
@@ -11908,50 +11976,43 @@
                 <a:tableStyleId>{5940675A-B579-460E-94D1-54222C63F5DA}</a:tableStyleId>
               </a:tblPr>
               <a:tblGrid>
-                <a:gridCol w="698376">
+                <a:gridCol w="1052160">
                   <a:extLst>
                     <a:ext uri="{9D8B030D-6E8A-4147-A177-3AD203B41FA5}">
                       <a16:colId xmlns:a16="http://schemas.microsoft.com/office/drawing/2014/main" val="1758866349"/>
                     </a:ext>
                   </a:extLst>
                 </a:gridCol>
-                <a:gridCol w="669866">
+                <a:gridCol w="1480138">
                   <a:extLst>
                     <a:ext uri="{9D8B030D-6E8A-4147-A177-3AD203B41FA5}">
                       <a16:colId xmlns:a16="http://schemas.microsoft.com/office/drawing/2014/main" val="3262768634"/>
                     </a:ext>
                   </a:extLst>
                 </a:gridCol>
-                <a:gridCol w="1190344">
-                  <a:extLst>
-                    <a:ext uri="{9D8B030D-6E8A-4147-A177-3AD203B41FA5}">
-                      <a16:colId xmlns:a16="http://schemas.microsoft.com/office/drawing/2014/main" val="1743973046"/>
-                    </a:ext>
-                  </a:extLst>
-                </a:gridCol>
-                <a:gridCol w="1419770">
+                <a:gridCol w="1398875">
                   <a:extLst>
                     <a:ext uri="{9D8B030D-6E8A-4147-A177-3AD203B41FA5}">
                       <a16:colId xmlns:a16="http://schemas.microsoft.com/office/drawing/2014/main" val="3667680000"/>
                     </a:ext>
                   </a:extLst>
                 </a:gridCol>
-                <a:gridCol w="1257788">
+                <a:gridCol w="1766729">
                   <a:extLst>
                     <a:ext uri="{9D8B030D-6E8A-4147-A177-3AD203B41FA5}">
                       <a16:colId xmlns:a16="http://schemas.microsoft.com/office/drawing/2014/main" val="2106253107"/>
                     </a:ext>
                   </a:extLst>
                 </a:gridCol>
-                <a:gridCol w="1347537">
+                <a:gridCol w="885777">
                   <a:extLst>
                     <a:ext uri="{9D8B030D-6E8A-4147-A177-3AD203B41FA5}">
-                      <a16:colId xmlns:a16="http://schemas.microsoft.com/office/drawing/2014/main" val="2603293168"/>
+                      <a16:colId xmlns:a16="http://schemas.microsoft.com/office/drawing/2014/main" val="857514281"/>
                     </a:ext>
                   </a:extLst>
                 </a:gridCol>
               </a:tblGrid>
-              <a:tr h="188686">
+              <a:tr h="203548">
                 <a:tc rowSpan="2">
                   <a:txBody>
                     <a:bodyPr/>
@@ -11983,32 +12044,44 @@
                           <a:ea typeface="+mn-ea"/>
                           <a:cs typeface="+mn-cs"/>
                         </a:rPr>
-                        <a:t>Skills</a:t>
+                        <a:t>Projects</a:t>
                       </a:r>
-                      <a:r>
-                        <a:rPr lang="en-US" sz="1800" dirty="0" smtClean="0"/>
-                        <a:t> </a:t>
-                      </a:r>
-                      <a:endParaRPr lang="fa-IR" sz="1800" b="1" dirty="0">
+                      <a:endParaRPr lang="fa-IR" sz="1700" b="1" dirty="0">
                         <a:solidFill>
-                          <a:srgbClr val="0070C0"/>
+                          <a:srgbClr val="00B050"/>
                         </a:solidFill>
                         <a:latin typeface="Century Gothic" panose="020B0502020202020204" pitchFamily="34" charset="0"/>
                       </a:endParaRPr>
                     </a:p>
                   </a:txBody>
                   <a:tcPr marL="45720" marR="45720" anchor="ctr">
-                    <a:lnL w="12700" cmpd="sng">
-                      <a:noFill/>
+                    <a:lnL w="12700" cap="flat" cmpd="sng" algn="ctr">
+                      <a:noFill/>
+                      <a:prstDash val="solid"/>
+                      <a:round/>
+                      <a:headEnd type="none" w="med" len="med"/>
+                      <a:tailEnd type="none" w="med" len="med"/>
                     </a:lnL>
-                    <a:lnR w="12700" cmpd="sng">
-                      <a:noFill/>
+                    <a:lnR w="12700" cap="flat" cmpd="sng" algn="ctr">
+                      <a:noFill/>
+                      <a:prstDash val="solid"/>
+                      <a:round/>
+                      <a:headEnd type="none" w="med" len="med"/>
+                      <a:tailEnd type="none" w="med" len="med"/>
                     </a:lnR>
-                    <a:lnT w="12700" cmpd="sng">
-                      <a:noFill/>
+                    <a:lnT w="12700" cap="flat" cmpd="sng" algn="ctr">
+                      <a:noFill/>
+                      <a:prstDash val="solid"/>
+                      <a:round/>
+                      <a:headEnd type="none" w="med" len="med"/>
+                      <a:tailEnd type="none" w="med" len="med"/>
                     </a:lnT>
-                    <a:lnB w="12700" cmpd="sng">
-                      <a:noFill/>
+                    <a:lnB w="12700" cap="flat" cmpd="sng" algn="ctr">
+                      <a:noFill/>
+                      <a:prstDash val="solid"/>
+                      <a:round/>
+                      <a:headEnd type="none" w="med" len="med"/>
+                      <a:tailEnd type="none" w="med" len="med"/>
                     </a:lnB>
                     <a:lnTlToBr w="12700" cmpd="sng">
                       <a:noFill/>
@@ -12020,7 +12093,7 @@
                     </a:lnBlToTr>
                   </a:tcPr>
                 </a:tc>
-                <a:tc gridSpan="2">
+                <a:tc>
                   <a:txBody>
                     <a:bodyPr/>
                     <a:lstStyle/>
@@ -12030,14 +12103,26 @@
                     </a:p>
                   </a:txBody>
                   <a:tcPr marL="45720" marR="45720" anchor="ctr">
-                    <a:lnL w="12700" cmpd="sng">
-                      <a:noFill/>
+                    <a:lnL w="12700" cap="flat" cmpd="sng" algn="ctr">
+                      <a:noFill/>
+                      <a:prstDash val="solid"/>
+                      <a:round/>
+                      <a:headEnd type="none" w="med" len="med"/>
+                      <a:tailEnd type="none" w="med" len="med"/>
                     </a:lnL>
-                    <a:lnR w="12700" cmpd="sng">
-                      <a:noFill/>
+                    <a:lnR w="12700" cap="flat" cmpd="sng" algn="ctr">
+                      <a:noFill/>
+                      <a:prstDash val="solid"/>
+                      <a:round/>
+                      <a:headEnd type="none" w="med" len="med"/>
+                      <a:tailEnd type="none" w="med" len="med"/>
                     </a:lnR>
-                    <a:lnT w="12700" cmpd="sng">
-                      <a:noFill/>
+                    <a:lnT w="12700" cap="flat" cmpd="sng" algn="ctr">
+                      <a:noFill/>
+                      <a:prstDash val="solid"/>
+                      <a:round/>
+                      <a:headEnd type="none" w="med" len="med"/>
+                      <a:tailEnd type="none" w="med" len="med"/>
                     </a:lnT>
                     <a:lnB w="12700" cap="flat" cmpd="sng" algn="ctr">
                       <a:solidFill>
@@ -12058,17 +12143,6 @@
                     </a:lnBlToTr>
                   </a:tcPr>
                 </a:tc>
-                <a:tc hMerge="1">
-                  <a:txBody>
-                    <a:bodyPr/>
-                    <a:lstStyle/>
-                    <a:p>
-                      <a:pPr rtl="1"/>
-                      <a:endParaRPr lang="fa-IR"/>
-                    </a:p>
-                  </a:txBody>
-                  <a:tcPr/>
-                </a:tc>
                 <a:tc>
                   <a:txBody>
                     <a:bodyPr/>
@@ -12079,14 +12153,26 @@
                     </a:p>
                   </a:txBody>
                   <a:tcPr marL="45720" marR="45720" anchor="ctr">
-                    <a:lnL w="12700" cmpd="sng">
-                      <a:noFill/>
+                    <a:lnL w="12700" cap="flat" cmpd="sng" algn="ctr">
+                      <a:noFill/>
+                      <a:prstDash val="solid"/>
+                      <a:round/>
+                      <a:headEnd type="none" w="med" len="med"/>
+                      <a:tailEnd type="none" w="med" len="med"/>
                     </a:lnL>
-                    <a:lnR w="12700" cmpd="sng">
-                      <a:noFill/>
+                    <a:lnR w="12700" cap="flat" cmpd="sng" algn="ctr">
+                      <a:noFill/>
+                      <a:prstDash val="solid"/>
+                      <a:round/>
+                      <a:headEnd type="none" w="med" len="med"/>
+                      <a:tailEnd type="none" w="med" len="med"/>
                     </a:lnR>
-                    <a:lnT w="12700" cmpd="sng">
-                      <a:noFill/>
+                    <a:lnT w="12700" cap="flat" cmpd="sng" algn="ctr">
+                      <a:noFill/>
+                      <a:prstDash val="solid"/>
+                      <a:round/>
+                      <a:headEnd type="none" w="med" len="med"/>
+                      <a:tailEnd type="none" w="med" len="med"/>
                     </a:lnT>
                     <a:lnB w="12700" cap="flat" cmpd="sng" algn="ctr">
                       <a:solidFill>
@@ -12117,14 +12203,26 @@
                     </a:p>
                   </a:txBody>
                   <a:tcPr marL="45720" marR="45720" anchor="ctr">
-                    <a:lnL w="12700" cmpd="sng">
-                      <a:noFill/>
+                    <a:lnL w="12700" cap="flat" cmpd="sng" algn="ctr">
+                      <a:noFill/>
+                      <a:prstDash val="solid"/>
+                      <a:round/>
+                      <a:headEnd type="none" w="med" len="med"/>
+                      <a:tailEnd type="none" w="med" len="med"/>
                     </a:lnL>
-                    <a:lnR w="12700" cmpd="sng">
-                      <a:noFill/>
+                    <a:lnR w="12700" cap="flat" cmpd="sng" algn="ctr">
+                      <a:noFill/>
+                      <a:prstDash val="solid"/>
+                      <a:round/>
+                      <a:headEnd type="none" w="med" len="med"/>
+                      <a:tailEnd type="none" w="med" len="med"/>
                     </a:lnR>
-                    <a:lnT w="12700" cmpd="sng">
-                      <a:noFill/>
+                    <a:lnT w="12700" cap="flat" cmpd="sng" algn="ctr">
+                      <a:noFill/>
+                      <a:prstDash val="solid"/>
+                      <a:round/>
+                      <a:headEnd type="none" w="med" len="med"/>
+                      <a:tailEnd type="none" w="med" len="med"/>
                     </a:lnT>
                     <a:lnB w="12700" cap="flat" cmpd="sng" algn="ctr">
                       <a:solidFill>
@@ -12150,19 +12248,31 @@
                     <a:bodyPr/>
                     <a:lstStyle/>
                     <a:p>
-                      <a:pPr algn="ctr" rtl="0"/>
+                      <a:pPr rtl="1"/>
                       <a:endParaRPr lang="fa-IR" sz="700" dirty="0"/>
                     </a:p>
                   </a:txBody>
                   <a:tcPr marL="45720" marR="45720" anchor="ctr">
-                    <a:lnL w="12700" cmpd="sng">
-                      <a:noFill/>
+                    <a:lnL w="12700" cap="flat" cmpd="sng" algn="ctr">
+                      <a:noFill/>
+                      <a:prstDash val="solid"/>
+                      <a:round/>
+                      <a:headEnd type="none" w="med" len="med"/>
+                      <a:tailEnd type="none" w="med" len="med"/>
                     </a:lnL>
-                    <a:lnR w="12700" cmpd="sng">
-                      <a:noFill/>
+                    <a:lnR w="12700" cap="flat" cmpd="sng" algn="ctr">
+                      <a:noFill/>
+                      <a:prstDash val="solid"/>
+                      <a:round/>
+                      <a:headEnd type="none" w="med" len="med"/>
+                      <a:tailEnd type="none" w="med" len="med"/>
                     </a:lnR>
-                    <a:lnT w="12700" cmpd="sng">
-                      <a:noFill/>
+                    <a:lnT w="12700" cap="flat" cmpd="sng" algn="ctr">
+                      <a:noFill/>
+                      <a:prstDash val="solid"/>
+                      <a:round/>
+                      <a:headEnd type="none" w="med" len="med"/>
+                      <a:tailEnd type="none" w="med" len="med"/>
                     </a:lnT>
                     <a:lnB w="12700" cap="flat" cmpd="sng" algn="ctr">
                       <a:solidFill>
@@ -12189,7 +12299,7 @@
                   </a:ext>
                 </a:extLst>
               </a:tr>
-              <a:tr h="188686">
+              <a:tr h="203548">
                 <a:tc vMerge="1">
                   <a:txBody>
                     <a:bodyPr/>
@@ -12201,7 +12311,7 @@
                   </a:txBody>
                   <a:tcPr anchor="ctr"/>
                 </a:tc>
-                <a:tc gridSpan="2">
+                <a:tc>
                   <a:txBody>
                     <a:bodyPr/>
                     <a:lstStyle/>
@@ -12211,11 +12321,19 @@
                     </a:p>
                   </a:txBody>
                   <a:tcPr marL="45720" marR="45720" anchor="ctr">
-                    <a:lnL w="12700" cmpd="sng">
-                      <a:noFill/>
+                    <a:lnL w="12700" cap="flat" cmpd="sng" algn="ctr">
+                      <a:noFill/>
+                      <a:prstDash val="solid"/>
+                      <a:round/>
+                      <a:headEnd type="none" w="med" len="med"/>
+                      <a:tailEnd type="none" w="med" len="med"/>
                     </a:lnL>
-                    <a:lnR w="12700" cmpd="sng">
-                      <a:noFill/>
+                    <a:lnR w="12700" cap="flat" cmpd="sng" algn="ctr">
+                      <a:noFill/>
+                      <a:prstDash val="solid"/>
+                      <a:round/>
+                      <a:headEnd type="none" w="med" len="med"/>
+                      <a:tailEnd type="none" w="med" len="med"/>
                     </a:lnR>
                     <a:lnT w="12700" cap="flat" cmpd="sng" algn="ctr">
                       <a:solidFill>
@@ -12226,8 +12344,12 @@
                       <a:headEnd type="none" w="med" len="med"/>
                       <a:tailEnd type="none" w="med" len="med"/>
                     </a:lnT>
-                    <a:lnB w="12700" cmpd="sng">
-                      <a:noFill/>
+                    <a:lnB w="12700" cap="flat" cmpd="sng" algn="ctr">
+                      <a:noFill/>
+                      <a:prstDash val="solid"/>
+                      <a:round/>
+                      <a:headEnd type="none" w="med" len="med"/>
+                      <a:tailEnd type="none" w="med" len="med"/>
                     </a:lnB>
                     <a:lnTlToBr w="12700" cmpd="sng">
                       <a:noFill/>
@@ -12239,17 +12361,6 @@
                     </a:lnBlToTr>
                   </a:tcPr>
                 </a:tc>
-                <a:tc hMerge="1">
-                  <a:txBody>
-                    <a:bodyPr/>
-                    <a:lstStyle/>
-                    <a:p>
-                      <a:pPr rtl="1"/>
-                      <a:endParaRPr lang="fa-IR"/>
-                    </a:p>
-                  </a:txBody>
-                  <a:tcPr/>
-                </a:tc>
                 <a:tc>
                   <a:txBody>
                     <a:bodyPr/>
@@ -12260,11 +12371,19 @@
                     </a:p>
                   </a:txBody>
                   <a:tcPr marL="45720" marR="45720" anchor="ctr">
-                    <a:lnL w="12700" cmpd="sng">
-                      <a:noFill/>
+                    <a:lnL w="12700" cap="flat" cmpd="sng" algn="ctr">
+                      <a:noFill/>
+                      <a:prstDash val="solid"/>
+                      <a:round/>
+                      <a:headEnd type="none" w="med" len="med"/>
+                      <a:tailEnd type="none" w="med" len="med"/>
                     </a:lnL>
-                    <a:lnR w="12700" cmpd="sng">
-                      <a:noFill/>
+                    <a:lnR w="12700" cap="flat" cmpd="sng" algn="ctr">
+                      <a:noFill/>
+                      <a:prstDash val="solid"/>
+                      <a:round/>
+                      <a:headEnd type="none" w="med" len="med"/>
+                      <a:tailEnd type="none" w="med" len="med"/>
                     </a:lnR>
                     <a:lnT w="12700" cap="flat" cmpd="sng" algn="ctr">
                       <a:solidFill>
@@ -12275,8 +12394,12 @@
                       <a:headEnd type="none" w="med" len="med"/>
                       <a:tailEnd type="none" w="med" len="med"/>
                     </a:lnT>
-                    <a:lnB w="12700" cmpd="sng">
-                      <a:noFill/>
+                    <a:lnB w="12700" cap="flat" cmpd="sng" algn="ctr">
+                      <a:noFill/>
+                      <a:prstDash val="solid"/>
+                      <a:round/>
+                      <a:headEnd type="none" w="med" len="med"/>
+                      <a:tailEnd type="none" w="med" len="med"/>
                     </a:lnB>
                     <a:lnTlToBr w="12700" cmpd="sng">
                       <a:noFill/>
@@ -12298,11 +12421,19 @@
                     </a:p>
                   </a:txBody>
                   <a:tcPr marL="45720" marR="45720" anchor="ctr">
-                    <a:lnL w="12700" cmpd="sng">
-                      <a:noFill/>
+                    <a:lnL w="12700" cap="flat" cmpd="sng" algn="ctr">
+                      <a:noFill/>
+                      <a:prstDash val="solid"/>
+                      <a:round/>
+                      <a:headEnd type="none" w="med" len="med"/>
+                      <a:tailEnd type="none" w="med" len="med"/>
                     </a:lnL>
-                    <a:lnR w="12700" cmpd="sng">
-                      <a:noFill/>
+                    <a:lnR w="12700" cap="flat" cmpd="sng" algn="ctr">
+                      <a:noFill/>
+                      <a:prstDash val="solid"/>
+                      <a:round/>
+                      <a:headEnd type="none" w="med" len="med"/>
+                      <a:tailEnd type="none" w="med" len="med"/>
                     </a:lnR>
                     <a:lnT w="12700" cap="flat" cmpd="sng" algn="ctr">
                       <a:solidFill>
@@ -12313,8 +12444,12 @@
                       <a:headEnd type="none" w="med" len="med"/>
                       <a:tailEnd type="none" w="med" len="med"/>
                     </a:lnT>
-                    <a:lnB w="12700" cmpd="sng">
-                      <a:noFill/>
+                    <a:lnB w="12700" cap="flat" cmpd="sng" algn="ctr">
+                      <a:noFill/>
+                      <a:prstDash val="solid"/>
+                      <a:round/>
+                      <a:headEnd type="none" w="med" len="med"/>
+                      <a:tailEnd type="none" w="med" len="med"/>
                     </a:lnB>
                     <a:lnTlToBr w="12700" cmpd="sng">
                       <a:noFill/>
@@ -12331,16 +12466,24 @@
                     <a:bodyPr/>
                     <a:lstStyle/>
                     <a:p>
-                      <a:pPr algn="ctr" rtl="0"/>
+                      <a:pPr rtl="1"/>
                       <a:endParaRPr lang="fa-IR" sz="700" dirty="0"/>
                     </a:p>
                   </a:txBody>
                   <a:tcPr marL="45720" marR="45720" anchor="ctr">
-                    <a:lnL w="12700" cmpd="sng">
-                      <a:noFill/>
+                    <a:lnL w="12700" cap="flat" cmpd="sng" algn="ctr">
+                      <a:noFill/>
+                      <a:prstDash val="solid"/>
+                      <a:round/>
+                      <a:headEnd type="none" w="med" len="med"/>
+                      <a:tailEnd type="none" w="med" len="med"/>
                     </a:lnL>
-                    <a:lnR w="12700" cmpd="sng">
-                      <a:noFill/>
+                    <a:lnR w="12700" cap="flat" cmpd="sng" algn="ctr">
+                      <a:noFill/>
+                      <a:prstDash val="solid"/>
+                      <a:round/>
+                      <a:headEnd type="none" w="med" len="med"/>
+                      <a:tailEnd type="none" w="med" len="med"/>
                     </a:lnR>
                     <a:lnT w="12700" cap="flat" cmpd="sng" algn="ctr">
                       <a:solidFill>
@@ -12351,8 +12494,12 @@
                       <a:headEnd type="none" w="med" len="med"/>
                       <a:tailEnd type="none" w="med" len="med"/>
                     </a:lnT>
-                    <a:lnB w="12700" cmpd="sng">
-                      <a:noFill/>
+                    <a:lnB w="12700" cap="flat" cmpd="sng" algn="ctr">
+                      <a:noFill/>
+                      <a:prstDash val="solid"/>
+                      <a:round/>
+                      <a:headEnd type="none" w="med" len="med"/>
+                      <a:tailEnd type="none" w="med" len="med"/>
                     </a:lnB>
                     <a:lnTlToBr w="12700" cmpd="sng">
                       <a:noFill/>
@@ -12370,8 +12517,8 @@
                   </a:ext>
                 </a:extLst>
               </a:tr>
-              <a:tr h="261257">
-                <a:tc gridSpan="2">
+              <a:tr h="281836">
+                <a:tc gridSpan="4">
                   <a:txBody>
                     <a:bodyPr/>
                     <a:lstStyle/>
@@ -12388,13 +12535,368 @@
                         </a:spcAft>
                         <a:buClrTx/>
                         <a:buSzTx/>
+                        <a:buFont typeface="Arial" panose="020B0604020202020204" pitchFamily="34" charset="0"/>
+                        <a:buNone/>
+                        <a:tabLst/>
+                        <a:defRPr/>
+                      </a:pPr>
+                      <a:r>
+                        <a:rPr lang="en-US" sz="1200" b="1" i="0" u="heavy" kern="1200" baseline="0" dirty="0" smtClean="0">
+                          <a:solidFill>
+                            <a:schemeClr val="tx1"/>
+                          </a:solidFill>
+                          <a:effectLst/>
+                          <a:uFill>
+                            <a:solidFill>
+                              <a:srgbClr val="FF0066"/>
+                            </a:solidFill>
+                          </a:uFill>
+                          <a:latin typeface="Calibri Light" panose="020F0302020204030204" pitchFamily="34" charset="0"/>
+                          <a:ea typeface="+mn-ea"/>
+                          <a:cs typeface="+mn-cs"/>
+                          <a:hlinkClick r:id="rId2"/>
+                        </a:rPr>
+                        <a:t>ML projects with python</a:t>
+                      </a:r>
+                      <a:endParaRPr lang="fa-IR" sz="1200" b="1" i="0" u="heavy" kern="1200" baseline="0" dirty="0">
+                        <a:solidFill>
+                          <a:schemeClr val="tx1"/>
+                        </a:solidFill>
+                        <a:effectLst/>
+                        <a:uFill>
+                          <a:solidFill>
+                            <a:srgbClr val="FF0066"/>
+                          </a:solidFill>
+                        </a:uFill>
+                        <a:latin typeface="Calibri Light" panose="020F0302020204030204" pitchFamily="34" charset="0"/>
+                        <a:ea typeface="+mn-ea"/>
+                        <a:cs typeface="+mn-cs"/>
+                      </a:endParaRPr>
+                    </a:p>
+                  </a:txBody>
+                  <a:tcPr anchor="ctr">
+                    <a:lnL w="12700" cap="flat" cmpd="sng" algn="ctr">
+                      <a:noFill/>
+                      <a:prstDash val="solid"/>
+                      <a:round/>
+                      <a:headEnd type="none" w="med" len="med"/>
+                      <a:tailEnd type="none" w="med" len="med"/>
+                    </a:lnL>
+                    <a:lnR w="12700" cap="flat" cmpd="sng" algn="ctr">
+                      <a:noFill/>
+                      <a:prstDash val="solid"/>
+                      <a:round/>
+                      <a:headEnd type="none" w="med" len="med"/>
+                      <a:tailEnd type="none" w="med" len="med"/>
+                    </a:lnR>
+                    <a:lnT w="12700" cap="flat" cmpd="sng" algn="ctr">
+                      <a:noFill/>
+                      <a:prstDash val="solid"/>
+                      <a:round/>
+                      <a:headEnd type="none" w="med" len="med"/>
+                      <a:tailEnd type="none" w="med" len="med"/>
+                    </a:lnT>
+                    <a:lnB w="12700" cap="flat" cmpd="sng" algn="ctr">
+                      <a:noFill/>
+                      <a:prstDash val="solid"/>
+                      <a:round/>
+                      <a:headEnd type="none" w="med" len="med"/>
+                      <a:tailEnd type="none" w="med" len="med"/>
+                    </a:lnB>
+                    <a:lnTlToBr w="12700" cmpd="sng">
+                      <a:noFill/>
+                      <a:prstDash val="solid"/>
+                    </a:lnTlToBr>
+                    <a:lnBlToTr w="12700" cmpd="sng">
+                      <a:noFill/>
+                      <a:prstDash val="solid"/>
+                    </a:lnBlToTr>
+                  </a:tcPr>
+                </a:tc>
+                <a:tc hMerge="1">
+                  <a:txBody>
+                    <a:bodyPr/>
+                    <a:lstStyle/>
+                    <a:p>
+                      <a:pPr algn="ctr" rtl="0"/>
+                      <a:endParaRPr lang="fa-IR" sz="1000" dirty="0">
+                        <a:latin typeface="Calibri Light" panose="020F0302020204030204" pitchFamily="34" charset="0"/>
+                      </a:endParaRPr>
+                    </a:p>
+                  </a:txBody>
+                  <a:tcPr anchor="ctr">
+                    <a:lnL w="12700" cmpd="sng">
+                      <a:noFill/>
+                    </a:lnL>
+                    <a:lnR w="12700" cmpd="sng">
+                      <a:noFill/>
+                    </a:lnR>
+                    <a:lnT w="12700" cmpd="sng">
+                      <a:noFill/>
+                    </a:lnT>
+                    <a:lnB w="12700" cmpd="sng">
+                      <a:noFill/>
+                    </a:lnB>
+                    <a:lnTlToBr w="12700" cmpd="sng">
+                      <a:noFill/>
+                      <a:prstDash val="solid"/>
+                    </a:lnTlToBr>
+                    <a:lnBlToTr w="12700" cmpd="sng">
+                      <a:noFill/>
+                      <a:prstDash val="solid"/>
+                    </a:lnBlToTr>
+                  </a:tcPr>
+                </a:tc>
+                <a:tc hMerge="1">
+                  <a:txBody>
+                    <a:bodyPr/>
+                    <a:lstStyle/>
+                    <a:p>
+                      <a:pPr algn="ctr" rtl="0"/>
+                      <a:endParaRPr lang="fa-IR" sz="1000" dirty="0">
+                        <a:latin typeface="Calibri Light" panose="020F0302020204030204" pitchFamily="34" charset="0"/>
+                      </a:endParaRPr>
+                    </a:p>
+                  </a:txBody>
+                  <a:tcPr anchor="ctr">
+                    <a:lnL w="12700" cap="flat" cmpd="sng" algn="ctr">
+                      <a:noFill/>
+                      <a:prstDash val="solid"/>
+                      <a:round/>
+                      <a:headEnd type="none" w="med" len="med"/>
+                      <a:tailEnd type="none" w="med" len="med"/>
+                    </a:lnL>
+                    <a:lnR w="12700" cap="flat" cmpd="sng" algn="ctr">
+                      <a:noFill/>
+                      <a:prstDash val="solid"/>
+                      <a:round/>
+                      <a:headEnd type="none" w="med" len="med"/>
+                      <a:tailEnd type="none" w="med" len="med"/>
+                    </a:lnR>
+                    <a:lnT w="12700" cap="flat" cmpd="sng" algn="ctr">
+                      <a:noFill/>
+                      <a:prstDash val="solid"/>
+                      <a:round/>
+                      <a:headEnd type="none" w="med" len="med"/>
+                      <a:tailEnd type="none" w="med" len="med"/>
+                    </a:lnT>
+                    <a:lnB w="12700" cap="flat" cmpd="sng" algn="ctr">
+                      <a:noFill/>
+                      <a:prstDash val="solid"/>
+                      <a:round/>
+                      <a:headEnd type="none" w="med" len="med"/>
+                      <a:tailEnd type="none" w="med" len="med"/>
+                    </a:lnB>
+                    <a:lnTlToBr w="12700" cmpd="sng">
+                      <a:noFill/>
+                      <a:prstDash val="solid"/>
+                    </a:lnTlToBr>
+                    <a:lnBlToTr w="12700" cmpd="sng">
+                      <a:noFill/>
+                      <a:prstDash val="solid"/>
+                    </a:lnBlToTr>
+                  </a:tcPr>
+                </a:tc>
+                <a:tc hMerge="1">
+                  <a:txBody>
+                    <a:bodyPr/>
+                    <a:lstStyle/>
+                    <a:p>
+                      <a:pPr algn="ctr" rtl="0"/>
+                      <a:endParaRPr lang="fa-IR" sz="1000" dirty="0">
+                        <a:latin typeface="Calibri Light" panose="020F0302020204030204" pitchFamily="34" charset="0"/>
+                      </a:endParaRPr>
+                    </a:p>
+                  </a:txBody>
+                  <a:tcPr anchor="ctr">
+                    <a:lnL w="12700" cap="flat" cmpd="sng" algn="ctr">
+                      <a:noFill/>
+                      <a:prstDash val="solid"/>
+                      <a:round/>
+                      <a:headEnd type="none" w="med" len="med"/>
+                      <a:tailEnd type="none" w="med" len="med"/>
+                    </a:lnL>
+                    <a:lnR w="12700" cap="flat" cmpd="sng" algn="ctr">
+                      <a:noFill/>
+                      <a:prstDash val="solid"/>
+                      <a:round/>
+                      <a:headEnd type="none" w="med" len="med"/>
+                      <a:tailEnd type="none" w="med" len="med"/>
+                    </a:lnR>
+                    <a:lnT w="12700" cap="flat" cmpd="sng" algn="ctr">
+                      <a:noFill/>
+                      <a:prstDash val="solid"/>
+                      <a:round/>
+                      <a:headEnd type="none" w="med" len="med"/>
+                      <a:tailEnd type="none" w="med" len="med"/>
+                    </a:lnT>
+                    <a:lnB w="12700" cap="flat" cmpd="sng" algn="ctr">
+                      <a:noFill/>
+                      <a:prstDash val="solid"/>
+                      <a:round/>
+                      <a:headEnd type="none" w="med" len="med"/>
+                      <a:tailEnd type="none" w="med" len="med"/>
+                    </a:lnB>
+                    <a:lnTlToBr w="12700" cmpd="sng">
+                      <a:noFill/>
+                      <a:prstDash val="solid"/>
+                    </a:lnTlToBr>
+                    <a:lnBlToTr w="12700" cmpd="sng">
+                      <a:noFill/>
+                      <a:prstDash val="solid"/>
+                    </a:lnBlToTr>
+                  </a:tcPr>
+                </a:tc>
+                <a:tc rowSpan="2">
+                  <a:txBody>
+                    <a:bodyPr/>
+                    <a:lstStyle/>
+                    <a:p>
+                      <a:pPr marL="0" marR="0" indent="0" algn="ctr" defTabSz="1320759" rtl="0" eaLnBrk="1" fontAlgn="auto" latinLnBrk="0" hangingPunct="1">
+                        <a:lnSpc>
+                          <a:spcPct val="100000"/>
+                        </a:lnSpc>
+                        <a:spcBef>
+                          <a:spcPts val="600"/>
+                        </a:spcBef>
+                        <a:spcAft>
+                          <a:spcPts val="600"/>
+                        </a:spcAft>
+                        <a:buClrTx/>
+                        <a:buSzTx/>
                         <a:buFontTx/>
                         <a:buNone/>
                         <a:tabLst/>
                         <a:defRPr/>
                       </a:pPr>
                       <a:r>
-                        <a:rPr lang="en-US" sz="1200" b="1" kern="1200" dirty="0" smtClean="0">
+                        <a:rPr lang="en-US" sz="1000" b="0" i="0" kern="1200" dirty="0" smtClean="0">
+                          <a:solidFill>
+                            <a:srgbClr val="0070C0"/>
+                          </a:solidFill>
+                          <a:effectLst/>
+                          <a:latin typeface="Candara" panose="020E0502030303020204" pitchFamily="34" charset="0"/>
+                          <a:ea typeface="+mn-ea"/>
+                          <a:cs typeface="+mn-cs"/>
+                        </a:rPr>
+                        <a:t>2022</a:t>
+                      </a:r>
+                      <a:endParaRPr lang="fa-IR" sz="1000" b="0" i="0" kern="1200" dirty="0">
+                        <a:solidFill>
+                          <a:srgbClr val="0070C0"/>
+                        </a:solidFill>
+                        <a:effectLst/>
+                        <a:latin typeface="Candara" panose="020E0502030303020204" pitchFamily="34" charset="0"/>
+                        <a:ea typeface="+mn-ea"/>
+                        <a:cs typeface="+mn-cs"/>
+                      </a:endParaRPr>
+                    </a:p>
+                  </a:txBody>
+                  <a:tcPr marT="0" anchor="ctr">
+                    <a:lnL w="12700" cap="flat" cmpd="sng" algn="ctr">
+                      <a:noFill/>
+                      <a:prstDash val="solid"/>
+                      <a:round/>
+                      <a:headEnd type="none" w="med" len="med"/>
+                      <a:tailEnd type="none" w="med" len="med"/>
+                    </a:lnL>
+                    <a:lnR w="12700" cap="flat" cmpd="sng" algn="ctr">
+                      <a:noFill/>
+                      <a:prstDash val="solid"/>
+                      <a:round/>
+                      <a:headEnd type="none" w="med" len="med"/>
+                      <a:tailEnd type="none" w="med" len="med"/>
+                    </a:lnR>
+                    <a:lnT w="12700" cap="flat" cmpd="sng" algn="ctr">
+                      <a:noFill/>
+                      <a:prstDash val="solid"/>
+                      <a:round/>
+                      <a:headEnd type="none" w="med" len="med"/>
+                      <a:tailEnd type="none" w="med" len="med"/>
+                    </a:lnT>
+                    <a:lnB w="12700" cap="flat" cmpd="sng" algn="ctr">
+                      <a:noFill/>
+                      <a:prstDash val="solid"/>
+                      <a:round/>
+                      <a:headEnd type="none" w="med" len="med"/>
+                      <a:tailEnd type="none" w="med" len="med"/>
+                    </a:lnB>
+                    <a:lnTlToBr w="12700" cmpd="sng">
+                      <a:noFill/>
+                      <a:prstDash val="solid"/>
+                    </a:lnTlToBr>
+                    <a:lnBlToTr w="12700" cmpd="sng">
+                      <a:noFill/>
+                      <a:prstDash val="solid"/>
+                    </a:lnBlToTr>
+                  </a:tcPr>
+                </a:tc>
+                <a:extLst>
+                  <a:ext uri="{0D108BD9-81ED-4DB2-BD59-A6C34878D82A}">
+                    <a16:rowId xmlns:a16="http://schemas.microsoft.com/office/drawing/2014/main" val="291696126"/>
+                  </a:ext>
+                </a:extLst>
+              </a:tr>
+              <a:tr h="688932">
+                <a:tc gridSpan="4">
+                  <a:txBody>
+                    <a:bodyPr/>
+                    <a:lstStyle/>
+                    <a:p>
+                      <a:pPr marL="91440" indent="-91440" algn="just" rtl="0">
+                        <a:buFont typeface="Arial" panose="020B0604020202020204" pitchFamily="34" charset="0"/>
+                        <a:buChar char="•"/>
+                      </a:pPr>
+                      <a:r>
+                        <a:rPr lang="en-US" sz="1100" dirty="0" smtClean="0">
+                          <a:latin typeface="Calibri Light" panose="020F0302020204030204" pitchFamily="34" charset="0"/>
+                        </a:rPr>
+                        <a:t>Predicting house prices</a:t>
+                      </a:r>
+                      <a:r>
+                        <a:rPr lang="en-US" sz="1100" baseline="0" dirty="0" smtClean="0">
+                          <a:latin typeface="Calibri Light" panose="020F0302020204030204" pitchFamily="34" charset="0"/>
+                        </a:rPr>
+                        <a:t> (</a:t>
+                      </a:r>
+                      <a:r>
+                        <a:rPr lang="en-US" sz="1100" dirty="0" smtClean="0">
+                          <a:latin typeface="Calibri Light" panose="020F0302020204030204" pitchFamily="34" charset="0"/>
+                        </a:rPr>
+                        <a:t>A regression project).</a:t>
+                      </a:r>
+                    </a:p>
+                    <a:p>
+                      <a:pPr marL="91440" indent="-91440" algn="just" rtl="0">
+                        <a:buFont typeface="Arial" panose="020B0604020202020204" pitchFamily="34" charset="0"/>
+                        <a:buChar char="•"/>
+                      </a:pPr>
+                      <a:r>
+                        <a:rPr lang="en-US" sz="1100" dirty="0" smtClean="0">
+                          <a:latin typeface="Calibri Light" panose="020F0302020204030204" pitchFamily="34" charset="0"/>
+                        </a:rPr>
+                        <a:t>Classifying heart attack (A binary classification project).</a:t>
+                      </a:r>
+                    </a:p>
+                    <a:p>
+                      <a:pPr marL="91440" indent="-91440" algn="just" rtl="0">
+                        <a:buFont typeface="Arial" panose="020B0604020202020204" pitchFamily="34" charset="0"/>
+                        <a:buChar char="•"/>
+                      </a:pPr>
+                      <a:r>
+                        <a:rPr lang="en-US" sz="1100" dirty="0" smtClean="0">
+                          <a:latin typeface="Calibri Light" panose="020F0302020204030204" pitchFamily="34" charset="0"/>
+                        </a:rPr>
+                        <a:t>Customer segmentation (A clustering project).</a:t>
+                      </a:r>
+                    </a:p>
+                    <a:p>
+                      <a:pPr marL="91440" indent="-91440" algn="just" rtl="0">
+                        <a:buFont typeface="Arial" panose="020B0604020202020204" pitchFamily="34" charset="0"/>
+                        <a:buChar char="•"/>
+                      </a:pPr>
+                      <a:r>
+                        <a:rPr lang="en-US" sz="1100" kern="1200" dirty="0" smtClean="0">
                           <a:solidFill>
                             <a:schemeClr val="tx1"/>
                           </a:solidFill>
@@ -12402,19 +12904,127 @@
                           <a:ea typeface="+mn-ea"/>
                           <a:cs typeface="+mn-cs"/>
                         </a:rPr>
-                        <a:t>Data Science:</a:t>
+                        <a:t>Movie recommendation system (A recommendation system </a:t>
                       </a:r>
-                      <a:endParaRPr lang="fa-IR" sz="1200" b="1" kern="1200" dirty="0">
+                      <a:r>
+                        <a:rPr lang="en-US" sz="1100" dirty="0" smtClean="0">
+                          <a:latin typeface="Calibri Light" panose="020F0302020204030204" pitchFamily="34" charset="0"/>
+                        </a:rPr>
+                        <a:t>project)</a:t>
+                      </a:r>
+                      <a:r>
+                        <a:rPr lang="en-US" sz="1100" kern="1200" dirty="0" smtClean="0">
+                          <a:solidFill>
+                            <a:schemeClr val="tx1"/>
+                          </a:solidFill>
+                          <a:latin typeface="Calibri Light" panose="020F0302020204030204" pitchFamily="34" charset="0"/>
+                          <a:ea typeface="+mn-ea"/>
+                          <a:cs typeface="+mn-cs"/>
+                        </a:rPr>
+                        <a:t>.</a:t>
+                      </a:r>
+                      <a:endParaRPr lang="fa-IR" sz="1100" b="0" dirty="0">
                         <a:solidFill>
-                          <a:schemeClr val="tx1"/>
+                          <a:schemeClr val="bg2">
+                            <a:lumMod val="50000"/>
+                          </a:schemeClr>
                         </a:solidFill>
-                        <a:latin typeface="Calibri Light" panose="020F0302020204030204" pitchFamily="34" charset="0"/>
-                        <a:ea typeface="+mn-ea"/>
-                        <a:cs typeface="+mn-cs"/>
+                        <a:effectLst/>
+                        <a:latin typeface="Meiryo UI" panose="020B0604030504040204" pitchFamily="34" charset="-128"/>
+                        <a:ea typeface="Meiryo UI" panose="020B0604030504040204" pitchFamily="34" charset="-128"/>
                       </a:endParaRPr>
                     </a:p>
                   </a:txBody>
-                  <a:tcPr marR="0">
+                  <a:tcPr marT="0" marB="0" anchor="ctr">
+                    <a:lnL w="12700" cap="flat" cmpd="sng" algn="ctr">
+                      <a:noFill/>
+                      <a:prstDash val="solid"/>
+                      <a:round/>
+                      <a:headEnd type="none" w="med" len="med"/>
+                      <a:tailEnd type="none" w="med" len="med"/>
+                    </a:lnL>
+                    <a:lnR w="12700" cap="flat" cmpd="sng" algn="ctr">
+                      <a:noFill/>
+                      <a:prstDash val="solid"/>
+                      <a:round/>
+                      <a:headEnd type="none" w="med" len="med"/>
+                      <a:tailEnd type="none" w="med" len="med"/>
+                    </a:lnR>
+                    <a:lnT w="12700" cap="flat" cmpd="sng" algn="ctr">
+                      <a:noFill/>
+                      <a:prstDash val="solid"/>
+                      <a:round/>
+                      <a:headEnd type="none" w="med" len="med"/>
+                      <a:tailEnd type="none" w="med" len="med"/>
+                    </a:lnT>
+                    <a:lnB w="12700" cap="flat" cmpd="sng" algn="ctr">
+                      <a:noFill/>
+                      <a:prstDash val="solid"/>
+                      <a:round/>
+                      <a:headEnd type="none" w="med" len="med"/>
+                      <a:tailEnd type="none" w="med" len="med"/>
+                    </a:lnB>
+                    <a:lnTlToBr w="12700" cmpd="sng">
+                      <a:noFill/>
+                      <a:prstDash val="solid"/>
+                    </a:lnTlToBr>
+                    <a:lnBlToTr w="12700" cmpd="sng">
+                      <a:noFill/>
+                      <a:prstDash val="solid"/>
+                    </a:lnBlToTr>
+                  </a:tcPr>
+                </a:tc>
+                <a:tc hMerge="1">
+                  <a:txBody>
+                    <a:bodyPr/>
+                    <a:lstStyle/>
+                    <a:p>
+                      <a:pPr rtl="1"/>
+                      <a:endParaRPr lang="fa-IR"/>
+                    </a:p>
+                  </a:txBody>
+                  <a:tcPr/>
+                </a:tc>
+                <a:tc hMerge="1">
+                  <a:txBody>
+                    <a:bodyPr/>
+                    <a:lstStyle/>
+                    <a:p>
+                      <a:pPr rtl="1"/>
+                      <a:endParaRPr lang="fa-IR"/>
+                    </a:p>
+                  </a:txBody>
+                  <a:tcPr/>
+                </a:tc>
+                <a:tc hMerge="1">
+                  <a:txBody>
+                    <a:bodyPr/>
+                    <a:lstStyle/>
+                    <a:p>
+                      <a:pPr rtl="1"/>
+                      <a:endParaRPr lang="fa-IR"/>
+                    </a:p>
+                  </a:txBody>
+                  <a:tcPr/>
+                </a:tc>
+                <a:tc vMerge="1">
+                  <a:txBody>
+                    <a:bodyPr/>
+                    <a:lstStyle/>
+                    <a:p>
+                      <a:pPr algn="ctr" rtl="0"/>
+                      <a:endParaRPr lang="fa-IR" sz="950" b="0" dirty="0">
+                        <a:solidFill>
+                          <a:schemeClr val="tx1">
+                            <a:lumMod val="50000"/>
+                            <a:lumOff val="50000"/>
+                          </a:schemeClr>
+                        </a:solidFill>
+                        <a:latin typeface="Candara" panose="020E0502030303020204" pitchFamily="34" charset="0"/>
+                      </a:endParaRPr>
+                    </a:p>
+                  </a:txBody>
+                  <a:tcPr anchor="ctr">
                     <a:lnL w="12700" cmpd="sng">
                       <a:noFill/>
                     </a:lnL>
@@ -12437,7 +13047,14 @@
                     </a:lnBlToTr>
                   </a:tcPr>
                 </a:tc>
-                <a:tc hMerge="1">
+                <a:extLst>
+                  <a:ext uri="{0D108BD9-81ED-4DB2-BD59-A6C34878D82A}">
+                    <a16:rowId xmlns:a16="http://schemas.microsoft.com/office/drawing/2014/main" val="2504659023"/>
+                  </a:ext>
+                </a:extLst>
+              </a:tr>
+              <a:tr h="281836">
+                <a:tc gridSpan="4">
                   <a:txBody>
                     <a:bodyPr/>
                     <a:lstStyle/>
@@ -12454,37 +13071,179 @@
                         </a:spcAft>
                         <a:buClrTx/>
                         <a:buSzTx/>
-                        <a:buFontTx/>
+                        <a:buFont typeface="Arial" panose="020B0604020202020204" pitchFamily="34" charset="0"/>
                         <a:buNone/>
                         <a:tabLst/>
                         <a:defRPr/>
                       </a:pPr>
-                      <a:endParaRPr lang="fa-IR" sz="1200" b="0" kern="1200" dirty="0">
+                      <a:r>
+                        <a:rPr lang="en-US" sz="1200" b="1" i="0" u="heavy" kern="1200" baseline="0" dirty="0" smtClean="0">
+                          <a:solidFill>
+                            <a:schemeClr val="tx1"/>
+                          </a:solidFill>
+                          <a:effectLst/>
+                          <a:uFill>
+                            <a:solidFill>
+                              <a:srgbClr val="FF0066"/>
+                            </a:solidFill>
+                          </a:uFill>
+                          <a:latin typeface="Calibri Light" panose="020F0302020204030204" pitchFamily="34" charset="0"/>
+                          <a:ea typeface="+mn-ea"/>
+                          <a:cs typeface="+mn-cs"/>
+                          <a:hlinkClick r:id="rId3"/>
+                        </a:rPr>
+                        <a:t>My Journey into Deep Learning</a:t>
+                      </a:r>
+                      <a:endParaRPr lang="fa-IR" sz="1200" b="1" i="0" u="heavy" kern="1200" baseline="0" dirty="0">
                         <a:solidFill>
                           <a:schemeClr val="tx1"/>
                         </a:solidFill>
+                        <a:effectLst/>
+                        <a:uFill>
+                          <a:solidFill>
+                            <a:srgbClr val="FF0066"/>
+                          </a:solidFill>
+                        </a:uFill>
                         <a:latin typeface="Calibri Light" panose="020F0302020204030204" pitchFamily="34" charset="0"/>
                         <a:ea typeface="+mn-ea"/>
                         <a:cs typeface="+mn-cs"/>
                       </a:endParaRPr>
                     </a:p>
                   </a:txBody>
-                  <a:tcPr/>
-                </a:tc>
-                <a:tc gridSpan="4">
-                  <a:txBody>
-                    <a:bodyPr/>
-                    <a:lstStyle/>
-                    <a:p>
-                      <a:pPr marL="0" marR="0" indent="0" algn="just" defTabSz="1320759" rtl="0" eaLnBrk="1" fontAlgn="auto" latinLnBrk="0" hangingPunct="1">
+                  <a:tcPr anchor="ctr">
+                    <a:lnL w="12700" cap="flat" cmpd="sng" algn="ctr">
+                      <a:noFill/>
+                      <a:prstDash val="solid"/>
+                      <a:round/>
+                      <a:headEnd type="none" w="med" len="med"/>
+                      <a:tailEnd type="none" w="med" len="med"/>
+                    </a:lnL>
+                    <a:lnR w="12700" cap="flat" cmpd="sng" algn="ctr">
+                      <a:noFill/>
+                      <a:prstDash val="solid"/>
+                      <a:round/>
+                      <a:headEnd type="none" w="med" len="med"/>
+                      <a:tailEnd type="none" w="med" len="med"/>
+                    </a:lnR>
+                    <a:lnT w="12700" cap="flat" cmpd="sng" algn="ctr">
+                      <a:noFill/>
+                      <a:prstDash val="solid"/>
+                      <a:round/>
+                      <a:headEnd type="none" w="med" len="med"/>
+                      <a:tailEnd type="none" w="med" len="med"/>
+                    </a:lnT>
+                    <a:lnB w="12700" cap="flat" cmpd="sng" algn="ctr">
+                      <a:noFill/>
+                      <a:prstDash val="solid"/>
+                      <a:round/>
+                      <a:headEnd type="none" w="med" len="med"/>
+                      <a:tailEnd type="none" w="med" len="med"/>
+                    </a:lnB>
+                    <a:lnTlToBr w="12700" cmpd="sng">
+                      <a:noFill/>
+                      <a:prstDash val="solid"/>
+                    </a:lnTlToBr>
+                    <a:lnBlToTr w="12700" cmpd="sng">
+                      <a:noFill/>
+                      <a:prstDash val="solid"/>
+                    </a:lnBlToTr>
+                  </a:tcPr>
+                </a:tc>
+                <a:tc hMerge="1">
+                  <a:txBody>
+                    <a:bodyPr/>
+                    <a:lstStyle/>
+                    <a:p>
+                      <a:pPr algn="ctr" rtl="0"/>
+                      <a:endParaRPr lang="fa-IR" sz="1000" dirty="0">
+                        <a:latin typeface="Calibri Light" panose="020F0302020204030204" pitchFamily="34" charset="0"/>
+                      </a:endParaRPr>
+                    </a:p>
+                  </a:txBody>
+                  <a:tcPr anchor="ctr"/>
+                </a:tc>
+                <a:tc hMerge="1">
+                  <a:txBody>
+                    <a:bodyPr/>
+                    <a:lstStyle/>
+                    <a:p>
+                      <a:pPr algn="ctr" rtl="0"/>
+                      <a:endParaRPr lang="fa-IR" sz="1000" dirty="0">
+                        <a:latin typeface="Calibri Light" panose="020F0302020204030204" pitchFamily="34" charset="0"/>
+                      </a:endParaRPr>
+                    </a:p>
+                  </a:txBody>
+                  <a:tcPr anchor="ctr">
+                    <a:lnL w="12700" cmpd="sng">
+                      <a:noFill/>
+                    </a:lnL>
+                    <a:lnR w="12700" cmpd="sng">
+                      <a:noFill/>
+                    </a:lnR>
+                    <a:lnT w="12700" cmpd="sng">
+                      <a:noFill/>
+                    </a:lnT>
+                    <a:lnB w="12700" cmpd="sng">
+                      <a:noFill/>
+                    </a:lnB>
+                    <a:lnTlToBr w="12700" cmpd="sng">
+                      <a:noFill/>
+                      <a:prstDash val="solid"/>
+                    </a:lnTlToBr>
+                    <a:lnBlToTr w="12700" cmpd="sng">
+                      <a:noFill/>
+                      <a:prstDash val="solid"/>
+                    </a:lnBlToTr>
+                  </a:tcPr>
+                </a:tc>
+                <a:tc hMerge="1">
+                  <a:txBody>
+                    <a:bodyPr/>
+                    <a:lstStyle/>
+                    <a:p>
+                      <a:pPr algn="ctr" rtl="0"/>
+                      <a:endParaRPr lang="fa-IR" sz="1000" dirty="0">
+                        <a:latin typeface="Calibri Light" panose="020F0302020204030204" pitchFamily="34" charset="0"/>
+                      </a:endParaRPr>
+                    </a:p>
+                  </a:txBody>
+                  <a:tcPr anchor="ctr">
+                    <a:lnL w="12700" cmpd="sng">
+                      <a:noFill/>
+                    </a:lnL>
+                    <a:lnR w="12700" cmpd="sng">
+                      <a:noFill/>
+                    </a:lnR>
+                    <a:lnT w="12700" cmpd="sng">
+                      <a:noFill/>
+                    </a:lnT>
+                    <a:lnB w="12700" cmpd="sng">
+                      <a:noFill/>
+                    </a:lnB>
+                    <a:lnTlToBr w="12700" cmpd="sng">
+                      <a:noFill/>
+                      <a:prstDash val="solid"/>
+                    </a:lnTlToBr>
+                    <a:lnBlToTr w="12700" cmpd="sng">
+                      <a:noFill/>
+                      <a:prstDash val="solid"/>
+                    </a:lnBlToTr>
+                  </a:tcPr>
+                </a:tc>
+                <a:tc rowSpan="2">
+                  <a:txBody>
+                    <a:bodyPr/>
+                    <a:lstStyle/>
+                    <a:p>
+                      <a:pPr marL="0" marR="0" indent="0" algn="ctr" defTabSz="1320759" rtl="0" eaLnBrk="1" fontAlgn="auto" latinLnBrk="0" hangingPunct="1">
                         <a:lnSpc>
                           <a:spcPct val="100000"/>
                         </a:lnSpc>
                         <a:spcBef>
-                          <a:spcPts val="0"/>
+                          <a:spcPts val="600"/>
                         </a:spcBef>
                         <a:spcAft>
-                          <a:spcPts val="0"/>
+                          <a:spcPts val="600"/>
                         </a:spcAft>
                         <a:buClrTx/>
                         <a:buSzTx/>
@@ -12494,7 +13253,81 @@
                         <a:defRPr/>
                       </a:pPr>
                       <a:r>
-                        <a:rPr lang="en-US" sz="1100" b="0" kern="1200" dirty="0" smtClean="0">
+                        <a:rPr lang="en-US" sz="1000" b="0" i="0" kern="1200" dirty="0" smtClean="0">
+                          <a:solidFill>
+                            <a:srgbClr val="0070C0"/>
+                          </a:solidFill>
+                          <a:effectLst/>
+                          <a:latin typeface="Candara" panose="020E0502030303020204" pitchFamily="34" charset="0"/>
+                          <a:ea typeface="+mn-ea"/>
+                          <a:cs typeface="+mn-cs"/>
+                        </a:rPr>
+                        <a:t>2022</a:t>
+                      </a:r>
+                      <a:endParaRPr lang="fa-IR" sz="1000" b="0" i="0" kern="1200" dirty="0">
+                        <a:solidFill>
+                          <a:srgbClr val="0070C0"/>
+                        </a:solidFill>
+                        <a:effectLst/>
+                        <a:latin typeface="Candara" panose="020E0502030303020204" pitchFamily="34" charset="0"/>
+                        <a:ea typeface="+mn-ea"/>
+                        <a:cs typeface="+mn-cs"/>
+                      </a:endParaRPr>
+                    </a:p>
+                  </a:txBody>
+                  <a:tcPr marT="0" anchor="ctr">
+                    <a:lnL w="12700" cmpd="sng">
+                      <a:noFill/>
+                    </a:lnL>
+                    <a:lnR w="12700" cap="flat" cmpd="sng" algn="ctr">
+                      <a:noFill/>
+                      <a:prstDash val="solid"/>
+                      <a:round/>
+                      <a:headEnd type="none" w="med" len="med"/>
+                      <a:tailEnd type="none" w="med" len="med"/>
+                    </a:lnR>
+                    <a:lnT w="12700" cap="flat" cmpd="sng" algn="ctr">
+                      <a:noFill/>
+                      <a:prstDash val="solid"/>
+                      <a:round/>
+                      <a:headEnd type="none" w="med" len="med"/>
+                      <a:tailEnd type="none" w="med" len="med"/>
+                    </a:lnT>
+                    <a:lnB w="12700" cap="flat" cmpd="sng" algn="ctr">
+                      <a:noFill/>
+                      <a:prstDash val="solid"/>
+                      <a:round/>
+                      <a:headEnd type="none" w="med" len="med"/>
+                      <a:tailEnd type="none" w="med" len="med"/>
+                    </a:lnB>
+                    <a:lnTlToBr w="12700" cmpd="sng">
+                      <a:noFill/>
+                      <a:prstDash val="solid"/>
+                    </a:lnTlToBr>
+                    <a:lnBlToTr w="12700" cmpd="sng">
+                      <a:noFill/>
+                      <a:prstDash val="solid"/>
+                    </a:lnBlToTr>
+                  </a:tcPr>
+                </a:tc>
+                <a:extLst>
+                  <a:ext uri="{0D108BD9-81ED-4DB2-BD59-A6C34878D82A}">
+                    <a16:rowId xmlns:a16="http://schemas.microsoft.com/office/drawing/2014/main" val="3986328771"/>
+                  </a:ext>
+                </a:extLst>
+              </a:tr>
+              <a:tr h="172233">
+                <a:tc gridSpan="4">
+                  <a:txBody>
+                    <a:bodyPr/>
+                    <a:lstStyle/>
+                    <a:p>
+                      <a:pPr marL="91440" indent="-91440" algn="just" rtl="0">
+                        <a:buFont typeface="Arial" panose="020B0604020202020204" pitchFamily="34" charset="0"/>
+                        <a:buChar char="•"/>
+                      </a:pPr>
+                      <a:r>
+                        <a:rPr lang="en-US" sz="1100" kern="1200" dirty="0" smtClean="0">
                           <a:solidFill>
                             <a:schemeClr val="tx1"/>
                           </a:solidFill>
@@ -12502,75 +13335,9 @@
                           <a:ea typeface="+mn-ea"/>
                           <a:cs typeface="+mn-cs"/>
                         </a:rPr>
-                        <a:t>Python3 </a:t>
+                        <a:t>CIFAR-10 Image classification using simple CNN and MobileNetV2.</a:t>
                       </a:r>
-                      <a:r>
-                        <a:rPr lang="en-US" sz="1050" b="0" kern="1200" dirty="0" smtClean="0">
-                          <a:solidFill>
-                            <a:schemeClr val="tx1"/>
-                          </a:solidFill>
-                          <a:latin typeface="Calibri Light" panose="020F0302020204030204" pitchFamily="34" charset="0"/>
-                          <a:ea typeface="+mn-ea"/>
-                          <a:cs typeface="+mn-cs"/>
-                        </a:rPr>
-                        <a:t>(scikit-learn, Pandas, NumPy, </a:t>
-                      </a:r>
-                      <a:r>
-                        <a:rPr lang="en-US" sz="1050" b="0" kern="1200" dirty="0" smtClean="0">
-                          <a:solidFill>
-                            <a:schemeClr val="tx1"/>
-                          </a:solidFill>
-                          <a:latin typeface="Calibri Light" panose="020F0302020204030204" pitchFamily="34" charset="0"/>
-                          <a:ea typeface="+mn-ea"/>
-                          <a:cs typeface="+mn-cs"/>
-                        </a:rPr>
-                        <a:t>Matplotlib, Tensorflow, </a:t>
-                      </a:r>
-                      <a:r>
-                        <a:rPr lang="en-US" sz="1050" b="0" kern="1200" dirty="0" err="1" smtClean="0">
-                          <a:solidFill>
-                            <a:schemeClr val="tx1"/>
-                          </a:solidFill>
-                          <a:latin typeface="Calibri Light" panose="020F0302020204030204" pitchFamily="34" charset="0"/>
-                          <a:ea typeface="+mn-ea"/>
-                          <a:cs typeface="+mn-cs"/>
-                        </a:rPr>
-                        <a:t>keras</a:t>
-                      </a:r>
-                      <a:r>
-                        <a:rPr lang="en-US" sz="1050" b="0" kern="1200" dirty="0" smtClean="0">
-                          <a:solidFill>
-                            <a:schemeClr val="tx1"/>
-                          </a:solidFill>
-                          <a:latin typeface="Calibri Light" panose="020F0302020204030204" pitchFamily="34" charset="0"/>
-                          <a:ea typeface="+mn-ea"/>
-                          <a:cs typeface="+mn-cs"/>
-                        </a:rPr>
-                        <a:t>)</a:t>
-                      </a:r>
-                      <a:r>
-                        <a:rPr lang="en-US" sz="1100" b="0" kern="1200" dirty="0" smtClean="0">
-                          <a:solidFill>
-                            <a:schemeClr val="tx1"/>
-                          </a:solidFill>
-                          <a:latin typeface="Calibri Light" panose="020F0302020204030204" pitchFamily="34" charset="0"/>
-                          <a:ea typeface="+mn-ea"/>
-                          <a:cs typeface="+mn-cs"/>
-                        </a:rPr>
-                        <a:t>, </a:t>
-                      </a:r>
-                      <a:r>
-                        <a:rPr lang="en-US" sz="1100" b="0" kern="1200" dirty="0" smtClean="0">
-                          <a:solidFill>
-                            <a:schemeClr val="tx1"/>
-                          </a:solidFill>
-                          <a:latin typeface="Calibri Light" panose="020F0302020204030204" pitchFamily="34" charset="0"/>
-                          <a:ea typeface="+mn-ea"/>
-                          <a:cs typeface="+mn-cs"/>
-                        </a:rPr>
-                        <a:t>SQL, Machine Learning, Deep Learning. </a:t>
-                      </a:r>
-                      <a:endParaRPr lang="fa-IR" sz="1100" b="0" kern="1200" dirty="0">
+                      <a:endParaRPr lang="fa-IR" sz="1100" kern="1200" dirty="0">
                         <a:solidFill>
                           <a:schemeClr val="tx1"/>
                         </a:solidFill>
@@ -12580,18 +13347,34 @@
                       </a:endParaRPr>
                     </a:p>
                   </a:txBody>
-                  <a:tcPr marL="0" anchor="ctr">
-                    <a:lnL w="12700" cmpd="sng">
-                      <a:noFill/>
+                  <a:tcPr marT="0" marB="0" anchor="ctr">
+                    <a:lnL w="12700" cap="flat" cmpd="sng" algn="ctr">
+                      <a:noFill/>
+                      <a:prstDash val="solid"/>
+                      <a:round/>
+                      <a:headEnd type="none" w="med" len="med"/>
+                      <a:tailEnd type="none" w="med" len="med"/>
                     </a:lnL>
-                    <a:lnR w="12700" cmpd="sng">
-                      <a:noFill/>
+                    <a:lnR w="12700" cap="flat" cmpd="sng" algn="ctr">
+                      <a:noFill/>
+                      <a:prstDash val="solid"/>
+                      <a:round/>
+                      <a:headEnd type="none" w="med" len="med"/>
+                      <a:tailEnd type="none" w="med" len="med"/>
                     </a:lnR>
-                    <a:lnT w="12700" cmpd="sng">
-                      <a:noFill/>
+                    <a:lnT w="12700" cap="flat" cmpd="sng" algn="ctr">
+                      <a:noFill/>
+                      <a:prstDash val="solid"/>
+                      <a:round/>
+                      <a:headEnd type="none" w="med" len="med"/>
+                      <a:tailEnd type="none" w="med" len="med"/>
                     </a:lnT>
-                    <a:lnB w="12700" cmpd="sng">
-                      <a:noFill/>
+                    <a:lnB w="12700" cap="flat" cmpd="sng" algn="ctr">
+                      <a:noFill/>
+                      <a:prstDash val="solid"/>
+                      <a:round/>
+                      <a:headEnd type="none" w="med" len="med"/>
+                      <a:tailEnd type="none" w="med" len="med"/>
                     </a:lnB>
                     <a:lnTlToBr w="12700" cmpd="sng">
                       <a:noFill/>
@@ -12630,32 +13413,73 @@
                     <a:bodyPr/>
                     <a:lstStyle/>
                     <a:p>
-                      <a:pPr marL="0" algn="ctr" defTabSz="1320759" rtl="0" eaLnBrk="1" latinLnBrk="0" hangingPunct="1"/>
-                      <a:endParaRPr lang="fa-IR" sz="1200" b="0" kern="1200" dirty="0">
+                      <a:pPr rtl="1"/>
+                      <a:endParaRPr lang="fa-IR"/>
+                    </a:p>
+                  </a:txBody>
+                  <a:tcPr/>
+                </a:tc>
+                <a:tc vMerge="1">
+                  <a:txBody>
+                    <a:bodyPr/>
+                    <a:lstStyle/>
+                    <a:p>
+                      <a:pPr marL="0" marR="0" indent="0" algn="ctr" defTabSz="1320759" rtl="0" eaLnBrk="1" fontAlgn="auto" latinLnBrk="0" hangingPunct="1">
+                        <a:lnSpc>
+                          <a:spcPct val="100000"/>
+                        </a:lnSpc>
+                        <a:spcBef>
+                          <a:spcPts val="600"/>
+                        </a:spcBef>
+                        <a:spcAft>
+                          <a:spcPts val="600"/>
+                        </a:spcAft>
+                        <a:buClrTx/>
+                        <a:buSzTx/>
+                        <a:buFontTx/>
+                        <a:buNone/>
+                        <a:tabLst/>
+                        <a:defRPr/>
+                      </a:pPr>
+                      <a:endParaRPr lang="fa-IR" sz="1000" b="0" i="0" kern="1200" dirty="0">
                         <a:solidFill>
-                          <a:schemeClr val="tx1">
-                            <a:lumMod val="85000"/>
-                            <a:lumOff val="15000"/>
-                          </a:schemeClr>
+                          <a:srgbClr val="0070C0"/>
                         </a:solidFill>
+                        <a:effectLst/>
                         <a:latin typeface="Candara" panose="020E0502030303020204" pitchFamily="34" charset="0"/>
                         <a:ea typeface="+mn-ea"/>
                         <a:cs typeface="+mn-cs"/>
                       </a:endParaRPr>
                     </a:p>
                   </a:txBody>
-                  <a:tcPr anchor="ctr">
-                    <a:lnL w="12700" cmpd="sng">
-                      <a:noFill/>
+                  <a:tcPr marT="0" anchor="ctr">
+                    <a:lnL w="12700" cap="flat" cmpd="sng" algn="ctr">
+                      <a:noFill/>
+                      <a:prstDash val="solid"/>
+                      <a:round/>
+                      <a:headEnd type="none" w="med" len="med"/>
+                      <a:tailEnd type="none" w="med" len="med"/>
                     </a:lnL>
-                    <a:lnR w="12700" cmpd="sng">
-                      <a:noFill/>
+                    <a:lnR w="12700" cap="flat" cmpd="sng" algn="ctr">
+                      <a:noFill/>
+                      <a:prstDash val="solid"/>
+                      <a:round/>
+                      <a:headEnd type="none" w="med" len="med"/>
+                      <a:tailEnd type="none" w="med" len="med"/>
                     </a:lnR>
-                    <a:lnT w="12700" cmpd="sng">
-                      <a:noFill/>
+                    <a:lnT w="12700" cap="flat" cmpd="sng" algn="ctr">
+                      <a:noFill/>
+                      <a:prstDash val="solid"/>
+                      <a:round/>
+                      <a:headEnd type="none" w="med" len="med"/>
+                      <a:tailEnd type="none" w="med" len="med"/>
                     </a:lnT>
-                    <a:lnB w="12700" cmpd="sng">
-                      <a:noFill/>
+                    <a:lnB w="12700" cap="flat" cmpd="sng" algn="ctr">
+                      <a:noFill/>
+                      <a:prstDash val="solid"/>
+                      <a:round/>
+                      <a:headEnd type="none" w="med" len="med"/>
+                      <a:tailEnd type="none" w="med" len="med"/>
                     </a:lnB>
                     <a:lnTlToBr w="12700" cmpd="sng">
                       <a:noFill/>
@@ -12669,12 +13493,12 @@
                 </a:tc>
                 <a:extLst>
                   <a:ext uri="{0D108BD9-81ED-4DB2-BD59-A6C34878D82A}">
-                    <a16:rowId xmlns:a16="http://schemas.microsoft.com/office/drawing/2014/main" val="962508517"/>
+                    <a16:rowId xmlns:a16="http://schemas.microsoft.com/office/drawing/2014/main" val="98503716"/>
                   </a:ext>
                 </a:extLst>
               </a:tr>
-              <a:tr h="261257">
-                <a:tc gridSpan="2">
+              <a:tr h="172233">
+                <a:tc gridSpan="4">
                   <a:txBody>
                     <a:bodyPr/>
                     <a:lstStyle/>
@@ -12691,44 +13515,91 @@
                         </a:spcAft>
                         <a:buClrTx/>
                         <a:buSzTx/>
-                        <a:buFontTx/>
+                        <a:buFont typeface="Arial" panose="020B0604020202020204" pitchFamily="34" charset="0"/>
                         <a:buNone/>
                         <a:tabLst/>
                         <a:defRPr/>
                       </a:pPr>
                       <a:r>
-                        <a:rPr lang="en-US" sz="1200" b="1" kern="1200" dirty="0" smtClean="0">
+                        <a:rPr lang="en-US" sz="1200" b="1" i="0" u="heavy" kern="1200" baseline="0" dirty="0" smtClean="0">
                           <a:solidFill>
                             <a:schemeClr val="tx1"/>
                           </a:solidFill>
+                          <a:effectLst/>
+                          <a:uFill>
+                            <a:solidFill>
+                              <a:srgbClr val="FF0066"/>
+                            </a:solidFill>
+                          </a:uFill>
                           <a:latin typeface="Calibri Light" panose="020F0302020204030204" pitchFamily="34" charset="0"/>
                           <a:ea typeface="+mn-ea"/>
                           <a:cs typeface="+mn-cs"/>
+                          <a:hlinkClick r:id="rId4"/>
                         </a:rPr>
-                        <a:t>Tools:</a:t>
+                        <a:t>More-time-with-</a:t>
                       </a:r>
-                      <a:endParaRPr lang="fa-IR" sz="1200" b="1" kern="1200" dirty="0">
+                      <a:r>
+                        <a:rPr lang="en-US" sz="1200" b="1" i="0" u="heavy" kern="1200" baseline="0" dirty="0" err="1" smtClean="0">
+                          <a:solidFill>
+                            <a:schemeClr val="tx1"/>
+                          </a:solidFill>
+                          <a:effectLst/>
+                          <a:uFill>
+                            <a:solidFill>
+                              <a:srgbClr val="FF0066"/>
+                            </a:solidFill>
+                          </a:uFill>
+                          <a:latin typeface="Calibri Light" panose="020F0302020204030204" pitchFamily="34" charset="0"/>
+                          <a:ea typeface="+mn-ea"/>
+                          <a:cs typeface="+mn-cs"/>
+                          <a:hlinkClick r:id="rId4"/>
+                        </a:rPr>
+                        <a:t>Kaggle</a:t>
+                      </a:r>
+                      <a:endParaRPr lang="fa-IR" sz="1200" b="1" i="0" u="heavy" kern="1200" baseline="0" dirty="0">
                         <a:solidFill>
                           <a:schemeClr val="tx1"/>
                         </a:solidFill>
+                        <a:effectLst/>
+                        <a:uFill>
+                          <a:solidFill>
+                            <a:srgbClr val="FF0066"/>
+                          </a:solidFill>
+                        </a:uFill>
                         <a:latin typeface="Calibri Light" panose="020F0302020204030204" pitchFamily="34" charset="0"/>
                         <a:ea typeface="+mn-ea"/>
                         <a:cs typeface="+mn-cs"/>
                       </a:endParaRPr>
                     </a:p>
                   </a:txBody>
-                  <a:tcPr marR="0">
-                    <a:lnL w="12700" cmpd="sng">
-                      <a:noFill/>
+                  <a:tcPr anchor="ctr">
+                    <a:lnL w="12700" cap="flat" cmpd="sng" algn="ctr">
+                      <a:noFill/>
+                      <a:prstDash val="solid"/>
+                      <a:round/>
+                      <a:headEnd type="none" w="med" len="med"/>
+                      <a:tailEnd type="none" w="med" len="med"/>
                     </a:lnL>
-                    <a:lnR w="12700" cmpd="sng">
-                      <a:noFill/>
+                    <a:lnR w="12700" cap="flat" cmpd="sng" algn="ctr">
+                      <a:noFill/>
+                      <a:prstDash val="solid"/>
+                      <a:round/>
+                      <a:headEnd type="none" w="med" len="med"/>
+                      <a:tailEnd type="none" w="med" len="med"/>
                     </a:lnR>
-                    <a:lnT w="12700" cmpd="sng">
-                      <a:noFill/>
+                    <a:lnT w="12700" cap="flat" cmpd="sng" algn="ctr">
+                      <a:noFill/>
+                      <a:prstDash val="solid"/>
+                      <a:round/>
+                      <a:headEnd type="none" w="med" len="med"/>
+                      <a:tailEnd type="none" w="med" len="med"/>
                     </a:lnT>
-                    <a:lnB w="12700" cmpd="sng">
-                      <a:noFill/>
+                    <a:lnB w="12700" cap="flat" cmpd="sng" algn="ctr">
+                      <a:noFill/>
+                      <a:prstDash val="solid"/>
+                      <a:round/>
+                      <a:headEnd type="none" w="med" len="med"/>
+                      <a:tailEnd type="none" w="med" len="med"/>
                     </a:lnB>
                     <a:lnTlToBr w="12700" cmpd="sng">
                       <a:noFill/>
@@ -12745,98 +13616,41 @@
                     <a:bodyPr/>
                     <a:lstStyle/>
                     <a:p>
-                      <a:pPr rtl="1"/>
-                      <a:endParaRPr lang="fa-IR"/>
-                    </a:p>
-                  </a:txBody>
-                  <a:tcPr/>
-                </a:tc>
-                <a:tc gridSpan="4">
-                  <a:txBody>
-                    <a:bodyPr/>
-                    <a:lstStyle/>
-                    <a:p>
-                      <a:pPr algn="just" fontAlgn="auto"/>
-                      <a:r>
-                        <a:rPr lang="en-US" sz="1100" dirty="0" smtClean="0">
-                          <a:latin typeface="Calibri Light" panose="020F0302020204030204" pitchFamily="34" charset="0"/>
-                        </a:rPr>
-                        <a:t>Git, </a:t>
-                      </a:r>
-                      <a:r>
-                        <a:rPr lang="en-US" sz="1100" b="0" i="0" kern="1200" dirty="0" smtClean="0">
-                          <a:solidFill>
-                            <a:schemeClr val="tx1"/>
-                          </a:solidFill>
-                          <a:effectLst/>
-                          <a:latin typeface="Calibri Light" panose="020F0302020204030204" pitchFamily="34" charset="0"/>
-                          <a:ea typeface="+mn-ea"/>
-                          <a:cs typeface="+mn-cs"/>
-                        </a:rPr>
-                        <a:t>Microsoft Excel, Microsoft Word, Microsoft PowerPoint,</a:t>
-                      </a:r>
-                      <a:r>
-                        <a:rPr lang="en-US" sz="1100" b="0" kern="1200" dirty="0" smtClean="0">
-                          <a:solidFill>
-                            <a:schemeClr val="tx1"/>
-                          </a:solidFill>
-                          <a:latin typeface="Calibri Light" panose="020F0302020204030204" pitchFamily="34" charset="0"/>
-                          <a:ea typeface="+mn-ea"/>
-                          <a:cs typeface="+mn-cs"/>
-                        </a:rPr>
-                        <a:t> Adobe Premiere Pro.</a:t>
-                      </a:r>
-                      <a:endParaRPr lang="fa-IR" sz="1100" dirty="0">
+                      <a:pPr algn="ctr" rtl="0"/>
+                      <a:endParaRPr lang="fa-IR" sz="1000" dirty="0">
                         <a:latin typeface="Calibri Light" panose="020F0302020204030204" pitchFamily="34" charset="0"/>
                       </a:endParaRPr>
                     </a:p>
                   </a:txBody>
-                  <a:tcPr marL="0" anchor="ctr">
-                    <a:lnL w="12700" cmpd="sng">
-                      <a:noFill/>
-                    </a:lnL>
-                    <a:lnR w="12700" cmpd="sng">
-                      <a:noFill/>
-                    </a:lnR>
-                    <a:lnT w="12700" cmpd="sng">
-                      <a:noFill/>
-                    </a:lnT>
-                    <a:lnB w="12700" cmpd="sng">
-                      <a:noFill/>
-                    </a:lnB>
-                    <a:lnTlToBr w="12700" cmpd="sng">
-                      <a:noFill/>
-                      <a:prstDash val="solid"/>
-                    </a:lnTlToBr>
-                    <a:lnBlToTr w="12700" cmpd="sng">
-                      <a:noFill/>
-                      <a:prstDash val="solid"/>
-                    </a:lnBlToTr>
-                  </a:tcPr>
+                  <a:tcPr anchor="ctr"/>
                 </a:tc>
                 <a:tc hMerge="1">
                   <a:txBody>
                     <a:bodyPr/>
                     <a:lstStyle/>
                     <a:p>
-                      <a:pPr rtl="1"/>
-                      <a:endParaRPr lang="fa-IR"/>
-                    </a:p>
-                  </a:txBody>
-                  <a:tcPr/>
+                      <a:pPr algn="ctr" rtl="0"/>
+                      <a:endParaRPr lang="fa-IR" sz="1000" dirty="0">
+                        <a:latin typeface="Calibri Light" panose="020F0302020204030204" pitchFamily="34" charset="0"/>
+                      </a:endParaRPr>
+                    </a:p>
+                  </a:txBody>
+                  <a:tcPr anchor="ctr"/>
                 </a:tc>
                 <a:tc hMerge="1">
                   <a:txBody>
                     <a:bodyPr/>
                     <a:lstStyle/>
                     <a:p>
-                      <a:pPr rtl="1"/>
-                      <a:endParaRPr lang="fa-IR"/>
-                    </a:p>
-                  </a:txBody>
-                  <a:tcPr/>
-                </a:tc>
-                <a:tc hMerge="1">
+                      <a:pPr algn="ctr" rtl="0"/>
+                      <a:endParaRPr lang="fa-IR" sz="1000" dirty="0">
+                        <a:latin typeface="Calibri Light" panose="020F0302020204030204" pitchFamily="34" charset="0"/>
+                      </a:endParaRPr>
+                    </a:p>
+                  </a:txBody>
+                  <a:tcPr anchor="ctr"/>
+                </a:tc>
+                <a:tc rowSpan="2">
                   <a:txBody>
                     <a:bodyPr/>
                     <a:lstStyle/>
@@ -12846,10 +13660,10 @@
                           <a:spcPct val="100000"/>
                         </a:lnSpc>
                         <a:spcBef>
-                          <a:spcPts val="0"/>
+                          <a:spcPts val="600"/>
                         </a:spcBef>
                         <a:spcAft>
-                          <a:spcPts val="0"/>
+                          <a:spcPts val="600"/>
                         </a:spcAft>
                         <a:buClrTx/>
                         <a:buSzTx/>
@@ -12858,33 +13672,53 @@
                         <a:tabLst/>
                         <a:defRPr/>
                       </a:pPr>
-                      <a:endParaRPr lang="fa-IR" sz="1200" b="0" u="heavy" kern="1200" baseline="0" dirty="0">
+                      <a:r>
+                        <a:rPr lang="en-US" sz="1000" b="0" i="0" kern="1200" dirty="0" smtClean="0">
+                          <a:solidFill>
+                            <a:srgbClr val="0070C0"/>
+                          </a:solidFill>
+                          <a:effectLst/>
+                          <a:latin typeface="Candara" panose="020E0502030303020204" pitchFamily="34" charset="0"/>
+                          <a:ea typeface="+mn-ea"/>
+                          <a:cs typeface="+mn-cs"/>
+                        </a:rPr>
+                        <a:t>2022</a:t>
+                      </a:r>
+                      <a:endParaRPr lang="fa-IR" sz="1000" b="0" i="0" kern="1200" dirty="0">
                         <a:solidFill>
                           <a:srgbClr val="0070C0"/>
                         </a:solidFill>
-                        <a:uFill>
-                          <a:solidFill>
-                            <a:srgbClr val="FFC000"/>
-                          </a:solidFill>
-                        </a:uFill>
+                        <a:effectLst/>
                         <a:latin typeface="Candara" panose="020E0502030303020204" pitchFamily="34" charset="0"/>
                         <a:ea typeface="+mn-ea"/>
                         <a:cs typeface="+mn-cs"/>
                       </a:endParaRPr>
                     </a:p>
                   </a:txBody>
-                  <a:tcPr anchor="ctr">
+                  <a:tcPr marT="0" anchor="ctr">
                     <a:lnL w="12700" cmpd="sng">
                       <a:noFill/>
                     </a:lnL>
-                    <a:lnR w="12700" cmpd="sng">
-                      <a:noFill/>
+                    <a:lnR w="12700" cap="flat" cmpd="sng" algn="ctr">
+                      <a:noFill/>
+                      <a:prstDash val="solid"/>
+                      <a:round/>
+                      <a:headEnd type="none" w="med" len="med"/>
+                      <a:tailEnd type="none" w="med" len="med"/>
                     </a:lnR>
-                    <a:lnT w="12700" cmpd="sng">
-                      <a:noFill/>
+                    <a:lnT w="12700" cap="flat" cmpd="sng" algn="ctr">
+                      <a:noFill/>
+                      <a:prstDash val="solid"/>
+                      <a:round/>
+                      <a:headEnd type="none" w="med" len="med"/>
+                      <a:tailEnd type="none" w="med" len="med"/>
                     </a:lnT>
-                    <a:lnB w="12700" cmpd="sng">
-                      <a:noFill/>
+                    <a:lnB w="12700" cap="flat" cmpd="sng" algn="ctr">
+                      <a:noFill/>
+                      <a:prstDash val="solid"/>
+                      <a:round/>
+                      <a:headEnd type="none" w="med" len="med"/>
+                      <a:tailEnd type="none" w="med" len="med"/>
                     </a:lnB>
                     <a:lnTlToBr w="12700" cmpd="sng">
                       <a:noFill/>
@@ -12898,12 +13732,200 @@
                 </a:tc>
                 <a:extLst>
                   <a:ext uri="{0D108BD9-81ED-4DB2-BD59-A6C34878D82A}">
-                    <a16:rowId xmlns:a16="http://schemas.microsoft.com/office/drawing/2014/main" val="2251617609"/>
+                    <a16:rowId xmlns:a16="http://schemas.microsoft.com/office/drawing/2014/main" val="242473129"/>
                   </a:ext>
                 </a:extLst>
               </a:tr>
-              <a:tr h="261257">
-                <a:tc gridSpan="2">
+              <a:tr h="172233">
+                <a:tc gridSpan="4">
+                  <a:txBody>
+                    <a:bodyPr/>
+                    <a:lstStyle/>
+                    <a:p>
+                      <a:pPr marL="91440" indent="-91440" algn="just" rtl="0">
+                        <a:buFont typeface="Arial" panose="020B0604020202020204" pitchFamily="34" charset="0"/>
+                        <a:buChar char="•"/>
+                      </a:pPr>
+                      <a:r>
+                        <a:rPr lang="en-US" sz="1100" kern="1200" dirty="0" smtClean="0">
+                          <a:solidFill>
+                            <a:schemeClr val="tx1"/>
+                          </a:solidFill>
+                          <a:latin typeface="Calibri Light" panose="020F0302020204030204" pitchFamily="34" charset="0"/>
+                          <a:ea typeface="+mn-ea"/>
+                          <a:cs typeface="+mn-cs"/>
+                        </a:rPr>
+                        <a:t>Santander Customer Transaction Prediction with PCA</a:t>
+                      </a:r>
+                      <a:r>
+                        <a:rPr lang="en-US" sz="1100" kern="1200" baseline="0" dirty="0" smtClean="0">
+                          <a:solidFill>
+                            <a:schemeClr val="tx1"/>
+                          </a:solidFill>
+                          <a:latin typeface="Calibri Light" panose="020F0302020204030204" pitchFamily="34" charset="0"/>
+                          <a:ea typeface="+mn-ea"/>
+                          <a:cs typeface="+mn-cs"/>
+                        </a:rPr>
+                        <a:t> and DAE using LR and LGBM.</a:t>
+                      </a:r>
+                      <a:endParaRPr lang="fa-IR" sz="1100" kern="1200" dirty="0">
+                        <a:solidFill>
+                          <a:schemeClr val="tx1"/>
+                        </a:solidFill>
+                        <a:latin typeface="Calibri Light" panose="020F0302020204030204" pitchFamily="34" charset="0"/>
+                        <a:ea typeface="+mn-ea"/>
+                        <a:cs typeface="+mn-cs"/>
+                      </a:endParaRPr>
+                    </a:p>
+                  </a:txBody>
+                  <a:tcPr marT="0" marB="0" anchor="ctr">
+                    <a:lnL w="12700" cap="flat" cmpd="sng" algn="ctr">
+                      <a:noFill/>
+                      <a:prstDash val="solid"/>
+                      <a:round/>
+                      <a:headEnd type="none" w="med" len="med"/>
+                      <a:tailEnd type="none" w="med" len="med"/>
+                    </a:lnL>
+                    <a:lnR w="12700" cap="flat" cmpd="sng" algn="ctr">
+                      <a:noFill/>
+                      <a:prstDash val="solid"/>
+                      <a:round/>
+                      <a:headEnd type="none" w="med" len="med"/>
+                      <a:tailEnd type="none" w="med" len="med"/>
+                    </a:lnR>
+                    <a:lnT w="12700" cap="flat" cmpd="sng" algn="ctr">
+                      <a:noFill/>
+                      <a:prstDash val="solid"/>
+                      <a:round/>
+                      <a:headEnd type="none" w="med" len="med"/>
+                      <a:tailEnd type="none" w="med" len="med"/>
+                    </a:lnT>
+                    <a:lnB w="12700" cap="flat" cmpd="sng" algn="ctr">
+                      <a:noFill/>
+                      <a:prstDash val="solid"/>
+                      <a:round/>
+                      <a:headEnd type="none" w="med" len="med"/>
+                      <a:tailEnd type="none" w="med" len="med"/>
+                    </a:lnB>
+                    <a:lnTlToBr w="12700" cmpd="sng">
+                      <a:noFill/>
+                      <a:prstDash val="solid"/>
+                    </a:lnTlToBr>
+                    <a:lnBlToTr w="12700" cmpd="sng">
+                      <a:noFill/>
+                      <a:prstDash val="solid"/>
+                    </a:lnBlToTr>
+                  </a:tcPr>
+                </a:tc>
+                <a:tc hMerge="1">
+                  <a:txBody>
+                    <a:bodyPr/>
+                    <a:lstStyle/>
+                    <a:p>
+                      <a:pPr rtl="1"/>
+                      <a:endParaRPr lang="fa-IR"/>
+                    </a:p>
+                  </a:txBody>
+                  <a:tcPr/>
+                </a:tc>
+                <a:tc hMerge="1">
+                  <a:txBody>
+                    <a:bodyPr/>
+                    <a:lstStyle/>
+                    <a:p>
+                      <a:pPr rtl="1"/>
+                      <a:endParaRPr lang="fa-IR"/>
+                    </a:p>
+                  </a:txBody>
+                  <a:tcPr/>
+                </a:tc>
+                <a:tc hMerge="1">
+                  <a:txBody>
+                    <a:bodyPr/>
+                    <a:lstStyle/>
+                    <a:p>
+                      <a:pPr rtl="1"/>
+                      <a:endParaRPr lang="fa-IR"/>
+                    </a:p>
+                  </a:txBody>
+                  <a:tcPr/>
+                </a:tc>
+                <a:tc vMerge="1">
+                  <a:txBody>
+                    <a:bodyPr/>
+                    <a:lstStyle/>
+                    <a:p>
+                      <a:pPr marL="0" marR="0" indent="0" algn="ctr" defTabSz="1320759" rtl="0" eaLnBrk="1" fontAlgn="auto" latinLnBrk="0" hangingPunct="1">
+                        <a:lnSpc>
+                          <a:spcPct val="100000"/>
+                        </a:lnSpc>
+                        <a:spcBef>
+                          <a:spcPts val="600"/>
+                        </a:spcBef>
+                        <a:spcAft>
+                          <a:spcPts val="600"/>
+                        </a:spcAft>
+                        <a:buClrTx/>
+                        <a:buSzTx/>
+                        <a:buFontTx/>
+                        <a:buNone/>
+                        <a:tabLst/>
+                        <a:defRPr/>
+                      </a:pPr>
+                      <a:endParaRPr lang="fa-IR" sz="1000" b="0" i="0" kern="1200" dirty="0">
+                        <a:solidFill>
+                          <a:srgbClr val="0070C0"/>
+                        </a:solidFill>
+                        <a:effectLst/>
+                        <a:latin typeface="Candara" panose="020E0502030303020204" pitchFamily="34" charset="0"/>
+                        <a:ea typeface="+mn-ea"/>
+                        <a:cs typeface="+mn-cs"/>
+                      </a:endParaRPr>
+                    </a:p>
+                  </a:txBody>
+                  <a:tcPr marT="0" anchor="ctr">
+                    <a:lnL w="12700" cmpd="sng">
+                      <a:noFill/>
+                    </a:lnL>
+                    <a:lnR w="12700" cap="flat" cmpd="sng" algn="ctr">
+                      <a:noFill/>
+                      <a:prstDash val="solid"/>
+                      <a:round/>
+                      <a:headEnd type="none" w="med" len="med"/>
+                      <a:tailEnd type="none" w="med" len="med"/>
+                    </a:lnR>
+                    <a:lnT w="12700" cap="flat" cmpd="sng" algn="ctr">
+                      <a:noFill/>
+                      <a:prstDash val="solid"/>
+                      <a:round/>
+                      <a:headEnd type="none" w="med" len="med"/>
+                      <a:tailEnd type="none" w="med" len="med"/>
+                    </a:lnT>
+                    <a:lnB w="12700" cap="flat" cmpd="sng" algn="ctr">
+                      <a:noFill/>
+                      <a:prstDash val="solid"/>
+                      <a:round/>
+                      <a:headEnd type="none" w="med" len="med"/>
+                      <a:tailEnd type="none" w="med" len="med"/>
+                    </a:lnB>
+                    <a:lnTlToBr w="12700" cmpd="sng">
+                      <a:noFill/>
+                      <a:prstDash val="solid"/>
+                    </a:lnTlToBr>
+                    <a:lnBlToTr w="12700" cmpd="sng">
+                      <a:noFill/>
+                      <a:prstDash val="solid"/>
+                    </a:lnBlToTr>
+                  </a:tcPr>
+                </a:tc>
+                <a:extLst>
+                  <a:ext uri="{0D108BD9-81ED-4DB2-BD59-A6C34878D82A}">
+                    <a16:rowId xmlns:a16="http://schemas.microsoft.com/office/drawing/2014/main" val="402186021"/>
+                  </a:ext>
+                </a:extLst>
+              </a:tr>
+              <a:tr h="281836">
+                <a:tc gridSpan="4">
                   <a:txBody>
                     <a:bodyPr/>
                     <a:lstStyle/>
@@ -12920,57 +13942,73 @@
                         </a:spcAft>
                         <a:buClrTx/>
                         <a:buSzTx/>
-                        <a:buFontTx/>
+                        <a:buFont typeface="Arial" panose="020B0604020202020204" pitchFamily="34" charset="0"/>
                         <a:buNone/>
                         <a:tabLst/>
                         <a:defRPr/>
                       </a:pPr>
                       <a:r>
-                        <a:rPr lang="en-US" sz="1200" b="1" i="0" kern="1200" dirty="0" smtClean="0">
+                        <a:rPr lang="en-US" sz="1200" b="1" i="0" u="heavy" kern="1200" baseline="0" dirty="0" smtClean="0">
                           <a:solidFill>
                             <a:schemeClr val="tx1"/>
                           </a:solidFill>
                           <a:effectLst/>
+                          <a:uFill>
+                            <a:solidFill>
+                              <a:srgbClr val="FF0066"/>
+                            </a:solidFill>
+                          </a:uFill>
                           <a:latin typeface="Calibri Light" panose="020F0302020204030204" pitchFamily="34" charset="0"/>
                           <a:ea typeface="+mn-ea"/>
                           <a:cs typeface="+mn-cs"/>
+                          <a:hlinkClick r:id="rId5"/>
                         </a:rPr>
-                        <a:t>Operating Systems</a:t>
+                        <a:t>Movies Frame by Frame</a:t>
                       </a:r>
-                      <a:r>
-                        <a:rPr lang="en-US" sz="1200" b="0" i="0" kern="1200" dirty="0" smtClean="0">
-                          <a:solidFill>
-                            <a:schemeClr val="tx1"/>
-                          </a:solidFill>
-                          <a:effectLst/>
-                          <a:latin typeface="Calibri Light" panose="020F0302020204030204" pitchFamily="34" charset="0"/>
-                          <a:ea typeface="+mn-ea"/>
-                          <a:cs typeface="+mn-cs"/>
-                        </a:rPr>
-                        <a:t>:</a:t>
-                      </a:r>
-                      <a:endParaRPr lang="fa-IR" sz="1200" b="1" kern="1200" dirty="0">
+                      <a:endParaRPr lang="fa-IR" sz="1200" b="1" i="0" u="heavy" kern="1200" baseline="0" dirty="0">
                         <a:solidFill>
                           <a:schemeClr val="tx1"/>
                         </a:solidFill>
+                        <a:effectLst/>
+                        <a:uFill>
+                          <a:solidFill>
+                            <a:srgbClr val="FF0066"/>
+                          </a:solidFill>
+                        </a:uFill>
                         <a:latin typeface="Calibri Light" panose="020F0302020204030204" pitchFamily="34" charset="0"/>
                         <a:ea typeface="+mn-ea"/>
                         <a:cs typeface="+mn-cs"/>
                       </a:endParaRPr>
                     </a:p>
                   </a:txBody>
-                  <a:tcPr marR="0">
-                    <a:lnL w="12700" cmpd="sng">
-                      <a:noFill/>
+                  <a:tcPr anchor="ctr">
+                    <a:lnL w="12700" cap="flat" cmpd="sng" algn="ctr">
+                      <a:noFill/>
+                      <a:prstDash val="solid"/>
+                      <a:round/>
+                      <a:headEnd type="none" w="med" len="med"/>
+                      <a:tailEnd type="none" w="med" len="med"/>
                     </a:lnL>
-                    <a:lnR w="12700" cmpd="sng">
-                      <a:noFill/>
+                    <a:lnR w="12700" cap="flat" cmpd="sng" algn="ctr">
+                      <a:noFill/>
+                      <a:prstDash val="solid"/>
+                      <a:round/>
+                      <a:headEnd type="none" w="med" len="med"/>
+                      <a:tailEnd type="none" w="med" len="med"/>
                     </a:lnR>
-                    <a:lnT w="12700" cmpd="sng">
-                      <a:noFill/>
+                    <a:lnT w="12700" cap="flat" cmpd="sng" algn="ctr">
+                      <a:noFill/>
+                      <a:prstDash val="solid"/>
+                      <a:round/>
+                      <a:headEnd type="none" w="med" len="med"/>
+                      <a:tailEnd type="none" w="med" len="med"/>
                     </a:lnT>
-                    <a:lnB w="12700" cmpd="sng">
-                      <a:noFill/>
+                    <a:lnB w="12700" cap="flat" cmpd="sng" algn="ctr">
+                      <a:noFill/>
+                      <a:prstDash val="solid"/>
+                      <a:round/>
+                      <a:headEnd type="none" w="med" len="med"/>
+                      <a:tailEnd type="none" w="med" len="med"/>
                     </a:lnB>
                     <a:lnTlToBr w="12700" cmpd="sng">
                       <a:noFill/>
@@ -12987,159 +14025,54 @@
                     <a:bodyPr/>
                     <a:lstStyle/>
                     <a:p>
-                      <a:pPr rtl="1"/>
-                      <a:endParaRPr lang="fa-IR"/>
-                    </a:p>
-                  </a:txBody>
-                  <a:tcPr/>
-                </a:tc>
-                <a:tc gridSpan="4">
-                  <a:txBody>
-                    <a:bodyPr/>
-                    <a:lstStyle/>
-                    <a:p>
-                      <a:pPr algn="just" rtl="0"/>
-                      <a:r>
-                        <a:rPr lang="en-US" sz="1100" b="0" i="0" kern="1200" dirty="0" smtClean="0">
-                          <a:solidFill>
-                            <a:schemeClr val="tx1"/>
-                          </a:solidFill>
-                          <a:effectLst/>
-                          <a:latin typeface="Calibri Light" panose="020F0302020204030204" pitchFamily="34" charset="0"/>
-                          <a:ea typeface="+mn-ea"/>
-                          <a:cs typeface="+mn-cs"/>
-                        </a:rPr>
-                        <a:t>Windows, Ubuntu.</a:t>
-                      </a:r>
-                      <a:endParaRPr lang="fa-IR" sz="1100" dirty="0">
+                      <a:pPr algn="ctr" rtl="0"/>
+                      <a:endParaRPr lang="fa-IR" sz="1000" dirty="0">
                         <a:latin typeface="Calibri Light" panose="020F0302020204030204" pitchFamily="34" charset="0"/>
                       </a:endParaRPr>
                     </a:p>
                   </a:txBody>
-                  <a:tcPr marL="0" anchor="ctr">
-                    <a:lnL w="12700" cmpd="sng">
-                      <a:noFill/>
-                    </a:lnL>
-                    <a:lnR w="12700" cmpd="sng">
-                      <a:noFill/>
-                    </a:lnR>
-                    <a:lnT w="12700" cmpd="sng">
-                      <a:noFill/>
-                    </a:lnT>
-                    <a:lnB w="12700" cmpd="sng">
-                      <a:noFill/>
-                    </a:lnB>
-                    <a:lnTlToBr w="12700" cmpd="sng">
-                      <a:noFill/>
-                      <a:prstDash val="solid"/>
-                    </a:lnTlToBr>
-                    <a:lnBlToTr w="12700" cmpd="sng">
-                      <a:noFill/>
-                      <a:prstDash val="solid"/>
-                    </a:lnBlToTr>
-                  </a:tcPr>
+                  <a:tcPr anchor="ctr"/>
                 </a:tc>
                 <a:tc hMerge="1">
                   <a:txBody>
                     <a:bodyPr/>
                     <a:lstStyle/>
                     <a:p>
-                      <a:pPr rtl="1"/>
-                      <a:endParaRPr lang="fa-IR"/>
-                    </a:p>
-                  </a:txBody>
-                  <a:tcPr/>
+                      <a:pPr algn="ctr" rtl="0"/>
+                      <a:endParaRPr lang="fa-IR" sz="1000" dirty="0">
+                        <a:latin typeface="Calibri Light" panose="020F0302020204030204" pitchFamily="34" charset="0"/>
+                      </a:endParaRPr>
+                    </a:p>
+                  </a:txBody>
+                  <a:tcPr anchor="ctr"/>
                 </a:tc>
                 <a:tc hMerge="1">
                   <a:txBody>
                     <a:bodyPr/>
                     <a:lstStyle/>
                     <a:p>
-                      <a:pPr rtl="1"/>
-                      <a:endParaRPr lang="fa-IR"/>
-                    </a:p>
-                  </a:txBody>
-                  <a:tcPr/>
-                </a:tc>
-                <a:tc hMerge="1">
-                  <a:txBody>
-                    <a:bodyPr/>
-                    <a:lstStyle/>
-                    <a:p>
-                      <a:pPr marL="0" marR="0" indent="0" algn="ctr" defTabSz="1320759" rtl="0" eaLnBrk="1" fontAlgn="auto" latinLnBrk="0" hangingPunct="1">
+                      <a:pPr algn="ctr" rtl="0"/>
+                      <a:endParaRPr lang="fa-IR" sz="1000" dirty="0">
+                        <a:latin typeface="Calibri Light" panose="020F0302020204030204" pitchFamily="34" charset="0"/>
+                      </a:endParaRPr>
+                    </a:p>
+                  </a:txBody>
+                  <a:tcPr anchor="ctr"/>
+                </a:tc>
+                <a:tc rowSpan="2">
+                  <a:txBody>
+                    <a:bodyPr/>
+                    <a:lstStyle/>
+                    <a:p>
+                      <a:pPr marL="0" marR="0" lvl="0" indent="0" algn="ctr" defTabSz="1320759" rtl="0" eaLnBrk="1" fontAlgn="auto" latinLnBrk="0" hangingPunct="1">
                         <a:lnSpc>
                           <a:spcPct val="100000"/>
                         </a:lnSpc>
                         <a:spcBef>
-                          <a:spcPts val="0"/>
+                          <a:spcPts val="600"/>
                         </a:spcBef>
                         <a:spcAft>
-                          <a:spcPts val="0"/>
-                        </a:spcAft>
-                        <a:buClrTx/>
-                        <a:buSzTx/>
-                        <a:buFontTx/>
-                        <a:buNone/>
-                        <a:tabLst/>
-                        <a:defRPr/>
-                      </a:pPr>
-                      <a:endParaRPr lang="fa-IR" sz="1200" b="0" kern="1200" dirty="0">
-                        <a:solidFill>
-                          <a:schemeClr val="tx1">
-                            <a:lumMod val="85000"/>
-                            <a:lumOff val="15000"/>
-                          </a:schemeClr>
-                        </a:solidFill>
-                        <a:latin typeface="Candara" panose="020E0502030303020204" pitchFamily="34" charset="0"/>
-                        <a:ea typeface="+mn-ea"/>
-                        <a:cs typeface="+mn-cs"/>
-                      </a:endParaRPr>
-                    </a:p>
-                  </a:txBody>
-                  <a:tcPr anchor="ctr">
-                    <a:lnL w="12700" cmpd="sng">
-                      <a:noFill/>
-                    </a:lnL>
-                    <a:lnR w="12700" cmpd="sng">
-                      <a:noFill/>
-                    </a:lnR>
-                    <a:lnT w="12700" cmpd="sng">
-                      <a:noFill/>
-                    </a:lnT>
-                    <a:lnB w="12700" cmpd="sng">
-                      <a:noFill/>
-                    </a:lnB>
-                    <a:lnTlToBr w="12700" cmpd="sng">
-                      <a:noFill/>
-                      <a:prstDash val="solid"/>
-                    </a:lnTlToBr>
-                    <a:lnBlToTr w="12700" cmpd="sng">
-                      <a:noFill/>
-                      <a:prstDash val="solid"/>
-                    </a:lnBlToTr>
-                  </a:tcPr>
-                </a:tc>
-                <a:extLst>
-                  <a:ext uri="{0D108BD9-81ED-4DB2-BD59-A6C34878D82A}">
-                    <a16:rowId xmlns:a16="http://schemas.microsoft.com/office/drawing/2014/main" val="2257823111"/>
-                  </a:ext>
-                </a:extLst>
-              </a:tr>
-              <a:tr h="406400">
-                <a:tc gridSpan="2">
-                  <a:txBody>
-                    <a:bodyPr/>
-                    <a:lstStyle/>
-                    <a:p>
-                      <a:pPr marL="0" marR="0" indent="0" algn="l" defTabSz="1320759" rtl="0" eaLnBrk="1" fontAlgn="auto" latinLnBrk="0" hangingPunct="1">
-                        <a:lnSpc>
-                          <a:spcPct val="100000"/>
-                        </a:lnSpc>
-                        <a:spcBef>
-                          <a:spcPts val="0"/>
-                        </a:spcBef>
-                        <a:spcAft>
-                          <a:spcPts val="0"/>
+                          <a:spcPts val="600"/>
                         </a:spcAft>
                         <a:buClrTx/>
                         <a:buSzTx/>
@@ -13149,7 +14082,81 @@
                         <a:defRPr/>
                       </a:pPr>
                       <a:r>
-                        <a:rPr lang="en-US" sz="1200" b="1" kern="1200" dirty="0" smtClean="0">
+                        <a:rPr lang="en-US" sz="1000" b="0" i="0" kern="1200" dirty="0" smtClean="0">
+                          <a:solidFill>
+                            <a:srgbClr val="0070C0"/>
+                          </a:solidFill>
+                          <a:effectLst/>
+                          <a:latin typeface="Candara" panose="020E0502030303020204" pitchFamily="34" charset="0"/>
+                          <a:ea typeface="+mn-ea"/>
+                          <a:cs typeface="+mn-cs"/>
+                        </a:rPr>
+                        <a:t>2022</a:t>
+                      </a:r>
+                      <a:endParaRPr lang="fa-IR" sz="1000" b="0" i="0" kern="1200" dirty="0">
+                        <a:solidFill>
+                          <a:srgbClr val="0070C0"/>
+                        </a:solidFill>
+                        <a:effectLst/>
+                        <a:latin typeface="Candara" panose="020E0502030303020204" pitchFamily="34" charset="0"/>
+                        <a:ea typeface="+mn-ea"/>
+                        <a:cs typeface="+mn-cs"/>
+                      </a:endParaRPr>
+                    </a:p>
+                  </a:txBody>
+                  <a:tcPr marT="0" anchor="ctr">
+                    <a:lnL w="12700" cmpd="sng">
+                      <a:noFill/>
+                    </a:lnL>
+                    <a:lnR w="12700" cap="flat" cmpd="sng" algn="ctr">
+                      <a:noFill/>
+                      <a:prstDash val="solid"/>
+                      <a:round/>
+                      <a:headEnd type="none" w="med" len="med"/>
+                      <a:tailEnd type="none" w="med" len="med"/>
+                    </a:lnR>
+                    <a:lnT w="12700" cap="flat" cmpd="sng" algn="ctr">
+                      <a:noFill/>
+                      <a:prstDash val="solid"/>
+                      <a:round/>
+                      <a:headEnd type="none" w="med" len="med"/>
+                      <a:tailEnd type="none" w="med" len="med"/>
+                    </a:lnT>
+                    <a:lnB w="12700" cap="flat" cmpd="sng" algn="ctr">
+                      <a:noFill/>
+                      <a:prstDash val="solid"/>
+                      <a:round/>
+                      <a:headEnd type="none" w="med" len="med"/>
+                      <a:tailEnd type="none" w="med" len="med"/>
+                    </a:lnB>
+                    <a:lnTlToBr w="12700" cmpd="sng">
+                      <a:noFill/>
+                      <a:prstDash val="solid"/>
+                    </a:lnTlToBr>
+                    <a:lnBlToTr w="12700" cmpd="sng">
+                      <a:noFill/>
+                      <a:prstDash val="solid"/>
+                    </a:lnBlToTr>
+                  </a:tcPr>
+                </a:tc>
+                <a:extLst>
+                  <a:ext uri="{0D108BD9-81ED-4DB2-BD59-A6C34878D82A}">
+                    <a16:rowId xmlns:a16="http://schemas.microsoft.com/office/drawing/2014/main" val="179130374"/>
+                  </a:ext>
+                </a:extLst>
+              </a:tr>
+              <a:tr h="172233">
+                <a:tc gridSpan="4">
+                  <a:txBody>
+                    <a:bodyPr/>
+                    <a:lstStyle/>
+                    <a:p>
+                      <a:pPr marL="91440" indent="-91440" algn="just" rtl="0">
+                        <a:buFont typeface="Arial" panose="020B0604020202020204" pitchFamily="34" charset="0"/>
+                        <a:buChar char="•"/>
+                      </a:pPr>
+                      <a:r>
+                        <a:rPr lang="en-US" sz="1100" kern="1200" dirty="0" smtClean="0">
                           <a:solidFill>
                             <a:schemeClr val="tx1"/>
                           </a:solidFill>
@@ -13157,9 +14164,9 @@
                           <a:ea typeface="+mn-ea"/>
                           <a:cs typeface="+mn-cs"/>
                         </a:rPr>
-                        <a:t>Soft Skills:</a:t>
+                        <a:t>Extracting video frames and concatenate them using OpenCV in Python.</a:t>
                       </a:r>
-                      <a:endParaRPr lang="fa-IR" sz="1200" b="1" kern="1200" dirty="0">
+                      <a:endParaRPr lang="fa-IR" sz="1100" kern="1200" dirty="0">
                         <a:solidFill>
                           <a:schemeClr val="tx1"/>
                         </a:solidFill>
@@ -13169,18 +14176,34 @@
                       </a:endParaRPr>
                     </a:p>
                   </a:txBody>
-                  <a:tcPr marR="0">
-                    <a:lnL w="12700" cmpd="sng">
-                      <a:noFill/>
+                  <a:tcPr marT="0" marB="0" anchor="ctr">
+                    <a:lnL w="12700" cap="flat" cmpd="sng" algn="ctr">
+                      <a:noFill/>
+                      <a:prstDash val="solid"/>
+                      <a:round/>
+                      <a:headEnd type="none" w="med" len="med"/>
+                      <a:tailEnd type="none" w="med" len="med"/>
                     </a:lnL>
-                    <a:lnR w="12700" cmpd="sng">
-                      <a:noFill/>
+                    <a:lnR w="12700" cap="flat" cmpd="sng" algn="ctr">
+                      <a:noFill/>
+                      <a:prstDash val="solid"/>
+                      <a:round/>
+                      <a:headEnd type="none" w="med" len="med"/>
+                      <a:tailEnd type="none" w="med" len="med"/>
                     </a:lnR>
-                    <a:lnT w="12700" cmpd="sng">
-                      <a:noFill/>
+                    <a:lnT w="12700" cap="flat" cmpd="sng" algn="ctr">
+                      <a:noFill/>
+                      <a:prstDash val="solid"/>
+                      <a:round/>
+                      <a:headEnd type="none" w="med" len="med"/>
+                      <a:tailEnd type="none" w="med" len="med"/>
                     </a:lnT>
-                    <a:lnB w="12700" cmpd="sng">
-                      <a:noFill/>
+                    <a:lnB w="12700" cap="flat" cmpd="sng" algn="ctr">
+                      <a:noFill/>
+                      <a:prstDash val="solid"/>
+                      <a:round/>
+                      <a:headEnd type="none" w="med" len="med"/>
+                      <a:tailEnd type="none" w="med" len="med"/>
                     </a:lnB>
                     <a:lnTlToBr w="12700" cmpd="sng">
                       <a:noFill/>
@@ -13198,50 +14221,10 @@
                     <a:lstStyle/>
                     <a:p>
                       <a:pPr rtl="1"/>
-                      <a:endParaRPr lang="fa-IR" dirty="0"/>
+                      <a:endParaRPr lang="fa-IR"/>
                     </a:p>
                   </a:txBody>
                   <a:tcPr/>
-                </a:tc>
-                <a:tc gridSpan="4">
-                  <a:txBody>
-                    <a:bodyPr/>
-                    <a:lstStyle/>
-                    <a:p>
-                      <a:pPr algn="just" rtl="0"/>
-                      <a:r>
-                        <a:rPr lang="en-US" sz="1100" dirty="0" smtClean="0">
-                          <a:latin typeface="Calibri Light" panose="020F0302020204030204" pitchFamily="34" charset="0"/>
-                        </a:rPr>
-                        <a:t>Teamwork, Easily Adaptable, Critical Thinking, Writing Skills, Presentation Skills, Report Writing, Self-Management, Self-Awareness, Responsibility.</a:t>
-                      </a:r>
-                      <a:endParaRPr lang="fa-IR" sz="1100" dirty="0">
-                        <a:latin typeface="Calibri Light" panose="020F0302020204030204" pitchFamily="34" charset="0"/>
-                      </a:endParaRPr>
-                    </a:p>
-                  </a:txBody>
-                  <a:tcPr marL="0" anchor="ctr">
-                    <a:lnL w="12700" cmpd="sng">
-                      <a:noFill/>
-                    </a:lnL>
-                    <a:lnR w="12700" cmpd="sng">
-                      <a:noFill/>
-                    </a:lnR>
-                    <a:lnT w="12700" cmpd="sng">
-                      <a:noFill/>
-                    </a:lnT>
-                    <a:lnB w="12700" cmpd="sng">
-                      <a:noFill/>
-                    </a:lnB>
-                    <a:lnTlToBr w="12700" cmpd="sng">
-                      <a:noFill/>
-                      <a:prstDash val="solid"/>
-                    </a:lnTlToBr>
-                    <a:lnBlToTr w="12700" cmpd="sng">
-                      <a:noFill/>
-                      <a:prstDash val="solid"/>
-                    </a:lnBlToTr>
-                  </a:tcPr>
                 </a:tc>
                 <a:tc hMerge="1">
                   <a:txBody>
@@ -13265,38 +14248,20 @@
                   </a:txBody>
                   <a:tcPr/>
                 </a:tc>
-                <a:tc hMerge="1">
-                  <a:txBody>
-                    <a:bodyPr/>
-                    <a:lstStyle/>
-                    <a:p>
-                      <a:pPr rtl="1"/>
-                      <a:endParaRPr lang="fa-IR"/>
-                    </a:p>
-                  </a:txBody>
-                  <a:tcPr/>
-                </a:tc>
-                <a:extLst>
-                  <a:ext uri="{0D108BD9-81ED-4DB2-BD59-A6C34878D82A}">
-                    <a16:rowId xmlns:a16="http://schemas.microsoft.com/office/drawing/2014/main" val="3972795000"/>
-                  </a:ext>
-                </a:extLst>
-              </a:tr>
-              <a:tr h="261257">
-                <a:tc gridSpan="2">
-                  <a:txBody>
-                    <a:bodyPr/>
-                    <a:lstStyle/>
-                    <a:p>
-                      <a:pPr marL="0" marR="0" indent="0" algn="l" defTabSz="1320759" rtl="0" eaLnBrk="1" fontAlgn="auto" latinLnBrk="0" hangingPunct="1">
+                <a:tc vMerge="1">
+                  <a:txBody>
+                    <a:bodyPr/>
+                    <a:lstStyle/>
+                    <a:p>
+                      <a:pPr marL="0" marR="0" indent="0" algn="ctr" defTabSz="1320759" rtl="0" eaLnBrk="1" fontAlgn="auto" latinLnBrk="0" hangingPunct="1">
                         <a:lnSpc>
                           <a:spcPct val="100000"/>
                         </a:lnSpc>
                         <a:spcBef>
-                          <a:spcPts val="0"/>
+                          <a:spcPts val="600"/>
                         </a:spcBef>
                         <a:spcAft>
-                          <a:spcPts val="0"/>
+                          <a:spcPts val="600"/>
                         </a:spcAft>
                         <a:buClrTx/>
                         <a:buSzTx/>
@@ -13305,264 +14270,41 @@
                         <a:tabLst/>
                         <a:defRPr/>
                       </a:pPr>
-                      <a:r>
-                        <a:rPr lang="en-US" sz="1200" b="1" i="0" kern="1200" dirty="0" smtClean="0">
-                          <a:solidFill>
-                            <a:schemeClr val="tx1"/>
-                          </a:solidFill>
-                          <a:effectLst/>
-                          <a:latin typeface="Calibri Light" panose="020F0302020204030204" pitchFamily="34" charset="0"/>
-                          <a:ea typeface="+mn-ea"/>
-                          <a:cs typeface="+mn-cs"/>
-                        </a:rPr>
-                        <a:t>Languages</a:t>
-                      </a:r>
-                      <a:r>
-                        <a:rPr lang="en-US" sz="1200" b="0" i="0" kern="1200" dirty="0" smtClean="0">
-                          <a:solidFill>
-                            <a:schemeClr val="tx1"/>
-                          </a:solidFill>
-                          <a:effectLst/>
-                          <a:latin typeface="Calibri Light" panose="020F0302020204030204" pitchFamily="34" charset="0"/>
-                          <a:ea typeface="+mn-ea"/>
-                          <a:cs typeface="+mn-cs"/>
-                        </a:rPr>
-                        <a:t>:</a:t>
-                      </a:r>
-                      <a:endParaRPr lang="fa-IR" sz="1200" b="1" kern="1200" dirty="0">
+                      <a:endParaRPr lang="fa-IR" sz="1000" b="0" i="0" kern="1200" dirty="0">
                         <a:solidFill>
-                          <a:schemeClr val="tx1"/>
+                          <a:srgbClr val="0070C0"/>
                         </a:solidFill>
-                        <a:latin typeface="Calibri Light" panose="020F0302020204030204" pitchFamily="34" charset="0"/>
-                        <a:ea typeface="+mn-ea"/>
-                        <a:cs typeface="+mn-cs"/>
-                      </a:endParaRPr>
-                    </a:p>
-                  </a:txBody>
-                  <a:tcPr marR="0">
-                    <a:lnL w="12700" cmpd="sng">
-                      <a:noFill/>
-                    </a:lnL>
-                    <a:lnR w="12700" cmpd="sng">
-                      <a:noFill/>
-                    </a:lnR>
-                    <a:lnT w="12700" cmpd="sng">
-                      <a:noFill/>
-                    </a:lnT>
-                    <a:lnB w="12700" cmpd="sng">
-                      <a:noFill/>
-                    </a:lnB>
-                    <a:lnTlToBr w="12700" cmpd="sng">
-                      <a:noFill/>
-                      <a:prstDash val="solid"/>
-                    </a:lnTlToBr>
-                    <a:lnBlToTr w="12700" cmpd="sng">
-                      <a:noFill/>
-                      <a:prstDash val="solid"/>
-                    </a:lnBlToTr>
-                  </a:tcPr>
-                </a:tc>
-                <a:tc hMerge="1">
-                  <a:txBody>
-                    <a:bodyPr/>
-                    <a:lstStyle/>
-                    <a:p>
-                      <a:pPr algn="ctr" rtl="0"/>
-                      <a:endParaRPr lang="fa-IR" sz="1000" dirty="0">
-                        <a:latin typeface="Calibri Light" panose="020F0302020204030204" pitchFamily="34" charset="0"/>
-                      </a:endParaRPr>
-                    </a:p>
-                  </a:txBody>
-                  <a:tcPr anchor="ctr">
-                    <a:lnL w="12700" cmpd="sng">
-                      <a:noFill/>
-                    </a:lnL>
-                    <a:lnR w="12700" cmpd="sng">
-                      <a:noFill/>
-                    </a:lnR>
-                    <a:lnT w="12700" cmpd="sng">
-                      <a:noFill/>
-                    </a:lnT>
-                    <a:lnB w="12700" cmpd="sng">
-                      <a:noFill/>
-                    </a:lnB>
-                    <a:lnTlToBr w="12700" cmpd="sng">
-                      <a:noFill/>
-                      <a:prstDash val="solid"/>
-                    </a:lnTlToBr>
-                    <a:lnBlToTr w="12700" cmpd="sng">
-                      <a:noFill/>
-                      <a:prstDash val="solid"/>
-                    </a:lnBlToTr>
-                  </a:tcPr>
-                </a:tc>
-                <a:tc gridSpan="4">
-                  <a:txBody>
-                    <a:bodyPr/>
-                    <a:lstStyle/>
-                    <a:p>
-                      <a:pPr algn="just" rtl="0"/>
-                      <a:r>
-                        <a:rPr lang="en-US" sz="1100" b="0" i="0" kern="1200" dirty="0" smtClean="0">
-                          <a:solidFill>
-                            <a:schemeClr val="tx1"/>
-                          </a:solidFill>
-                          <a:effectLst/>
-                          <a:latin typeface="Calibri Light" panose="020F0302020204030204" pitchFamily="34" charset="0"/>
-                          <a:ea typeface="+mn-ea"/>
-                          <a:cs typeface="+mn-cs"/>
-                        </a:rPr>
-                        <a:t>English(Fluent), Persian(Native).</a:t>
-                      </a:r>
-                      <a:r>
-                        <a:rPr lang="en-US" sz="1100" dirty="0" smtClean="0">
-                          <a:latin typeface="Calibri Light" panose="020F0302020204030204" pitchFamily="34" charset="0"/>
-                        </a:rPr>
-                        <a:t> </a:t>
-                      </a:r>
-                      <a:endParaRPr lang="fa-IR" sz="1100" dirty="0">
-                        <a:latin typeface="Calibri Light" panose="020F0302020204030204" pitchFamily="34" charset="0"/>
-                      </a:endParaRPr>
-                    </a:p>
-                  </a:txBody>
-                  <a:tcPr marL="0" anchor="ctr">
-                    <a:lnL w="12700" cmpd="sng">
-                      <a:noFill/>
-                    </a:lnL>
-                    <a:lnR w="12700" cmpd="sng">
-                      <a:noFill/>
-                    </a:lnR>
-                    <a:lnT w="12700" cmpd="sng">
-                      <a:noFill/>
-                    </a:lnT>
-                    <a:lnB w="12700" cmpd="sng">
-                      <a:noFill/>
-                    </a:lnB>
-                    <a:lnTlToBr w="12700" cmpd="sng">
-                      <a:noFill/>
-                      <a:prstDash val="solid"/>
-                    </a:lnTlToBr>
-                    <a:lnBlToTr w="12700" cmpd="sng">
-                      <a:noFill/>
-                      <a:prstDash val="solid"/>
-                    </a:lnBlToTr>
-                  </a:tcPr>
-                </a:tc>
-                <a:tc hMerge="1">
-                  <a:txBody>
-                    <a:bodyPr/>
-                    <a:lstStyle/>
-                    <a:p>
-                      <a:pPr algn="ctr" rtl="0"/>
-                      <a:endParaRPr lang="fa-IR" sz="1000" dirty="0">
-                        <a:latin typeface="Calibri Light" panose="020F0302020204030204" pitchFamily="34" charset="0"/>
-                      </a:endParaRPr>
-                    </a:p>
-                  </a:txBody>
-                  <a:tcPr anchor="ctr">
-                    <a:lnL w="12700" cmpd="sng">
-                      <a:noFill/>
-                    </a:lnL>
-                    <a:lnR w="12700" cmpd="sng">
-                      <a:noFill/>
-                    </a:lnR>
-                    <a:lnT w="12700" cmpd="sng">
-                      <a:noFill/>
-                    </a:lnT>
-                    <a:lnB w="12700" cmpd="sng">
-                      <a:noFill/>
-                    </a:lnB>
-                    <a:lnTlToBr w="12700" cmpd="sng">
-                      <a:noFill/>
-                      <a:prstDash val="solid"/>
-                    </a:lnTlToBr>
-                    <a:lnBlToTr w="12700" cmpd="sng">
-                      <a:noFill/>
-                      <a:prstDash val="solid"/>
-                    </a:lnBlToTr>
-                  </a:tcPr>
-                </a:tc>
-                <a:tc hMerge="1">
-                  <a:txBody>
-                    <a:bodyPr/>
-                    <a:lstStyle/>
-                    <a:p>
-                      <a:pPr algn="ctr" rtl="0"/>
-                      <a:endParaRPr lang="fa-IR" sz="1000" dirty="0">
-                        <a:latin typeface="Calibri Light" panose="020F0302020204030204" pitchFamily="34" charset="0"/>
-                      </a:endParaRPr>
-                    </a:p>
-                  </a:txBody>
-                  <a:tcPr anchor="ctr">
-                    <a:lnL w="12700" cmpd="sng">
-                      <a:noFill/>
-                    </a:lnL>
-                    <a:lnR w="12700" cmpd="sng">
-                      <a:noFill/>
-                    </a:lnR>
-                    <a:lnT w="12700" cmpd="sng">
-                      <a:noFill/>
-                    </a:lnT>
-                    <a:lnB w="12700" cmpd="sng">
-                      <a:noFill/>
-                    </a:lnB>
-                    <a:lnTlToBr w="12700" cmpd="sng">
-                      <a:noFill/>
-                      <a:prstDash val="solid"/>
-                    </a:lnTlToBr>
-                    <a:lnBlToTr w="12700" cmpd="sng">
-                      <a:noFill/>
-                      <a:prstDash val="solid"/>
-                    </a:lnBlToTr>
-                  </a:tcPr>
-                </a:tc>
-                <a:tc hMerge="1">
-                  <a:txBody>
-                    <a:bodyPr/>
-                    <a:lstStyle/>
-                    <a:p>
-                      <a:pPr marL="0" marR="0" indent="0" algn="ctr" defTabSz="1320759" rtl="0" eaLnBrk="1" fontAlgn="auto" latinLnBrk="0" hangingPunct="1">
-                        <a:lnSpc>
-                          <a:spcPct val="100000"/>
-                        </a:lnSpc>
-                        <a:spcBef>
-                          <a:spcPts val="0"/>
-                        </a:spcBef>
-                        <a:spcAft>
-                          <a:spcPts val="0"/>
-                        </a:spcAft>
-                        <a:buClrTx/>
-                        <a:buSzTx/>
-                        <a:buFontTx/>
-                        <a:buNone/>
-                        <a:tabLst/>
-                        <a:defRPr/>
-                      </a:pPr>
-                      <a:endParaRPr lang="fa-IR" sz="1200" b="0" kern="1200" dirty="0">
-                        <a:solidFill>
-                          <a:schemeClr val="tx1">
-                            <a:lumMod val="85000"/>
-                            <a:lumOff val="15000"/>
-                          </a:schemeClr>
-                        </a:solidFill>
+                        <a:effectLst/>
                         <a:latin typeface="Candara" panose="020E0502030303020204" pitchFamily="34" charset="0"/>
                         <a:ea typeface="+mn-ea"/>
                         <a:cs typeface="+mn-cs"/>
                       </a:endParaRPr>
                     </a:p>
                   </a:txBody>
-                  <a:tcPr anchor="ctr">
+                  <a:tcPr marT="0" anchor="ctr">
                     <a:lnL w="12700" cmpd="sng">
                       <a:noFill/>
                     </a:lnL>
-                    <a:lnR w="12700" cmpd="sng">
-                      <a:noFill/>
+                    <a:lnR w="12700" cap="flat" cmpd="sng" algn="ctr">
+                      <a:noFill/>
+                      <a:prstDash val="solid"/>
+                      <a:round/>
+                      <a:headEnd type="none" w="med" len="med"/>
+                      <a:tailEnd type="none" w="med" len="med"/>
                     </a:lnR>
-                    <a:lnT w="12700" cmpd="sng">
-                      <a:noFill/>
+                    <a:lnT w="12700" cap="flat" cmpd="sng" algn="ctr">
+                      <a:noFill/>
+                      <a:prstDash val="solid"/>
+                      <a:round/>
+                      <a:headEnd type="none" w="med" len="med"/>
+                      <a:tailEnd type="none" w="med" len="med"/>
                     </a:lnT>
-                    <a:lnB w="12700" cmpd="sng">
-                      <a:noFill/>
+                    <a:lnB w="12700" cap="flat" cmpd="sng" algn="ctr">
+                      <a:noFill/>
+                      <a:prstDash val="solid"/>
+                      <a:round/>
+                      <a:headEnd type="none" w="med" len="med"/>
+                      <a:tailEnd type="none" w="med" len="med"/>
                     </a:lnB>
                     <a:lnTlToBr w="12700" cmpd="sng">
                       <a:noFill/>
@@ -13576,7 +14318,7 @@
                 </a:tc>
                 <a:extLst>
                   <a:ext uri="{0D108BD9-81ED-4DB2-BD59-A6C34878D82A}">
-                    <a16:rowId xmlns:a16="http://schemas.microsoft.com/office/drawing/2014/main" val="291696126"/>
+                    <a16:rowId xmlns:a16="http://schemas.microsoft.com/office/drawing/2014/main" val="2866394513"/>
                   </a:ext>
                 </a:extLst>
               </a:tr>
